--- a/slides/Hasbrouck-Levich Network Microstructure Workshop.pptx
+++ b/slides/Hasbrouck-Levich Network Microstructure Workshop.pptx
@@ -5,10 +5,10 @@
     <p:sldMasterId id="2147483648" r:id="rId1"/>
   </p:sldMasterIdLst>
   <p:notesMasterIdLst>
-    <p:notesMasterId r:id="rId48"/>
+    <p:notesMasterId r:id="rId49"/>
   </p:notesMasterIdLst>
   <p:handoutMasterIdLst>
-    <p:handoutMasterId r:id="rId49"/>
+    <p:handoutMasterId r:id="rId50"/>
   </p:handoutMasterIdLst>
   <p:sldIdLst>
     <p:sldId id="261" r:id="rId2"/>
@@ -26,37 +26,38 @@
     <p:sldId id="343" r:id="rId14"/>
     <p:sldId id="435" r:id="rId15"/>
     <p:sldId id="346" r:id="rId16"/>
-    <p:sldId id="267" r:id="rId17"/>
-    <p:sldId id="445" r:id="rId18"/>
-    <p:sldId id="422" r:id="rId19"/>
-    <p:sldId id="450" r:id="rId20"/>
-    <p:sldId id="492" r:id="rId21"/>
-    <p:sldId id="323" r:id="rId22"/>
-    <p:sldId id="524" r:id="rId23"/>
-    <p:sldId id="556" r:id="rId24"/>
-    <p:sldId id="549" r:id="rId25"/>
-    <p:sldId id="550" r:id="rId26"/>
-    <p:sldId id="503" r:id="rId27"/>
-    <p:sldId id="537" r:id="rId28"/>
-    <p:sldId id="555" r:id="rId29"/>
-    <p:sldId id="558" r:id="rId30"/>
-    <p:sldId id="528" r:id="rId31"/>
-    <p:sldId id="530" r:id="rId32"/>
-    <p:sldId id="510" r:id="rId33"/>
-    <p:sldId id="531" r:id="rId34"/>
-    <p:sldId id="329" r:id="rId35"/>
-    <p:sldId id="360" r:id="rId36"/>
-    <p:sldId id="554" r:id="rId37"/>
-    <p:sldId id="548" r:id="rId38"/>
-    <p:sldId id="325" r:id="rId39"/>
-    <p:sldId id="500" r:id="rId40"/>
-    <p:sldId id="501" r:id="rId41"/>
-    <p:sldId id="504" r:id="rId42"/>
-    <p:sldId id="505" r:id="rId43"/>
-    <p:sldId id="567" r:id="rId44"/>
-    <p:sldId id="557" r:id="rId45"/>
-    <p:sldId id="527" r:id="rId46"/>
-    <p:sldId id="512" r:id="rId47"/>
+    <p:sldId id="329" r:id="rId17"/>
+    <p:sldId id="360" r:id="rId18"/>
+    <p:sldId id="267" r:id="rId19"/>
+    <p:sldId id="445" r:id="rId20"/>
+    <p:sldId id="422" r:id="rId21"/>
+    <p:sldId id="450" r:id="rId22"/>
+    <p:sldId id="492" r:id="rId23"/>
+    <p:sldId id="323" r:id="rId24"/>
+    <p:sldId id="524" r:id="rId25"/>
+    <p:sldId id="556" r:id="rId26"/>
+    <p:sldId id="549" r:id="rId27"/>
+    <p:sldId id="550" r:id="rId28"/>
+    <p:sldId id="503" r:id="rId29"/>
+    <p:sldId id="568" r:id="rId30"/>
+    <p:sldId id="537" r:id="rId31"/>
+    <p:sldId id="555" r:id="rId32"/>
+    <p:sldId id="558" r:id="rId33"/>
+    <p:sldId id="528" r:id="rId34"/>
+    <p:sldId id="530" r:id="rId35"/>
+    <p:sldId id="510" r:id="rId36"/>
+    <p:sldId id="531" r:id="rId37"/>
+    <p:sldId id="325" r:id="rId38"/>
+    <p:sldId id="554" r:id="rId39"/>
+    <p:sldId id="548" r:id="rId40"/>
+    <p:sldId id="500" r:id="rId41"/>
+    <p:sldId id="501" r:id="rId42"/>
+    <p:sldId id="504" r:id="rId43"/>
+    <p:sldId id="505" r:id="rId44"/>
+    <p:sldId id="567" r:id="rId45"/>
+    <p:sldId id="557" r:id="rId46"/>
+    <p:sldId id="527" r:id="rId47"/>
+    <p:sldId id="512" r:id="rId48"/>
   </p:sldIdLst>
   <p:sldSz cx="12192000" cy="6858000"/>
   <p:notesSz cx="6858000" cy="9296400"/>
@@ -183,6 +184,8 @@
             <p14:sldId id="343"/>
             <p14:sldId id="435"/>
             <p14:sldId id="346"/>
+            <p14:sldId id="329"/>
+            <p14:sldId id="360"/>
             <p14:sldId id="267"/>
             <p14:sldId id="445"/>
             <p14:sldId id="422"/>
@@ -198,6 +201,7 @@
             <p14:sldId id="549"/>
             <p14:sldId id="550"/>
             <p14:sldId id="503"/>
+            <p14:sldId id="568"/>
             <p14:sldId id="537"/>
             <p14:sldId id="555"/>
             <p14:sldId id="558"/>
@@ -209,11 +213,9 @@
         </p14:section>
         <p14:section name="Extra tables and figures" id="{05999096-D432-48B3-A032-97823D1D1536}">
           <p14:sldIdLst>
-            <p14:sldId id="329"/>
-            <p14:sldId id="360"/>
+            <p14:sldId id="325"/>
             <p14:sldId id="554"/>
             <p14:sldId id="548"/>
-            <p14:sldId id="325"/>
             <p14:sldId id="500"/>
             <p14:sldId id="501"/>
             <p14:sldId id="504"/>
@@ -407,7 +409,7 @@
           <a:p>
             <a:fld id="{B91139D9-780A-463C-9549-50C1BBA66EF8}" type="datetimeFigureOut">
               <a:rPr lang="en-US" smtClean="0"/>
-              <a:t>2/15/2021</a:t>
+              <a:t>2/16/2021</a:t>
             </a:fld>
             <a:endParaRPr lang="en-US"/>
           </a:p>
@@ -507,7 +509,7 @@
             <a:fld id="{97964C3F-4887-48C2-A194-A597530F221B}" type="datetimeFigureOut">
               <a:rPr lang="en-US" smtClean="0"/>
               <a:pPr/>
-              <a:t>2/15/2021</a:t>
+              <a:t>2/16/2021</a:t>
             </a:fld>
             <a:endParaRPr lang="en-US"/>
           </a:p>
@@ -8378,7 +8380,7 @@
           <a:p>
             <a:r>
               <a:rPr lang="en-US" dirty="0"/>
-              <a:t>Foreign Exchange (FX) market is large and important</a:t>
+              <a:t>Foreign Exchange (FX) market is larger</a:t>
             </a:r>
           </a:p>
         </p:txBody>
@@ -8453,6 +8455,18 @@
             <a:r>
               <a:rPr lang="it-IT" i="1" dirty="0"/>
               <a:t>Probably</a:t>
+            </a:r>
+          </a:p>
+          <a:p>
+            <a:endParaRPr lang="it-IT" i="1" dirty="0"/>
+          </a:p>
+          <a:p>
+            <a:endParaRPr lang="it-IT" i="1" dirty="0"/>
+          </a:p>
+          <a:p>
+            <a:r>
+              <a:rPr lang="it-IT" i="1" dirty="0"/>
+              <a:t>Questions?</a:t>
             </a:r>
           </a:p>
           <a:p>
@@ -9173,6 +9187,1951 @@
       </p:grpSpPr>
       <p:sp>
         <p:nvSpPr>
+          <p:cNvPr id="2" name="Title 1">
+            <a:extLst>
+              <a:ext uri="{FF2B5EF4-FFF2-40B4-BE49-F238E27FC236}">
+                <a16:creationId xmlns:a16="http://schemas.microsoft.com/office/drawing/2014/main" id="{C3EF1519-1274-47E7-B997-6CA2DE5C54F4}"/>
+              </a:ext>
+            </a:extLst>
+          </p:cNvPr>
+          <p:cNvSpPr>
+            <a:spLocks noGrp="1"/>
+          </p:cNvSpPr>
+          <p:nvPr>
+            <p:ph type="title"/>
+          </p:nvPr>
+        </p:nvSpPr>
+        <p:spPr>
+          <a:xfrm>
+            <a:off x="609600" y="229442"/>
+            <a:ext cx="10972800" cy="974242"/>
+          </a:xfrm>
+        </p:spPr>
+        <p:txBody>
+          <a:bodyPr>
+            <a:noAutofit/>
+          </a:bodyPr>
+          <a:lstStyle/>
+          <a:p>
+            <a:pPr algn="ctr"/>
+            <a:r>
+              <a:rPr lang="en-US" sz="2800" dirty="0"/>
+              <a:t>“Citi receives €1M from Morgan; Morgan receives $1.1M from Citi” </a:t>
+            </a:r>
+            <a:r>
+              <a:rPr lang="en-US" sz="2800" b="1" dirty="0"/>
+              <a:t>Bilateral settlement via direct clearing</a:t>
+            </a:r>
+          </a:p>
+        </p:txBody>
+      </p:sp>
+      <p:sp>
+        <p:nvSpPr>
+          <p:cNvPr id="4" name="Slide Number Placeholder 3">
+            <a:extLst>
+              <a:ext uri="{FF2B5EF4-FFF2-40B4-BE49-F238E27FC236}">
+                <a16:creationId xmlns:a16="http://schemas.microsoft.com/office/drawing/2014/main" id="{E4E1E558-97B5-42EE-9673-F3A0073A6EA7}"/>
+              </a:ext>
+            </a:extLst>
+          </p:cNvPr>
+          <p:cNvSpPr>
+            <a:spLocks noGrp="1"/>
+          </p:cNvSpPr>
+          <p:nvPr>
+            <p:ph type="sldNum" sz="quarter" idx="12"/>
+          </p:nvPr>
+        </p:nvSpPr>
+        <p:spPr/>
+        <p:txBody>
+          <a:bodyPr/>
+          <a:lstStyle/>
+          <a:p>
+            <a:fld id="{209BAFFF-E36A-4B57-9655-92B0909E7771}" type="slidenum">
+              <a:rPr lang="en-US" smtClean="0"/>
+              <a:pPr/>
+              <a:t>16</a:t>
+            </a:fld>
+            <a:endParaRPr lang="en-US"/>
+          </a:p>
+        </p:txBody>
+      </p:sp>
+      <p:sp>
+        <p:nvSpPr>
+          <p:cNvPr id="5" name="Rectangle: Rounded Corners 4">
+            <a:extLst>
+              <a:ext uri="{FF2B5EF4-FFF2-40B4-BE49-F238E27FC236}">
+                <a16:creationId xmlns:a16="http://schemas.microsoft.com/office/drawing/2014/main" id="{122D31E6-80BE-48C9-B31B-6095E6BBFFF6}"/>
+              </a:ext>
+            </a:extLst>
+          </p:cNvPr>
+          <p:cNvSpPr/>
+          <p:nvPr/>
+        </p:nvSpPr>
+        <p:spPr>
+          <a:xfrm>
+            <a:off x="609600" y="1560384"/>
+            <a:ext cx="914400" cy="4764215"/>
+          </a:xfrm>
+          <a:prstGeom prst="roundRect">
+            <a:avLst/>
+          </a:prstGeom>
+          <a:solidFill>
+            <a:schemeClr val="bg1"/>
+          </a:solidFill>
+        </p:spPr>
+        <p:style>
+          <a:lnRef idx="2">
+            <a:schemeClr val="accent1">
+              <a:shade val="50000"/>
+            </a:schemeClr>
+          </a:lnRef>
+          <a:fillRef idx="1">
+            <a:schemeClr val="accent1"/>
+          </a:fillRef>
+          <a:effectRef idx="0">
+            <a:schemeClr val="accent1"/>
+          </a:effectRef>
+          <a:fontRef idx="minor">
+            <a:schemeClr val="lt1"/>
+          </a:fontRef>
+        </p:style>
+        <p:txBody>
+          <a:bodyPr rot="0" spcFirstLastPara="0" vertOverflow="overflow" horzOverflow="overflow" vert="horz" wrap="square" lIns="91440" tIns="45720" rIns="91440" bIns="45720" numCol="1" spcCol="0" rtlCol="0" fromWordArt="0" anchor="ctr" anchorCtr="0" forceAA="0" compatLnSpc="1">
+            <a:prstTxWarp prst="textNoShape">
+              <a:avLst/>
+            </a:prstTxWarp>
+            <a:noAutofit/>
+          </a:bodyPr>
+          <a:lstStyle/>
+          <a:p>
+            <a:pPr algn="ctr"/>
+            <a:r>
+              <a:rPr lang="en-US" sz="2400" dirty="0">
+                <a:solidFill>
+                  <a:schemeClr val="tx2"/>
+                </a:solidFill>
+                <a:latin typeface="Cambria" pitchFamily="18" charset="0"/>
+              </a:rPr>
+              <a:t>Citi</a:t>
+            </a:r>
+          </a:p>
+        </p:txBody>
+      </p:sp>
+      <p:sp>
+        <p:nvSpPr>
+          <p:cNvPr id="6" name="Rectangle: Rounded Corners 5">
+            <a:extLst>
+              <a:ext uri="{FF2B5EF4-FFF2-40B4-BE49-F238E27FC236}">
+                <a16:creationId xmlns:a16="http://schemas.microsoft.com/office/drawing/2014/main" id="{491F2329-9753-440E-A75F-FF8CA19AB4D5}"/>
+              </a:ext>
+            </a:extLst>
+          </p:cNvPr>
+          <p:cNvSpPr/>
+          <p:nvPr/>
+        </p:nvSpPr>
+        <p:spPr>
+          <a:xfrm>
+            <a:off x="9144000" y="1560411"/>
+            <a:ext cx="1524000" cy="4764187"/>
+          </a:xfrm>
+          <a:prstGeom prst="roundRect">
+            <a:avLst/>
+          </a:prstGeom>
+          <a:solidFill>
+            <a:schemeClr val="bg1"/>
+          </a:solidFill>
+        </p:spPr>
+        <p:style>
+          <a:lnRef idx="2">
+            <a:schemeClr val="accent1">
+              <a:shade val="50000"/>
+            </a:schemeClr>
+          </a:lnRef>
+          <a:fillRef idx="1">
+            <a:schemeClr val="accent1"/>
+          </a:fillRef>
+          <a:effectRef idx="0">
+            <a:schemeClr val="accent1"/>
+          </a:effectRef>
+          <a:fontRef idx="minor">
+            <a:schemeClr val="lt1"/>
+          </a:fontRef>
+        </p:style>
+        <p:txBody>
+          <a:bodyPr rot="0" spcFirstLastPara="0" vertOverflow="overflow" horzOverflow="overflow" vert="horz" wrap="square" lIns="91440" tIns="45720" rIns="91440" bIns="45720" numCol="1" spcCol="0" rtlCol="0" fromWordArt="0" anchor="ctr" anchorCtr="0" forceAA="0" compatLnSpc="1">
+            <a:prstTxWarp prst="textNoShape">
+              <a:avLst/>
+            </a:prstTxWarp>
+            <a:noAutofit/>
+          </a:bodyPr>
+          <a:lstStyle/>
+          <a:p>
+            <a:pPr algn="ctr"/>
+            <a:r>
+              <a:rPr lang="en-US" sz="2400" dirty="0">
+                <a:solidFill>
+                  <a:schemeClr val="tx2"/>
+                </a:solidFill>
+                <a:latin typeface="Cambria" pitchFamily="18" charset="0"/>
+              </a:rPr>
+              <a:t>Morgan</a:t>
+            </a:r>
+          </a:p>
+        </p:txBody>
+      </p:sp>
+      <p:sp>
+        <p:nvSpPr>
+          <p:cNvPr id="7" name="Rectangle: Rounded Corners 6">
+            <a:extLst>
+              <a:ext uri="{FF2B5EF4-FFF2-40B4-BE49-F238E27FC236}">
+                <a16:creationId xmlns:a16="http://schemas.microsoft.com/office/drawing/2014/main" id="{18DD47E9-2FF4-4F19-9AAF-74E5AE7EF677}"/>
+              </a:ext>
+            </a:extLst>
+          </p:cNvPr>
+          <p:cNvSpPr/>
+          <p:nvPr/>
+        </p:nvSpPr>
+        <p:spPr>
+          <a:xfrm>
+            <a:off x="4104600" y="1560383"/>
+            <a:ext cx="2763600" cy="1379255"/>
+          </a:xfrm>
+          <a:prstGeom prst="roundRect">
+            <a:avLst/>
+          </a:prstGeom>
+          <a:solidFill>
+            <a:schemeClr val="bg1"/>
+          </a:solidFill>
+        </p:spPr>
+        <p:style>
+          <a:lnRef idx="2">
+            <a:schemeClr val="accent1">
+              <a:shade val="50000"/>
+            </a:schemeClr>
+          </a:lnRef>
+          <a:fillRef idx="1">
+            <a:schemeClr val="accent1"/>
+          </a:fillRef>
+          <a:effectRef idx="0">
+            <a:schemeClr val="accent1"/>
+          </a:effectRef>
+          <a:fontRef idx="minor">
+            <a:schemeClr val="lt1"/>
+          </a:fontRef>
+        </p:style>
+        <p:txBody>
+          <a:bodyPr rot="0" spcFirstLastPara="0" vertOverflow="overflow" horzOverflow="overflow" vert="horz" wrap="square" lIns="91440" tIns="45720" rIns="91440" bIns="45720" numCol="1" spcCol="0" rtlCol="0" fromWordArt="0" anchor="ctr" anchorCtr="0" forceAA="0" compatLnSpc="1">
+            <a:prstTxWarp prst="textNoShape">
+              <a:avLst/>
+            </a:prstTxWarp>
+            <a:noAutofit/>
+          </a:bodyPr>
+          <a:lstStyle/>
+          <a:p>
+            <a:pPr algn="ctr"/>
+            <a:r>
+              <a:rPr lang="en-US" sz="2400" dirty="0">
+                <a:solidFill>
+                  <a:schemeClr val="tx2"/>
+                </a:solidFill>
+                <a:latin typeface="Cambria" pitchFamily="18" charset="0"/>
+              </a:rPr>
+              <a:t>EBS (an institutional limit order market)</a:t>
+            </a:r>
+          </a:p>
+        </p:txBody>
+      </p:sp>
+      <p:sp>
+        <p:nvSpPr>
+          <p:cNvPr id="8" name="Arrow: Left 7">
+            <a:extLst>
+              <a:ext uri="{FF2B5EF4-FFF2-40B4-BE49-F238E27FC236}">
+                <a16:creationId xmlns:a16="http://schemas.microsoft.com/office/drawing/2014/main" id="{2032EB87-22AA-4D88-AAB4-091139991A9D}"/>
+              </a:ext>
+            </a:extLst>
+          </p:cNvPr>
+          <p:cNvSpPr/>
+          <p:nvPr/>
+        </p:nvSpPr>
+        <p:spPr>
+          <a:xfrm>
+            <a:off x="1752600" y="2357648"/>
+            <a:ext cx="2047200" cy="632222"/>
+          </a:xfrm>
+          <a:prstGeom prst="leftArrow">
+            <a:avLst/>
+          </a:prstGeom>
+          <a:solidFill>
+            <a:schemeClr val="bg1"/>
+          </a:solidFill>
+        </p:spPr>
+        <p:style>
+          <a:lnRef idx="2">
+            <a:schemeClr val="accent1">
+              <a:shade val="50000"/>
+            </a:schemeClr>
+          </a:lnRef>
+          <a:fillRef idx="1">
+            <a:schemeClr val="accent1"/>
+          </a:fillRef>
+          <a:effectRef idx="0">
+            <a:schemeClr val="accent1"/>
+          </a:effectRef>
+          <a:fontRef idx="minor">
+            <a:schemeClr val="lt1"/>
+          </a:fontRef>
+        </p:style>
+        <p:txBody>
+          <a:bodyPr rot="0" spcFirstLastPara="0" vertOverflow="overflow" horzOverflow="overflow" vert="horz" wrap="square" lIns="91440" tIns="45720" rIns="91440" bIns="45720" numCol="1" spcCol="0" rtlCol="0" fromWordArt="0" anchor="ctr" anchorCtr="0" forceAA="0" compatLnSpc="1">
+            <a:prstTxWarp prst="textNoShape">
+              <a:avLst/>
+            </a:prstTxWarp>
+            <a:noAutofit/>
+          </a:bodyPr>
+          <a:lstStyle/>
+          <a:p>
+            <a:pPr algn="ctr"/>
+            <a:r>
+              <a:rPr lang="en-US" sz="2400" dirty="0">
+                <a:solidFill>
+                  <a:schemeClr val="tx2"/>
+                </a:solidFill>
+                <a:latin typeface="Cambria" pitchFamily="18" charset="0"/>
+              </a:rPr>
+              <a:t>Report</a:t>
+            </a:r>
+          </a:p>
+        </p:txBody>
+      </p:sp>
+      <p:sp>
+        <p:nvSpPr>
+          <p:cNvPr id="13" name="Arrow: Left 12">
+            <a:extLst>
+              <a:ext uri="{FF2B5EF4-FFF2-40B4-BE49-F238E27FC236}">
+                <a16:creationId xmlns:a16="http://schemas.microsoft.com/office/drawing/2014/main" id="{78DDA7F2-CD3B-45A5-BF30-05E513F26BF1}"/>
+              </a:ext>
+            </a:extLst>
+          </p:cNvPr>
+          <p:cNvSpPr/>
+          <p:nvPr/>
+        </p:nvSpPr>
+        <p:spPr>
+          <a:xfrm flipH="1">
+            <a:off x="7119600" y="2359686"/>
+            <a:ext cx="1600200" cy="632222"/>
+          </a:xfrm>
+          <a:prstGeom prst="leftArrow">
+            <a:avLst/>
+          </a:prstGeom>
+          <a:solidFill>
+            <a:schemeClr val="bg1"/>
+          </a:solidFill>
+        </p:spPr>
+        <p:style>
+          <a:lnRef idx="2">
+            <a:schemeClr val="accent1">
+              <a:shade val="50000"/>
+            </a:schemeClr>
+          </a:lnRef>
+          <a:fillRef idx="1">
+            <a:schemeClr val="accent1"/>
+          </a:fillRef>
+          <a:effectRef idx="0">
+            <a:schemeClr val="accent1"/>
+          </a:effectRef>
+          <a:fontRef idx="minor">
+            <a:schemeClr val="lt1"/>
+          </a:fontRef>
+        </p:style>
+        <p:txBody>
+          <a:bodyPr rot="0" spcFirstLastPara="0" vertOverflow="overflow" horzOverflow="overflow" vert="horz" wrap="square" lIns="91440" tIns="45720" rIns="91440" bIns="45720" numCol="1" spcCol="0" rtlCol="0" fromWordArt="0" anchor="ctr" anchorCtr="0" forceAA="0" compatLnSpc="1">
+            <a:prstTxWarp prst="textNoShape">
+              <a:avLst/>
+            </a:prstTxWarp>
+            <a:noAutofit/>
+          </a:bodyPr>
+          <a:lstStyle/>
+          <a:p>
+            <a:pPr algn="ctr"/>
+            <a:r>
+              <a:rPr lang="en-US" sz="2400" dirty="0">
+                <a:solidFill>
+                  <a:schemeClr val="tx2"/>
+                </a:solidFill>
+                <a:latin typeface="Cambria" pitchFamily="18" charset="0"/>
+              </a:rPr>
+              <a:t>Report</a:t>
+            </a:r>
+          </a:p>
+        </p:txBody>
+      </p:sp>
+      <p:sp>
+        <p:nvSpPr>
+          <p:cNvPr id="14" name="Arrow: Left 13">
+            <a:extLst>
+              <a:ext uri="{FF2B5EF4-FFF2-40B4-BE49-F238E27FC236}">
+                <a16:creationId xmlns:a16="http://schemas.microsoft.com/office/drawing/2014/main" id="{DD8EC2B1-20AF-4D22-9D9F-1117D75B314A}"/>
+              </a:ext>
+            </a:extLst>
+          </p:cNvPr>
+          <p:cNvSpPr/>
+          <p:nvPr/>
+        </p:nvSpPr>
+        <p:spPr>
+          <a:xfrm>
+            <a:off x="7081500" y="1560383"/>
+            <a:ext cx="1600200" cy="632222"/>
+          </a:xfrm>
+          <a:prstGeom prst="leftArrow">
+            <a:avLst/>
+          </a:prstGeom>
+          <a:solidFill>
+            <a:schemeClr val="bg1"/>
+          </a:solidFill>
+        </p:spPr>
+        <p:style>
+          <a:lnRef idx="2">
+            <a:schemeClr val="accent1">
+              <a:shade val="50000"/>
+            </a:schemeClr>
+          </a:lnRef>
+          <a:fillRef idx="1">
+            <a:schemeClr val="accent1"/>
+          </a:fillRef>
+          <a:effectRef idx="0">
+            <a:schemeClr val="accent1"/>
+          </a:effectRef>
+          <a:fontRef idx="minor">
+            <a:schemeClr val="lt1"/>
+          </a:fontRef>
+        </p:style>
+        <p:txBody>
+          <a:bodyPr rot="0" spcFirstLastPara="0" vertOverflow="overflow" horzOverflow="overflow" vert="horz" wrap="square" lIns="91440" tIns="45720" rIns="91440" bIns="45720" numCol="1" spcCol="0" rtlCol="0" fromWordArt="0" anchor="ctr" anchorCtr="0" forceAA="0" compatLnSpc="1">
+            <a:prstTxWarp prst="textNoShape">
+              <a:avLst/>
+            </a:prstTxWarp>
+            <a:noAutofit/>
+          </a:bodyPr>
+          <a:lstStyle/>
+          <a:p>
+            <a:pPr algn="ctr"/>
+            <a:r>
+              <a:rPr lang="en-US" sz="2400" dirty="0">
+                <a:solidFill>
+                  <a:schemeClr val="tx2"/>
+                </a:solidFill>
+                <a:latin typeface="Cambria" pitchFamily="18" charset="0"/>
+              </a:rPr>
+              <a:t>Order</a:t>
+            </a:r>
+          </a:p>
+        </p:txBody>
+      </p:sp>
+      <p:sp>
+        <p:nvSpPr>
+          <p:cNvPr id="15" name="Arrow: Left-Right 14">
+            <a:extLst>
+              <a:ext uri="{FF2B5EF4-FFF2-40B4-BE49-F238E27FC236}">
+                <a16:creationId xmlns:a16="http://schemas.microsoft.com/office/drawing/2014/main" id="{87214134-7E84-418B-9721-7F25E29751BF}"/>
+              </a:ext>
+            </a:extLst>
+          </p:cNvPr>
+          <p:cNvSpPr/>
+          <p:nvPr/>
+        </p:nvSpPr>
+        <p:spPr>
+          <a:xfrm>
+            <a:off x="2209800" y="3402107"/>
+            <a:ext cx="6471900" cy="914400"/>
+          </a:xfrm>
+          <a:prstGeom prst="leftRightArrow">
+            <a:avLst/>
+          </a:prstGeom>
+          <a:solidFill>
+            <a:schemeClr val="bg1"/>
+          </a:solidFill>
+          <a:ln>
+            <a:solidFill>
+              <a:srgbClr val="00B050"/>
+            </a:solidFill>
+          </a:ln>
+        </p:spPr>
+        <p:style>
+          <a:lnRef idx="2">
+            <a:schemeClr val="accent1">
+              <a:shade val="50000"/>
+            </a:schemeClr>
+          </a:lnRef>
+          <a:fillRef idx="1">
+            <a:schemeClr val="accent1"/>
+          </a:fillRef>
+          <a:effectRef idx="0">
+            <a:schemeClr val="accent1"/>
+          </a:effectRef>
+          <a:fontRef idx="minor">
+            <a:schemeClr val="lt1"/>
+          </a:fontRef>
+        </p:style>
+        <p:txBody>
+          <a:bodyPr rot="0" spcFirstLastPara="0" vertOverflow="overflow" horzOverflow="overflow" vert="horz" wrap="square" lIns="91440" tIns="45720" rIns="91440" bIns="45720" numCol="1" spcCol="0" rtlCol="0" fromWordArt="0" anchor="ctr" anchorCtr="0" forceAA="0" compatLnSpc="1">
+            <a:prstTxWarp prst="textNoShape">
+              <a:avLst/>
+            </a:prstTxWarp>
+            <a:noAutofit/>
+          </a:bodyPr>
+          <a:lstStyle/>
+          <a:p>
+            <a:pPr algn="ctr"/>
+            <a:r>
+              <a:rPr lang="en-US" sz="2400" dirty="0">
+                <a:solidFill>
+                  <a:schemeClr val="tx2"/>
+                </a:solidFill>
+                <a:latin typeface="Cambria" pitchFamily="18" charset="0"/>
+              </a:rPr>
+              <a:t>Mutual confirmation</a:t>
+            </a:r>
+          </a:p>
+        </p:txBody>
+      </p:sp>
+      <p:sp>
+        <p:nvSpPr>
+          <p:cNvPr id="16" name="Arrow: Left 15">
+            <a:extLst>
+              <a:ext uri="{FF2B5EF4-FFF2-40B4-BE49-F238E27FC236}">
+                <a16:creationId xmlns:a16="http://schemas.microsoft.com/office/drawing/2014/main" id="{FCDB5FCA-7F5F-4C46-9E72-35F8317BE2AC}"/>
+              </a:ext>
+            </a:extLst>
+          </p:cNvPr>
+          <p:cNvSpPr/>
+          <p:nvPr/>
+        </p:nvSpPr>
+        <p:spPr>
+          <a:xfrm>
+            <a:off x="2057400" y="5230907"/>
+            <a:ext cx="6400800" cy="632222"/>
+          </a:xfrm>
+          <a:prstGeom prst="leftArrow">
+            <a:avLst/>
+          </a:prstGeom>
+          <a:solidFill>
+            <a:schemeClr val="bg1"/>
+          </a:solidFill>
+          <a:ln>
+            <a:solidFill>
+              <a:srgbClr val="00B050"/>
+            </a:solidFill>
+          </a:ln>
+        </p:spPr>
+        <p:style>
+          <a:lnRef idx="2">
+            <a:schemeClr val="accent1">
+              <a:shade val="50000"/>
+            </a:schemeClr>
+          </a:lnRef>
+          <a:fillRef idx="1">
+            <a:schemeClr val="accent1"/>
+          </a:fillRef>
+          <a:effectRef idx="0">
+            <a:schemeClr val="accent1"/>
+          </a:effectRef>
+          <a:fontRef idx="minor">
+            <a:schemeClr val="lt1"/>
+          </a:fontRef>
+        </p:style>
+        <p:txBody>
+          <a:bodyPr rot="0" spcFirstLastPara="0" vertOverflow="overflow" horzOverflow="overflow" vert="horz" wrap="square" lIns="91440" tIns="45720" rIns="91440" bIns="45720" numCol="1" spcCol="0" rtlCol="0" fromWordArt="0" anchor="ctr" anchorCtr="0" forceAA="0" compatLnSpc="1">
+            <a:prstTxWarp prst="textNoShape">
+              <a:avLst/>
+            </a:prstTxWarp>
+            <a:noAutofit/>
+          </a:bodyPr>
+          <a:lstStyle/>
+          <a:p>
+            <a:pPr algn="ctr"/>
+            <a:r>
+              <a:rPr lang="en-US" sz="2400" dirty="0">
+                <a:solidFill>
+                  <a:schemeClr val="tx2"/>
+                </a:solidFill>
+                <a:latin typeface="Cambria" pitchFamily="18" charset="0"/>
+              </a:rPr>
+              <a:t>€1M (SWIFT)</a:t>
+            </a:r>
+          </a:p>
+        </p:txBody>
+      </p:sp>
+      <p:sp>
+        <p:nvSpPr>
+          <p:cNvPr id="17" name="Arrow: Left 16">
+            <a:extLst>
+              <a:ext uri="{FF2B5EF4-FFF2-40B4-BE49-F238E27FC236}">
+                <a16:creationId xmlns:a16="http://schemas.microsoft.com/office/drawing/2014/main" id="{9774A45B-42BD-4BD9-A1F9-FF693C641896}"/>
+              </a:ext>
+            </a:extLst>
+          </p:cNvPr>
+          <p:cNvSpPr/>
+          <p:nvPr/>
+        </p:nvSpPr>
+        <p:spPr>
+          <a:xfrm flipH="1">
+            <a:off x="2438400" y="4648200"/>
+            <a:ext cx="6400800" cy="632222"/>
+          </a:xfrm>
+          <a:prstGeom prst="leftArrow">
+            <a:avLst/>
+          </a:prstGeom>
+          <a:solidFill>
+            <a:schemeClr val="bg1"/>
+          </a:solidFill>
+          <a:ln>
+            <a:solidFill>
+              <a:srgbClr val="00B050"/>
+            </a:solidFill>
+          </a:ln>
+        </p:spPr>
+        <p:style>
+          <a:lnRef idx="2">
+            <a:schemeClr val="accent1">
+              <a:shade val="50000"/>
+            </a:schemeClr>
+          </a:lnRef>
+          <a:fillRef idx="1">
+            <a:schemeClr val="accent1"/>
+          </a:fillRef>
+          <a:effectRef idx="0">
+            <a:schemeClr val="accent1"/>
+          </a:effectRef>
+          <a:fontRef idx="minor">
+            <a:schemeClr val="lt1"/>
+          </a:fontRef>
+        </p:style>
+        <p:txBody>
+          <a:bodyPr rot="0" spcFirstLastPara="0" vertOverflow="overflow" horzOverflow="overflow" vert="horz" wrap="square" lIns="91440" tIns="45720" rIns="91440" bIns="45720" numCol="1" spcCol="0" rtlCol="0" fromWordArt="0" anchor="ctr" anchorCtr="0" forceAA="0" compatLnSpc="1">
+            <a:prstTxWarp prst="textNoShape">
+              <a:avLst/>
+            </a:prstTxWarp>
+            <a:noAutofit/>
+          </a:bodyPr>
+          <a:lstStyle/>
+          <a:p>
+            <a:pPr algn="ctr"/>
+            <a:r>
+              <a:rPr lang="en-US" sz="2400" dirty="0">
+                <a:solidFill>
+                  <a:schemeClr val="tx2"/>
+                </a:solidFill>
+                <a:latin typeface="Cambria" pitchFamily="18" charset="0"/>
+              </a:rPr>
+              <a:t>$1.1M (SWIFT)</a:t>
+            </a:r>
+          </a:p>
+        </p:txBody>
+      </p:sp>
+      <p:sp>
+        <p:nvSpPr>
+          <p:cNvPr id="20" name="Arrow: Left 19">
+            <a:extLst>
+              <a:ext uri="{FF2B5EF4-FFF2-40B4-BE49-F238E27FC236}">
+                <a16:creationId xmlns:a16="http://schemas.microsoft.com/office/drawing/2014/main" id="{4FEFE73C-1F78-4FB2-A851-1B0984B1026B}"/>
+              </a:ext>
+            </a:extLst>
+          </p:cNvPr>
+          <p:cNvSpPr/>
+          <p:nvPr/>
+        </p:nvSpPr>
+        <p:spPr>
+          <a:xfrm flipH="1">
+            <a:off x="1752600" y="1577437"/>
+            <a:ext cx="2057400" cy="632222"/>
+          </a:xfrm>
+          <a:prstGeom prst="leftArrow">
+            <a:avLst/>
+          </a:prstGeom>
+          <a:solidFill>
+            <a:schemeClr val="bg1"/>
+          </a:solidFill>
+        </p:spPr>
+        <p:style>
+          <a:lnRef idx="2">
+            <a:schemeClr val="accent1">
+              <a:shade val="50000"/>
+            </a:schemeClr>
+          </a:lnRef>
+          <a:fillRef idx="1">
+            <a:schemeClr val="accent1"/>
+          </a:fillRef>
+          <a:effectRef idx="0">
+            <a:schemeClr val="accent1"/>
+          </a:effectRef>
+          <a:fontRef idx="minor">
+            <a:schemeClr val="lt1"/>
+          </a:fontRef>
+        </p:style>
+        <p:txBody>
+          <a:bodyPr rot="0" spcFirstLastPara="0" vertOverflow="overflow" horzOverflow="overflow" vert="horz" wrap="square" lIns="91440" tIns="45720" rIns="91440" bIns="45720" numCol="1" spcCol="0" rtlCol="0" fromWordArt="0" anchor="ctr" anchorCtr="0" forceAA="0" compatLnSpc="1">
+            <a:prstTxWarp prst="textNoShape">
+              <a:avLst/>
+            </a:prstTxWarp>
+            <a:noAutofit/>
+          </a:bodyPr>
+          <a:lstStyle/>
+          <a:p>
+            <a:pPr algn="ctr"/>
+            <a:r>
+              <a:rPr lang="en-US" sz="2400" dirty="0">
+                <a:solidFill>
+                  <a:schemeClr val="tx2"/>
+                </a:solidFill>
+                <a:latin typeface="Cambria" pitchFamily="18" charset="0"/>
+              </a:rPr>
+              <a:t>Order</a:t>
+            </a:r>
+          </a:p>
+        </p:txBody>
+      </p:sp>
+      <p:sp>
+        <p:nvSpPr>
+          <p:cNvPr id="21" name="Arrow: Left 20">
+            <a:extLst>
+              <a:ext uri="{FF2B5EF4-FFF2-40B4-BE49-F238E27FC236}">
+                <a16:creationId xmlns:a16="http://schemas.microsoft.com/office/drawing/2014/main" id="{5B921EDE-FF0A-4841-9EA1-1322F9956F9E}"/>
+              </a:ext>
+            </a:extLst>
+          </p:cNvPr>
+          <p:cNvSpPr/>
+          <p:nvPr/>
+        </p:nvSpPr>
+        <p:spPr>
+          <a:xfrm>
+            <a:off x="7081500" y="1577437"/>
+            <a:ext cx="1600200" cy="632222"/>
+          </a:xfrm>
+          <a:prstGeom prst="leftArrow">
+            <a:avLst/>
+          </a:prstGeom>
+          <a:solidFill>
+            <a:schemeClr val="bg1"/>
+          </a:solidFill>
+        </p:spPr>
+        <p:style>
+          <a:lnRef idx="2">
+            <a:schemeClr val="accent1">
+              <a:shade val="50000"/>
+            </a:schemeClr>
+          </a:lnRef>
+          <a:fillRef idx="1">
+            <a:schemeClr val="accent1"/>
+          </a:fillRef>
+          <a:effectRef idx="0">
+            <a:schemeClr val="accent1"/>
+          </a:effectRef>
+          <a:fontRef idx="minor">
+            <a:schemeClr val="lt1"/>
+          </a:fontRef>
+        </p:style>
+        <p:txBody>
+          <a:bodyPr rot="0" spcFirstLastPara="0" vertOverflow="overflow" horzOverflow="overflow" vert="horz" wrap="square" lIns="91440" tIns="45720" rIns="91440" bIns="45720" numCol="1" spcCol="0" rtlCol="0" fromWordArt="0" anchor="ctr" anchorCtr="0" forceAA="0" compatLnSpc="1">
+            <a:prstTxWarp prst="textNoShape">
+              <a:avLst/>
+            </a:prstTxWarp>
+            <a:noAutofit/>
+          </a:bodyPr>
+          <a:lstStyle/>
+          <a:p>
+            <a:pPr algn="ctr"/>
+            <a:r>
+              <a:rPr lang="en-US" sz="2400" dirty="0">
+                <a:solidFill>
+                  <a:schemeClr val="tx2"/>
+                </a:solidFill>
+                <a:latin typeface="Cambria" pitchFamily="18" charset="0"/>
+              </a:rPr>
+              <a:t>Order</a:t>
+            </a:r>
+          </a:p>
+        </p:txBody>
+      </p:sp>
+    </p:spTree>
+    <p:extLst>
+      <p:ext uri="{BB962C8B-B14F-4D97-AF65-F5344CB8AC3E}">
+        <p14:creationId xmlns:p14="http://schemas.microsoft.com/office/powerpoint/2010/main" val="3655534714"/>
+      </p:ext>
+    </p:extLst>
+  </p:cSld>
+  <p:clrMapOvr>
+    <a:masterClrMapping/>
+  </p:clrMapOvr>
+</p:sld>
+</file>
+
+<file path=ppt/slides/slide17.xml><?xml version="1.0" encoding="utf-8"?>
+<p:sld xmlns:a="http://schemas.openxmlformats.org/drawingml/2006/main" xmlns:r="http://schemas.openxmlformats.org/officeDocument/2006/relationships" xmlns:p="http://schemas.openxmlformats.org/presentationml/2006/main">
+  <p:cSld>
+    <p:spTree>
+      <p:nvGrpSpPr>
+        <p:cNvPr id="1" name=""/>
+        <p:cNvGrpSpPr/>
+        <p:nvPr/>
+      </p:nvGrpSpPr>
+      <p:grpSpPr>
+        <a:xfrm>
+          <a:off x="0" y="0"/>
+          <a:ext cx="0" cy="0"/>
+          <a:chOff x="0" y="0"/>
+          <a:chExt cx="0" cy="0"/>
+        </a:xfrm>
+      </p:grpSpPr>
+      <p:sp>
+        <p:nvSpPr>
+          <p:cNvPr id="2" name="Title 1">
+            <a:extLst>
+              <a:ext uri="{FF2B5EF4-FFF2-40B4-BE49-F238E27FC236}">
+                <a16:creationId xmlns:a16="http://schemas.microsoft.com/office/drawing/2014/main" id="{C3EF1519-1274-47E7-B997-6CA2DE5C54F4}"/>
+              </a:ext>
+            </a:extLst>
+          </p:cNvPr>
+          <p:cNvSpPr>
+            <a:spLocks noGrp="1"/>
+          </p:cNvSpPr>
+          <p:nvPr>
+            <p:ph type="title"/>
+          </p:nvPr>
+        </p:nvSpPr>
+        <p:spPr>
+          <a:xfrm>
+            <a:off x="609600" y="229442"/>
+            <a:ext cx="10972800" cy="974242"/>
+          </a:xfrm>
+        </p:spPr>
+        <p:txBody>
+          <a:bodyPr>
+            <a:noAutofit/>
+          </a:bodyPr>
+          <a:lstStyle/>
+          <a:p>
+            <a:pPr algn="ctr"/>
+            <a:r>
+              <a:rPr lang="en-US" sz="2800" dirty="0"/>
+              <a:t>“Citi receives €1M from Morgan; Morgan receives $1.1M from Citi” </a:t>
+            </a:r>
+            <a:r>
+              <a:rPr lang="en-US" sz="2800" b="1" dirty="0"/>
+              <a:t>Clearing and settlement via CLS</a:t>
+            </a:r>
+          </a:p>
+        </p:txBody>
+      </p:sp>
+      <p:sp>
+        <p:nvSpPr>
+          <p:cNvPr id="4" name="Slide Number Placeholder 3">
+            <a:extLst>
+              <a:ext uri="{FF2B5EF4-FFF2-40B4-BE49-F238E27FC236}">
+                <a16:creationId xmlns:a16="http://schemas.microsoft.com/office/drawing/2014/main" id="{E4E1E558-97B5-42EE-9673-F3A0073A6EA7}"/>
+              </a:ext>
+            </a:extLst>
+          </p:cNvPr>
+          <p:cNvSpPr>
+            <a:spLocks noGrp="1"/>
+          </p:cNvSpPr>
+          <p:nvPr>
+            <p:ph type="sldNum" sz="quarter" idx="12"/>
+          </p:nvPr>
+        </p:nvSpPr>
+        <p:spPr/>
+        <p:txBody>
+          <a:bodyPr/>
+          <a:lstStyle/>
+          <a:p>
+            <a:fld id="{209BAFFF-E36A-4B57-9655-92B0909E7771}" type="slidenum">
+              <a:rPr lang="en-US" smtClean="0"/>
+              <a:pPr/>
+              <a:t>17</a:t>
+            </a:fld>
+            <a:endParaRPr lang="en-US"/>
+          </a:p>
+        </p:txBody>
+      </p:sp>
+      <p:sp>
+        <p:nvSpPr>
+          <p:cNvPr id="5" name="Rectangle: Rounded Corners 4">
+            <a:extLst>
+              <a:ext uri="{FF2B5EF4-FFF2-40B4-BE49-F238E27FC236}">
+                <a16:creationId xmlns:a16="http://schemas.microsoft.com/office/drawing/2014/main" id="{122D31E6-80BE-48C9-B31B-6095E6BBFFF6}"/>
+              </a:ext>
+            </a:extLst>
+          </p:cNvPr>
+          <p:cNvSpPr/>
+          <p:nvPr/>
+        </p:nvSpPr>
+        <p:spPr>
+          <a:xfrm>
+            <a:off x="609600" y="1560384"/>
+            <a:ext cx="914400" cy="4764215"/>
+          </a:xfrm>
+          <a:prstGeom prst="roundRect">
+            <a:avLst/>
+          </a:prstGeom>
+          <a:solidFill>
+            <a:schemeClr val="bg1"/>
+          </a:solidFill>
+        </p:spPr>
+        <p:style>
+          <a:lnRef idx="2">
+            <a:schemeClr val="accent1">
+              <a:shade val="50000"/>
+            </a:schemeClr>
+          </a:lnRef>
+          <a:fillRef idx="1">
+            <a:schemeClr val="accent1"/>
+          </a:fillRef>
+          <a:effectRef idx="0">
+            <a:schemeClr val="accent1"/>
+          </a:effectRef>
+          <a:fontRef idx="minor">
+            <a:schemeClr val="lt1"/>
+          </a:fontRef>
+        </p:style>
+        <p:txBody>
+          <a:bodyPr rot="0" spcFirstLastPara="0" vertOverflow="overflow" horzOverflow="overflow" vert="horz" wrap="square" lIns="91440" tIns="45720" rIns="91440" bIns="45720" numCol="1" spcCol="0" rtlCol="0" fromWordArt="0" anchor="ctr" anchorCtr="0" forceAA="0" compatLnSpc="1">
+            <a:prstTxWarp prst="textNoShape">
+              <a:avLst/>
+            </a:prstTxWarp>
+            <a:noAutofit/>
+          </a:bodyPr>
+          <a:lstStyle/>
+          <a:p>
+            <a:pPr algn="ctr"/>
+            <a:r>
+              <a:rPr lang="en-US" sz="2400" dirty="0">
+                <a:solidFill>
+                  <a:schemeClr val="tx2"/>
+                </a:solidFill>
+                <a:latin typeface="Cambria" pitchFamily="18" charset="0"/>
+              </a:rPr>
+              <a:t>Citi</a:t>
+            </a:r>
+          </a:p>
+        </p:txBody>
+      </p:sp>
+      <p:sp>
+        <p:nvSpPr>
+          <p:cNvPr id="6" name="Rectangle: Rounded Corners 5">
+            <a:extLst>
+              <a:ext uri="{FF2B5EF4-FFF2-40B4-BE49-F238E27FC236}">
+                <a16:creationId xmlns:a16="http://schemas.microsoft.com/office/drawing/2014/main" id="{491F2329-9753-440E-A75F-FF8CA19AB4D5}"/>
+              </a:ext>
+            </a:extLst>
+          </p:cNvPr>
+          <p:cNvSpPr/>
+          <p:nvPr/>
+        </p:nvSpPr>
+        <p:spPr>
+          <a:xfrm>
+            <a:off x="9144000" y="1560411"/>
+            <a:ext cx="1524000" cy="4764187"/>
+          </a:xfrm>
+          <a:prstGeom prst="roundRect">
+            <a:avLst/>
+          </a:prstGeom>
+          <a:solidFill>
+            <a:schemeClr val="bg1"/>
+          </a:solidFill>
+        </p:spPr>
+        <p:style>
+          <a:lnRef idx="2">
+            <a:schemeClr val="accent1">
+              <a:shade val="50000"/>
+            </a:schemeClr>
+          </a:lnRef>
+          <a:fillRef idx="1">
+            <a:schemeClr val="accent1"/>
+          </a:fillRef>
+          <a:effectRef idx="0">
+            <a:schemeClr val="accent1"/>
+          </a:effectRef>
+          <a:fontRef idx="minor">
+            <a:schemeClr val="lt1"/>
+          </a:fontRef>
+        </p:style>
+        <p:txBody>
+          <a:bodyPr rot="0" spcFirstLastPara="0" vertOverflow="overflow" horzOverflow="overflow" vert="horz" wrap="square" lIns="91440" tIns="45720" rIns="91440" bIns="45720" numCol="1" spcCol="0" rtlCol="0" fromWordArt="0" anchor="ctr" anchorCtr="0" forceAA="0" compatLnSpc="1">
+            <a:prstTxWarp prst="textNoShape">
+              <a:avLst/>
+            </a:prstTxWarp>
+            <a:noAutofit/>
+          </a:bodyPr>
+          <a:lstStyle/>
+          <a:p>
+            <a:pPr algn="ctr"/>
+            <a:r>
+              <a:rPr lang="en-US" sz="2400" dirty="0">
+                <a:solidFill>
+                  <a:schemeClr val="tx2"/>
+                </a:solidFill>
+                <a:latin typeface="Cambria" pitchFamily="18" charset="0"/>
+              </a:rPr>
+              <a:t>Morgan</a:t>
+            </a:r>
+          </a:p>
+        </p:txBody>
+      </p:sp>
+      <p:sp>
+        <p:nvSpPr>
+          <p:cNvPr id="8" name="Arrow: Left 7">
+            <a:extLst>
+              <a:ext uri="{FF2B5EF4-FFF2-40B4-BE49-F238E27FC236}">
+                <a16:creationId xmlns:a16="http://schemas.microsoft.com/office/drawing/2014/main" id="{2032EB87-22AA-4D88-AAB4-091139991A9D}"/>
+              </a:ext>
+            </a:extLst>
+          </p:cNvPr>
+          <p:cNvSpPr/>
+          <p:nvPr/>
+        </p:nvSpPr>
+        <p:spPr>
+          <a:xfrm>
+            <a:off x="1752600" y="2357648"/>
+            <a:ext cx="2047200" cy="632222"/>
+          </a:xfrm>
+          <a:prstGeom prst="leftArrow">
+            <a:avLst/>
+          </a:prstGeom>
+          <a:solidFill>
+            <a:schemeClr val="bg1"/>
+          </a:solidFill>
+        </p:spPr>
+        <p:style>
+          <a:lnRef idx="2">
+            <a:schemeClr val="accent1">
+              <a:shade val="50000"/>
+            </a:schemeClr>
+          </a:lnRef>
+          <a:fillRef idx="1">
+            <a:schemeClr val="accent1"/>
+          </a:fillRef>
+          <a:effectRef idx="0">
+            <a:schemeClr val="accent1"/>
+          </a:effectRef>
+          <a:fontRef idx="minor">
+            <a:schemeClr val="lt1"/>
+          </a:fontRef>
+        </p:style>
+        <p:txBody>
+          <a:bodyPr rot="0" spcFirstLastPara="0" vertOverflow="overflow" horzOverflow="overflow" vert="horz" wrap="square" lIns="91440" tIns="45720" rIns="91440" bIns="45720" numCol="1" spcCol="0" rtlCol="0" fromWordArt="0" anchor="ctr" anchorCtr="0" forceAA="0" compatLnSpc="1">
+            <a:prstTxWarp prst="textNoShape">
+              <a:avLst/>
+            </a:prstTxWarp>
+            <a:noAutofit/>
+          </a:bodyPr>
+          <a:lstStyle/>
+          <a:p>
+            <a:pPr algn="ctr"/>
+            <a:r>
+              <a:rPr lang="en-US" sz="2400" dirty="0">
+                <a:solidFill>
+                  <a:schemeClr val="tx2"/>
+                </a:solidFill>
+                <a:latin typeface="Cambria" pitchFamily="18" charset="0"/>
+              </a:rPr>
+              <a:t>Report</a:t>
+            </a:r>
+          </a:p>
+        </p:txBody>
+      </p:sp>
+      <p:sp>
+        <p:nvSpPr>
+          <p:cNvPr id="9" name="Arrow: Left 8">
+            <a:extLst>
+              <a:ext uri="{FF2B5EF4-FFF2-40B4-BE49-F238E27FC236}">
+                <a16:creationId xmlns:a16="http://schemas.microsoft.com/office/drawing/2014/main" id="{42AD884A-AB17-41BC-8E47-004014FD4EB3}"/>
+              </a:ext>
+            </a:extLst>
+          </p:cNvPr>
+          <p:cNvSpPr/>
+          <p:nvPr/>
+        </p:nvSpPr>
+        <p:spPr>
+          <a:xfrm flipH="1">
+            <a:off x="1752600" y="1499663"/>
+            <a:ext cx="2057400" cy="632222"/>
+          </a:xfrm>
+          <a:prstGeom prst="leftArrow">
+            <a:avLst/>
+          </a:prstGeom>
+          <a:solidFill>
+            <a:schemeClr val="bg1"/>
+          </a:solidFill>
+        </p:spPr>
+        <p:style>
+          <a:lnRef idx="2">
+            <a:schemeClr val="accent1">
+              <a:shade val="50000"/>
+            </a:schemeClr>
+          </a:lnRef>
+          <a:fillRef idx="1">
+            <a:schemeClr val="accent1"/>
+          </a:fillRef>
+          <a:effectRef idx="0">
+            <a:schemeClr val="accent1"/>
+          </a:effectRef>
+          <a:fontRef idx="minor">
+            <a:schemeClr val="lt1"/>
+          </a:fontRef>
+        </p:style>
+        <p:txBody>
+          <a:bodyPr rot="0" spcFirstLastPara="0" vertOverflow="overflow" horzOverflow="overflow" vert="horz" wrap="square" lIns="91440" tIns="45720" rIns="91440" bIns="45720" numCol="1" spcCol="0" rtlCol="0" fromWordArt="0" anchor="ctr" anchorCtr="0" forceAA="0" compatLnSpc="1">
+            <a:prstTxWarp prst="textNoShape">
+              <a:avLst/>
+            </a:prstTxWarp>
+            <a:noAutofit/>
+          </a:bodyPr>
+          <a:lstStyle/>
+          <a:p>
+            <a:pPr algn="ctr"/>
+            <a:r>
+              <a:rPr lang="en-US" sz="2400" dirty="0">
+                <a:solidFill>
+                  <a:schemeClr val="tx2"/>
+                </a:solidFill>
+                <a:latin typeface="Cambria" pitchFamily="18" charset="0"/>
+              </a:rPr>
+              <a:t>Order</a:t>
+            </a:r>
+          </a:p>
+        </p:txBody>
+      </p:sp>
+      <p:sp>
+        <p:nvSpPr>
+          <p:cNvPr id="13" name="Arrow: Left 12">
+            <a:extLst>
+              <a:ext uri="{FF2B5EF4-FFF2-40B4-BE49-F238E27FC236}">
+                <a16:creationId xmlns:a16="http://schemas.microsoft.com/office/drawing/2014/main" id="{78DDA7F2-CD3B-45A5-BF30-05E513F26BF1}"/>
+              </a:ext>
+            </a:extLst>
+          </p:cNvPr>
+          <p:cNvSpPr/>
+          <p:nvPr/>
+        </p:nvSpPr>
+        <p:spPr>
+          <a:xfrm flipH="1">
+            <a:off x="7119600" y="2359686"/>
+            <a:ext cx="1600200" cy="632222"/>
+          </a:xfrm>
+          <a:prstGeom prst="leftArrow">
+            <a:avLst/>
+          </a:prstGeom>
+          <a:solidFill>
+            <a:schemeClr val="bg1"/>
+          </a:solidFill>
+        </p:spPr>
+        <p:style>
+          <a:lnRef idx="2">
+            <a:schemeClr val="accent1">
+              <a:shade val="50000"/>
+            </a:schemeClr>
+          </a:lnRef>
+          <a:fillRef idx="1">
+            <a:schemeClr val="accent1"/>
+          </a:fillRef>
+          <a:effectRef idx="0">
+            <a:schemeClr val="accent1"/>
+          </a:effectRef>
+          <a:fontRef idx="minor">
+            <a:schemeClr val="lt1"/>
+          </a:fontRef>
+        </p:style>
+        <p:txBody>
+          <a:bodyPr rot="0" spcFirstLastPara="0" vertOverflow="overflow" horzOverflow="overflow" vert="horz" wrap="square" lIns="91440" tIns="45720" rIns="91440" bIns="45720" numCol="1" spcCol="0" rtlCol="0" fromWordArt="0" anchor="ctr" anchorCtr="0" forceAA="0" compatLnSpc="1">
+            <a:prstTxWarp prst="textNoShape">
+              <a:avLst/>
+            </a:prstTxWarp>
+            <a:noAutofit/>
+          </a:bodyPr>
+          <a:lstStyle/>
+          <a:p>
+            <a:pPr algn="ctr"/>
+            <a:r>
+              <a:rPr lang="en-US" sz="2400" dirty="0">
+                <a:solidFill>
+                  <a:schemeClr val="tx2"/>
+                </a:solidFill>
+                <a:latin typeface="Cambria" pitchFamily="18" charset="0"/>
+              </a:rPr>
+              <a:t>Report</a:t>
+            </a:r>
+          </a:p>
+        </p:txBody>
+      </p:sp>
+      <p:sp>
+        <p:nvSpPr>
+          <p:cNvPr id="14" name="Arrow: Left 13">
+            <a:extLst>
+              <a:ext uri="{FF2B5EF4-FFF2-40B4-BE49-F238E27FC236}">
+                <a16:creationId xmlns:a16="http://schemas.microsoft.com/office/drawing/2014/main" id="{DD8EC2B1-20AF-4D22-9D9F-1117D75B314A}"/>
+              </a:ext>
+            </a:extLst>
+          </p:cNvPr>
+          <p:cNvSpPr/>
+          <p:nvPr/>
+        </p:nvSpPr>
+        <p:spPr>
+          <a:xfrm>
+            <a:off x="7081500" y="1560383"/>
+            <a:ext cx="1600200" cy="632222"/>
+          </a:xfrm>
+          <a:prstGeom prst="leftArrow">
+            <a:avLst/>
+          </a:prstGeom>
+          <a:solidFill>
+            <a:schemeClr val="bg1"/>
+          </a:solidFill>
+        </p:spPr>
+        <p:style>
+          <a:lnRef idx="2">
+            <a:schemeClr val="accent1">
+              <a:shade val="50000"/>
+            </a:schemeClr>
+          </a:lnRef>
+          <a:fillRef idx="1">
+            <a:schemeClr val="accent1"/>
+          </a:fillRef>
+          <a:effectRef idx="0">
+            <a:schemeClr val="accent1"/>
+          </a:effectRef>
+          <a:fontRef idx="minor">
+            <a:schemeClr val="lt1"/>
+          </a:fontRef>
+        </p:style>
+        <p:txBody>
+          <a:bodyPr rot="0" spcFirstLastPara="0" vertOverflow="overflow" horzOverflow="overflow" vert="horz" wrap="square" lIns="91440" tIns="45720" rIns="91440" bIns="45720" numCol="1" spcCol="0" rtlCol="0" fromWordArt="0" anchor="ctr" anchorCtr="0" forceAA="0" compatLnSpc="1">
+            <a:prstTxWarp prst="textNoShape">
+              <a:avLst/>
+            </a:prstTxWarp>
+            <a:noAutofit/>
+          </a:bodyPr>
+          <a:lstStyle/>
+          <a:p>
+            <a:pPr algn="ctr"/>
+            <a:r>
+              <a:rPr lang="en-US" sz="2400" dirty="0">
+                <a:solidFill>
+                  <a:schemeClr val="tx2"/>
+                </a:solidFill>
+                <a:latin typeface="Cambria" pitchFamily="18" charset="0"/>
+              </a:rPr>
+              <a:t>Order</a:t>
+            </a:r>
+          </a:p>
+        </p:txBody>
+      </p:sp>
+      <p:sp>
+        <p:nvSpPr>
+          <p:cNvPr id="18" name="Arrow: Left 17">
+            <a:extLst>
+              <a:ext uri="{FF2B5EF4-FFF2-40B4-BE49-F238E27FC236}">
+                <a16:creationId xmlns:a16="http://schemas.microsoft.com/office/drawing/2014/main" id="{E070DC19-5739-4E5C-BB52-F6A44E515C24}"/>
+              </a:ext>
+            </a:extLst>
+          </p:cNvPr>
+          <p:cNvSpPr/>
+          <p:nvPr/>
+        </p:nvSpPr>
+        <p:spPr>
+          <a:xfrm>
+            <a:off x="7036500" y="4383600"/>
+            <a:ext cx="1979700" cy="632222"/>
+          </a:xfrm>
+          <a:prstGeom prst="leftArrow">
+            <a:avLst/>
+          </a:prstGeom>
+          <a:solidFill>
+            <a:schemeClr val="bg1"/>
+          </a:solidFill>
+          <a:ln>
+            <a:solidFill>
+              <a:srgbClr val="00B050"/>
+            </a:solidFill>
+          </a:ln>
+        </p:spPr>
+        <p:style>
+          <a:lnRef idx="2">
+            <a:schemeClr val="accent1">
+              <a:shade val="50000"/>
+            </a:schemeClr>
+          </a:lnRef>
+          <a:fillRef idx="1">
+            <a:schemeClr val="accent1"/>
+          </a:fillRef>
+          <a:effectRef idx="0">
+            <a:schemeClr val="accent1"/>
+          </a:effectRef>
+          <a:fontRef idx="minor">
+            <a:schemeClr val="lt1"/>
+          </a:fontRef>
+        </p:style>
+        <p:txBody>
+          <a:bodyPr rot="0" spcFirstLastPara="0" vertOverflow="overflow" horzOverflow="overflow" vert="horz" wrap="square" lIns="91440" tIns="45720" rIns="91440" bIns="45720" numCol="1" spcCol="0" rtlCol="0" fromWordArt="0" anchor="ctr" anchorCtr="0" forceAA="0" compatLnSpc="1">
+            <a:prstTxWarp prst="textNoShape">
+              <a:avLst/>
+            </a:prstTxWarp>
+            <a:noAutofit/>
+          </a:bodyPr>
+          <a:lstStyle/>
+          <a:p>
+            <a:pPr algn="ctr"/>
+            <a:r>
+              <a:rPr lang="en-US" sz="2400" dirty="0">
+                <a:solidFill>
+                  <a:schemeClr val="tx2"/>
+                </a:solidFill>
+                <a:latin typeface="Cambria" pitchFamily="18" charset="0"/>
+              </a:rPr>
+              <a:t>€1M</a:t>
+            </a:r>
+          </a:p>
+        </p:txBody>
+      </p:sp>
+      <p:sp>
+        <p:nvSpPr>
+          <p:cNvPr id="19" name="Arrow: Left 18">
+            <a:extLst>
+              <a:ext uri="{FF2B5EF4-FFF2-40B4-BE49-F238E27FC236}">
+                <a16:creationId xmlns:a16="http://schemas.microsoft.com/office/drawing/2014/main" id="{38C0E4C2-405F-44BD-818E-3AD04D8BA525}"/>
+              </a:ext>
+            </a:extLst>
+          </p:cNvPr>
+          <p:cNvSpPr/>
+          <p:nvPr/>
+        </p:nvSpPr>
+        <p:spPr>
+          <a:xfrm flipH="1">
+            <a:off x="2081100" y="4419600"/>
+            <a:ext cx="2109900" cy="632222"/>
+          </a:xfrm>
+          <a:prstGeom prst="leftArrow">
+            <a:avLst/>
+          </a:prstGeom>
+          <a:solidFill>
+            <a:schemeClr val="bg1"/>
+          </a:solidFill>
+          <a:ln>
+            <a:solidFill>
+              <a:srgbClr val="00B050"/>
+            </a:solidFill>
+          </a:ln>
+        </p:spPr>
+        <p:style>
+          <a:lnRef idx="2">
+            <a:schemeClr val="accent1">
+              <a:shade val="50000"/>
+            </a:schemeClr>
+          </a:lnRef>
+          <a:fillRef idx="1">
+            <a:schemeClr val="accent1"/>
+          </a:fillRef>
+          <a:effectRef idx="0">
+            <a:schemeClr val="accent1"/>
+          </a:effectRef>
+          <a:fontRef idx="minor">
+            <a:schemeClr val="lt1"/>
+          </a:fontRef>
+        </p:style>
+        <p:txBody>
+          <a:bodyPr rot="0" spcFirstLastPara="0" vertOverflow="overflow" horzOverflow="overflow" vert="horz" wrap="square" lIns="91440" tIns="45720" rIns="91440" bIns="45720" numCol="1" spcCol="0" rtlCol="0" fromWordArt="0" anchor="ctr" anchorCtr="0" forceAA="0" compatLnSpc="1">
+            <a:prstTxWarp prst="textNoShape">
+              <a:avLst/>
+            </a:prstTxWarp>
+            <a:noAutofit/>
+          </a:bodyPr>
+          <a:lstStyle/>
+          <a:p>
+            <a:pPr algn="ctr"/>
+            <a:r>
+              <a:rPr lang="en-US" sz="2400" dirty="0">
+                <a:solidFill>
+                  <a:schemeClr val="tx2"/>
+                </a:solidFill>
+                <a:latin typeface="Cambria" pitchFamily="18" charset="0"/>
+              </a:rPr>
+              <a:t>$1.1M</a:t>
+            </a:r>
+          </a:p>
+        </p:txBody>
+      </p:sp>
+      <p:sp>
+        <p:nvSpPr>
+          <p:cNvPr id="20" name="Rectangle: Rounded Corners 19">
+            <a:extLst>
+              <a:ext uri="{FF2B5EF4-FFF2-40B4-BE49-F238E27FC236}">
+                <a16:creationId xmlns:a16="http://schemas.microsoft.com/office/drawing/2014/main" id="{C1D132C5-CC54-4542-98D4-882D92EF9429}"/>
+              </a:ext>
+            </a:extLst>
+          </p:cNvPr>
+          <p:cNvSpPr/>
+          <p:nvPr/>
+        </p:nvSpPr>
+        <p:spPr>
+          <a:xfrm>
+            <a:off x="4316400" y="3124200"/>
+            <a:ext cx="2506800" cy="3227427"/>
+          </a:xfrm>
+          <a:prstGeom prst="roundRect">
+            <a:avLst/>
+          </a:prstGeom>
+          <a:solidFill>
+            <a:schemeClr val="bg1"/>
+          </a:solidFill>
+          <a:ln>
+            <a:solidFill>
+              <a:srgbClr val="00B050"/>
+            </a:solidFill>
+          </a:ln>
+        </p:spPr>
+        <p:style>
+          <a:lnRef idx="2">
+            <a:schemeClr val="accent1">
+              <a:shade val="50000"/>
+            </a:schemeClr>
+          </a:lnRef>
+          <a:fillRef idx="1">
+            <a:schemeClr val="accent1"/>
+          </a:fillRef>
+          <a:effectRef idx="0">
+            <a:schemeClr val="accent1"/>
+          </a:effectRef>
+          <a:fontRef idx="minor">
+            <a:schemeClr val="lt1"/>
+          </a:fontRef>
+        </p:style>
+        <p:txBody>
+          <a:bodyPr rot="0" spcFirstLastPara="0" vertOverflow="overflow" horzOverflow="overflow" vert="horz" wrap="square" lIns="91440" tIns="45720" rIns="91440" bIns="45720" numCol="1" spcCol="0" rtlCol="0" fromWordArt="0" anchor="ctr" anchorCtr="0" forceAA="0" compatLnSpc="1">
+            <a:prstTxWarp prst="textNoShape">
+              <a:avLst/>
+            </a:prstTxWarp>
+            <a:noAutofit/>
+          </a:bodyPr>
+          <a:lstStyle/>
+          <a:p>
+            <a:pPr algn="ctr"/>
+            <a:r>
+              <a:rPr lang="en-US" sz="2400" dirty="0">
+                <a:solidFill>
+                  <a:schemeClr val="tx2"/>
+                </a:solidFill>
+                <a:latin typeface="Cambria" pitchFamily="18" charset="0"/>
+              </a:rPr>
+              <a:t>CLS</a:t>
+            </a:r>
+          </a:p>
+        </p:txBody>
+      </p:sp>
+      <p:sp>
+        <p:nvSpPr>
+          <p:cNvPr id="21" name="Arrow: Left 20">
+            <a:extLst>
+              <a:ext uri="{FF2B5EF4-FFF2-40B4-BE49-F238E27FC236}">
+                <a16:creationId xmlns:a16="http://schemas.microsoft.com/office/drawing/2014/main" id="{A5798E94-20AF-4293-9011-D898578FA6BE}"/>
+              </a:ext>
+            </a:extLst>
+          </p:cNvPr>
+          <p:cNvSpPr/>
+          <p:nvPr/>
+        </p:nvSpPr>
+        <p:spPr>
+          <a:xfrm flipH="1">
+            <a:off x="1986300" y="3406378"/>
+            <a:ext cx="2057400" cy="632222"/>
+          </a:xfrm>
+          <a:prstGeom prst="leftArrow">
+            <a:avLst/>
+          </a:prstGeom>
+          <a:solidFill>
+            <a:schemeClr val="bg1"/>
+          </a:solidFill>
+          <a:ln>
+            <a:solidFill>
+              <a:srgbClr val="00B050"/>
+            </a:solidFill>
+          </a:ln>
+        </p:spPr>
+        <p:style>
+          <a:lnRef idx="2">
+            <a:schemeClr val="accent1">
+              <a:shade val="50000"/>
+            </a:schemeClr>
+          </a:lnRef>
+          <a:fillRef idx="1">
+            <a:schemeClr val="accent1"/>
+          </a:fillRef>
+          <a:effectRef idx="0">
+            <a:schemeClr val="accent1"/>
+          </a:effectRef>
+          <a:fontRef idx="minor">
+            <a:schemeClr val="lt1"/>
+          </a:fontRef>
+        </p:style>
+        <p:txBody>
+          <a:bodyPr rot="0" spcFirstLastPara="0" vertOverflow="overflow" horzOverflow="overflow" vert="horz" wrap="square" lIns="91440" tIns="45720" rIns="91440" bIns="45720" numCol="1" spcCol="0" rtlCol="0" fromWordArt="0" anchor="ctr" anchorCtr="0" forceAA="0" compatLnSpc="1">
+            <a:prstTxWarp prst="textNoShape">
+              <a:avLst/>
+            </a:prstTxWarp>
+            <a:noAutofit/>
+          </a:bodyPr>
+          <a:lstStyle/>
+          <a:p>
+            <a:pPr algn="ctr"/>
+            <a:r>
+              <a:rPr lang="en-US" sz="2400" dirty="0">
+                <a:solidFill>
+                  <a:schemeClr val="tx2"/>
+                </a:solidFill>
+                <a:latin typeface="Cambria" pitchFamily="18" charset="0"/>
+              </a:rPr>
+              <a:t>Instructions</a:t>
+            </a:r>
+          </a:p>
+        </p:txBody>
+      </p:sp>
+      <p:sp>
+        <p:nvSpPr>
+          <p:cNvPr id="22" name="Arrow: Left 21">
+            <a:extLst>
+              <a:ext uri="{FF2B5EF4-FFF2-40B4-BE49-F238E27FC236}">
+                <a16:creationId xmlns:a16="http://schemas.microsoft.com/office/drawing/2014/main" id="{03734238-44AC-4507-B415-A6FE33DAEAE5}"/>
+              </a:ext>
+            </a:extLst>
+          </p:cNvPr>
+          <p:cNvSpPr/>
+          <p:nvPr/>
+        </p:nvSpPr>
+        <p:spPr>
+          <a:xfrm>
+            <a:off x="6951000" y="3378835"/>
+            <a:ext cx="2065200" cy="632222"/>
+          </a:xfrm>
+          <a:prstGeom prst="leftArrow">
+            <a:avLst/>
+          </a:prstGeom>
+          <a:solidFill>
+            <a:schemeClr val="bg1"/>
+          </a:solidFill>
+          <a:ln>
+            <a:solidFill>
+              <a:srgbClr val="00B050"/>
+            </a:solidFill>
+          </a:ln>
+        </p:spPr>
+        <p:style>
+          <a:lnRef idx="2">
+            <a:schemeClr val="accent1">
+              <a:shade val="50000"/>
+            </a:schemeClr>
+          </a:lnRef>
+          <a:fillRef idx="1">
+            <a:schemeClr val="accent1"/>
+          </a:fillRef>
+          <a:effectRef idx="0">
+            <a:schemeClr val="accent1"/>
+          </a:effectRef>
+          <a:fontRef idx="minor">
+            <a:schemeClr val="lt1"/>
+          </a:fontRef>
+        </p:style>
+        <p:txBody>
+          <a:bodyPr rot="0" spcFirstLastPara="0" vertOverflow="overflow" horzOverflow="overflow" vert="horz" wrap="square" lIns="91440" tIns="45720" rIns="91440" bIns="45720" numCol="1" spcCol="0" rtlCol="0" fromWordArt="0" anchor="ctr" anchorCtr="0" forceAA="0" compatLnSpc="1">
+            <a:prstTxWarp prst="textNoShape">
+              <a:avLst/>
+            </a:prstTxWarp>
+            <a:noAutofit/>
+          </a:bodyPr>
+          <a:lstStyle/>
+          <a:p>
+            <a:pPr algn="ctr"/>
+            <a:r>
+              <a:rPr lang="en-US" sz="2400" dirty="0">
+                <a:solidFill>
+                  <a:schemeClr val="tx2"/>
+                </a:solidFill>
+                <a:latin typeface="Cambria" pitchFamily="18" charset="0"/>
+              </a:rPr>
+              <a:t>Instructions</a:t>
+            </a:r>
+          </a:p>
+        </p:txBody>
+      </p:sp>
+      <p:sp>
+        <p:nvSpPr>
+          <p:cNvPr id="24" name="Arrow: Left 23">
+            <a:extLst>
+              <a:ext uri="{FF2B5EF4-FFF2-40B4-BE49-F238E27FC236}">
+                <a16:creationId xmlns:a16="http://schemas.microsoft.com/office/drawing/2014/main" id="{DAEF5BA8-F860-4DE3-A7B5-E8CEBAEE17A9}"/>
+              </a:ext>
+            </a:extLst>
+          </p:cNvPr>
+          <p:cNvSpPr/>
+          <p:nvPr/>
+        </p:nvSpPr>
+        <p:spPr>
+          <a:xfrm>
+            <a:off x="2316000" y="5644801"/>
+            <a:ext cx="1600200" cy="632222"/>
+          </a:xfrm>
+          <a:prstGeom prst="leftArrow">
+            <a:avLst/>
+          </a:prstGeom>
+          <a:solidFill>
+            <a:schemeClr val="bg1"/>
+          </a:solidFill>
+          <a:ln>
+            <a:solidFill>
+              <a:srgbClr val="00B050"/>
+            </a:solidFill>
+          </a:ln>
+        </p:spPr>
+        <p:style>
+          <a:lnRef idx="2">
+            <a:schemeClr val="accent1">
+              <a:shade val="50000"/>
+            </a:schemeClr>
+          </a:lnRef>
+          <a:fillRef idx="1">
+            <a:schemeClr val="accent1"/>
+          </a:fillRef>
+          <a:effectRef idx="0">
+            <a:schemeClr val="accent1"/>
+          </a:effectRef>
+          <a:fontRef idx="minor">
+            <a:schemeClr val="lt1"/>
+          </a:fontRef>
+        </p:style>
+        <p:txBody>
+          <a:bodyPr rot="0" spcFirstLastPara="0" vertOverflow="overflow" horzOverflow="overflow" vert="horz" wrap="square" lIns="91440" tIns="45720" rIns="91440" bIns="45720" numCol="1" spcCol="0" rtlCol="0" fromWordArt="0" anchor="ctr" anchorCtr="0" forceAA="0" compatLnSpc="1">
+            <a:prstTxWarp prst="textNoShape">
+              <a:avLst/>
+            </a:prstTxWarp>
+            <a:noAutofit/>
+          </a:bodyPr>
+          <a:lstStyle/>
+          <a:p>
+            <a:pPr algn="ctr"/>
+            <a:r>
+              <a:rPr lang="en-US" sz="2400" dirty="0">
+                <a:solidFill>
+                  <a:schemeClr val="tx2"/>
+                </a:solidFill>
+                <a:latin typeface="Cambria" pitchFamily="18" charset="0"/>
+              </a:rPr>
+              <a:t>€1M</a:t>
+            </a:r>
+          </a:p>
+        </p:txBody>
+      </p:sp>
+      <p:sp>
+        <p:nvSpPr>
+          <p:cNvPr id="25" name="Arrow: Left 24">
+            <a:extLst>
+              <a:ext uri="{FF2B5EF4-FFF2-40B4-BE49-F238E27FC236}">
+                <a16:creationId xmlns:a16="http://schemas.microsoft.com/office/drawing/2014/main" id="{3FDA3431-DD01-4191-B304-6B6E9C7983F0}"/>
+              </a:ext>
+            </a:extLst>
+          </p:cNvPr>
+          <p:cNvSpPr/>
+          <p:nvPr/>
+        </p:nvSpPr>
+        <p:spPr>
+          <a:xfrm flipH="1">
+            <a:off x="7239600" y="5567189"/>
+            <a:ext cx="1600200" cy="632222"/>
+          </a:xfrm>
+          <a:prstGeom prst="leftArrow">
+            <a:avLst/>
+          </a:prstGeom>
+          <a:solidFill>
+            <a:schemeClr val="bg1"/>
+          </a:solidFill>
+          <a:ln>
+            <a:solidFill>
+              <a:srgbClr val="00B050"/>
+            </a:solidFill>
+          </a:ln>
+        </p:spPr>
+        <p:style>
+          <a:lnRef idx="2">
+            <a:schemeClr val="accent1">
+              <a:shade val="50000"/>
+            </a:schemeClr>
+          </a:lnRef>
+          <a:fillRef idx="1">
+            <a:schemeClr val="accent1"/>
+          </a:fillRef>
+          <a:effectRef idx="0">
+            <a:schemeClr val="accent1"/>
+          </a:effectRef>
+          <a:fontRef idx="minor">
+            <a:schemeClr val="lt1"/>
+          </a:fontRef>
+        </p:style>
+        <p:txBody>
+          <a:bodyPr rot="0" spcFirstLastPara="0" vertOverflow="overflow" horzOverflow="overflow" vert="horz" wrap="square" lIns="91440" tIns="45720" rIns="91440" bIns="45720" numCol="1" spcCol="0" rtlCol="0" fromWordArt="0" anchor="ctr" anchorCtr="0" forceAA="0" compatLnSpc="1">
+            <a:prstTxWarp prst="textNoShape">
+              <a:avLst/>
+            </a:prstTxWarp>
+            <a:noAutofit/>
+          </a:bodyPr>
+          <a:lstStyle/>
+          <a:p>
+            <a:pPr algn="ctr"/>
+            <a:r>
+              <a:rPr lang="en-US" sz="2400" dirty="0">
+                <a:solidFill>
+                  <a:schemeClr val="tx2"/>
+                </a:solidFill>
+                <a:latin typeface="Cambria" pitchFamily="18" charset="0"/>
+              </a:rPr>
+              <a:t>$1.1M</a:t>
+            </a:r>
+          </a:p>
+        </p:txBody>
+      </p:sp>
+      <p:sp>
+        <p:nvSpPr>
+          <p:cNvPr id="23" name="Rectangle: Rounded Corners 22">
+            <a:extLst>
+              <a:ext uri="{FF2B5EF4-FFF2-40B4-BE49-F238E27FC236}">
+                <a16:creationId xmlns:a16="http://schemas.microsoft.com/office/drawing/2014/main" id="{C8E78F07-8B9C-4497-9034-7A87A0E21253}"/>
+              </a:ext>
+            </a:extLst>
+          </p:cNvPr>
+          <p:cNvSpPr/>
+          <p:nvPr/>
+        </p:nvSpPr>
+        <p:spPr>
+          <a:xfrm>
+            <a:off x="4104600" y="1560383"/>
+            <a:ext cx="2763600" cy="1379255"/>
+          </a:xfrm>
+          <a:prstGeom prst="roundRect">
+            <a:avLst/>
+          </a:prstGeom>
+          <a:solidFill>
+            <a:schemeClr val="bg1"/>
+          </a:solidFill>
+        </p:spPr>
+        <p:style>
+          <a:lnRef idx="2">
+            <a:schemeClr val="accent1">
+              <a:shade val="50000"/>
+            </a:schemeClr>
+          </a:lnRef>
+          <a:fillRef idx="1">
+            <a:schemeClr val="accent1"/>
+          </a:fillRef>
+          <a:effectRef idx="0">
+            <a:schemeClr val="accent1"/>
+          </a:effectRef>
+          <a:fontRef idx="minor">
+            <a:schemeClr val="lt1"/>
+          </a:fontRef>
+        </p:style>
+        <p:txBody>
+          <a:bodyPr rot="0" spcFirstLastPara="0" vertOverflow="overflow" horzOverflow="overflow" vert="horz" wrap="square" lIns="91440" tIns="45720" rIns="91440" bIns="45720" numCol="1" spcCol="0" rtlCol="0" fromWordArt="0" anchor="ctr" anchorCtr="0" forceAA="0" compatLnSpc="1">
+            <a:prstTxWarp prst="textNoShape">
+              <a:avLst/>
+            </a:prstTxWarp>
+            <a:noAutofit/>
+          </a:bodyPr>
+          <a:lstStyle/>
+          <a:p>
+            <a:pPr algn="ctr"/>
+            <a:r>
+              <a:rPr lang="en-US" sz="2400" dirty="0">
+                <a:solidFill>
+                  <a:schemeClr val="tx2"/>
+                </a:solidFill>
+                <a:latin typeface="Cambria" pitchFamily="18" charset="0"/>
+              </a:rPr>
+              <a:t>EBS (an institutional limit order market)</a:t>
+            </a:r>
+          </a:p>
+        </p:txBody>
+      </p:sp>
+      <p:sp>
+        <p:nvSpPr>
+          <p:cNvPr id="3" name="Rectangle: Rounded Corners 2">
+            <a:extLst>
+              <a:ext uri="{FF2B5EF4-FFF2-40B4-BE49-F238E27FC236}">
+                <a16:creationId xmlns:a16="http://schemas.microsoft.com/office/drawing/2014/main" id="{FDC8E167-0F7B-47DA-B3BB-40962546B791}"/>
+              </a:ext>
+            </a:extLst>
+          </p:cNvPr>
+          <p:cNvSpPr/>
+          <p:nvPr/>
+        </p:nvSpPr>
+        <p:spPr>
+          <a:xfrm>
+            <a:off x="4474660" y="3443946"/>
+            <a:ext cx="2209800" cy="557086"/>
+          </a:xfrm>
+          <a:prstGeom prst="roundRect">
+            <a:avLst/>
+          </a:prstGeom>
+          <a:solidFill>
+            <a:schemeClr val="bg1"/>
+          </a:solidFill>
+          <a:ln>
+            <a:solidFill>
+              <a:srgbClr val="FF0000"/>
+            </a:solidFill>
+          </a:ln>
+        </p:spPr>
+        <p:style>
+          <a:lnRef idx="2">
+            <a:schemeClr val="accent1">
+              <a:shade val="50000"/>
+            </a:schemeClr>
+          </a:lnRef>
+          <a:fillRef idx="1">
+            <a:schemeClr val="accent1"/>
+          </a:fillRef>
+          <a:effectRef idx="0">
+            <a:schemeClr val="accent1"/>
+          </a:effectRef>
+          <a:fontRef idx="minor">
+            <a:schemeClr val="lt1"/>
+          </a:fontRef>
+        </p:style>
+        <p:txBody>
+          <a:bodyPr rot="0" spcFirstLastPara="0" vertOverflow="overflow" horzOverflow="overflow" vert="horz" wrap="square" lIns="91440" tIns="45720" rIns="91440" bIns="45720" numCol="1" spcCol="0" rtlCol="0" fromWordArt="0" anchor="ctr" anchorCtr="0" forceAA="0" compatLnSpc="1">
+            <a:prstTxWarp prst="textNoShape">
+              <a:avLst/>
+            </a:prstTxWarp>
+            <a:noAutofit/>
+          </a:bodyPr>
+          <a:lstStyle/>
+          <a:p>
+            <a:pPr algn="ctr"/>
+            <a:r>
+              <a:rPr lang="en-US" sz="2400" dirty="0">
+                <a:solidFill>
+                  <a:srgbClr val="FF0000"/>
+                </a:solidFill>
+                <a:latin typeface="Cambria" pitchFamily="18" charset="0"/>
+              </a:rPr>
+              <a:t>Timestamp</a:t>
+            </a:r>
+          </a:p>
+        </p:txBody>
+      </p:sp>
+    </p:spTree>
+    <p:extLst>
+      <p:ext uri="{BB962C8B-B14F-4D97-AF65-F5344CB8AC3E}">
+        <p14:creationId xmlns:p14="http://schemas.microsoft.com/office/powerpoint/2010/main" val="166545301"/>
+      </p:ext>
+    </p:extLst>
+  </p:cSld>
+  <p:clrMapOvr>
+    <a:masterClrMapping/>
+  </p:clrMapOvr>
+  <p:timing>
+    <p:tnLst>
+      <p:par>
+        <p:cTn id="1" dur="indefinite" restart="never" nodeType="tmRoot">
+          <p:childTnLst>
+            <p:seq concurrent="1" nextAc="seek">
+              <p:cTn id="2" dur="indefinite" nodeType="mainSeq">
+                <p:childTnLst>
+                  <p:par>
+                    <p:cTn id="3" fill="hold">
+                      <p:stCondLst>
+                        <p:cond delay="indefinite"/>
+                      </p:stCondLst>
+                      <p:childTnLst>
+                        <p:par>
+                          <p:cTn id="4" fill="hold">
+                            <p:stCondLst>
+                              <p:cond delay="0"/>
+                            </p:stCondLst>
+                            <p:childTnLst>
+                              <p:par>
+                                <p:cTn id="5" presetID="1" presetClass="entr" presetSubtype="0" fill="hold" grpId="0" nodeType="clickEffect">
+                                  <p:stCondLst>
+                                    <p:cond delay="0"/>
+                                  </p:stCondLst>
+                                  <p:childTnLst>
+                                    <p:set>
+                                      <p:cBhvr>
+                                        <p:cTn id="6" dur="1" fill="hold">
+                                          <p:stCondLst>
+                                            <p:cond delay="0"/>
+                                          </p:stCondLst>
+                                        </p:cTn>
+                                        <p:tgtEl>
+                                          <p:spTgt spid="3"/>
+                                        </p:tgtEl>
+                                        <p:attrNameLst>
+                                          <p:attrName>style.visibility</p:attrName>
+                                        </p:attrNameLst>
+                                      </p:cBhvr>
+                                      <p:to>
+                                        <p:strVal val="visible"/>
+                                      </p:to>
+                                    </p:set>
+                                  </p:childTnLst>
+                                </p:cTn>
+                              </p:par>
+                            </p:childTnLst>
+                          </p:cTn>
+                        </p:par>
+                      </p:childTnLst>
+                    </p:cTn>
+                  </p:par>
+                </p:childTnLst>
+              </p:cTn>
+              <p:prevCondLst>
+                <p:cond evt="onPrev" delay="0">
+                  <p:tgtEl>
+                    <p:sldTgt/>
+                  </p:tgtEl>
+                </p:cond>
+              </p:prevCondLst>
+              <p:nextCondLst>
+                <p:cond evt="onNext" delay="0">
+                  <p:tgtEl>
+                    <p:sldTgt/>
+                  </p:tgtEl>
+                </p:cond>
+              </p:nextCondLst>
+            </p:seq>
+          </p:childTnLst>
+        </p:cTn>
+      </p:par>
+    </p:tnLst>
+    <p:bldLst>
+      <p:bldP spid="3" grpId="0" animBg="1"/>
+    </p:bldLst>
+  </p:timing>
+</p:sld>
+</file>
+
+<file path=ppt/slides/slide18.xml><?xml version="1.0" encoding="utf-8"?>
+<p:sld xmlns:a="http://schemas.openxmlformats.org/drawingml/2006/main" xmlns:r="http://schemas.openxmlformats.org/officeDocument/2006/relationships" xmlns:p="http://schemas.openxmlformats.org/presentationml/2006/main">
+  <p:cSld>
+    <p:spTree>
+      <p:nvGrpSpPr>
+        <p:cNvPr id="1" name=""/>
+        <p:cNvGrpSpPr/>
+        <p:nvPr/>
+      </p:nvGrpSpPr>
+      <p:grpSpPr>
+        <a:xfrm>
+          <a:off x="0" y="0"/>
+          <a:ext cx="0" cy="0"/>
+          <a:chOff x="0" y="0"/>
+          <a:chExt cx="0" cy="0"/>
+        </a:xfrm>
+      </p:grpSpPr>
+      <p:sp>
+        <p:nvSpPr>
           <p:cNvPr id="8194" name="Title 1"/>
           <p:cNvSpPr>
             <a:spLocks noGrp="1"/>
@@ -9334,7 +11293,7 @@
             <a:fld id="{209BAFFF-E36A-4B57-9655-92B0909E7771}" type="slidenum">
               <a:rPr lang="en-US" smtClean="0"/>
               <a:pPr/>
-              <a:t>16</a:t>
+              <a:t>18</a:t>
             </a:fld>
             <a:endParaRPr lang="en-US"/>
           </a:p>
@@ -9353,7 +11312,7 @@
 </p:sld>
 </file>
 
-<file path=ppt/slides/slide17.xml><?xml version="1.0" encoding="utf-8"?>
+<file path=ppt/slides/slide19.xml><?xml version="1.0" encoding="utf-8"?>
 <p:sld xmlns:a="http://schemas.openxmlformats.org/drawingml/2006/main" xmlns:r="http://schemas.openxmlformats.org/officeDocument/2006/relationships" xmlns:p="http://schemas.openxmlformats.org/presentationml/2006/main">
   <p:cSld>
     <p:spTree>
@@ -9469,7 +11428,7 @@
             <a:fld id="{209BAFFF-E36A-4B57-9655-92B0909E7771}" type="slidenum">
               <a:rPr lang="en-US" smtClean="0"/>
               <a:pPr/>
-              <a:t>17</a:t>
+              <a:t>19</a:t>
             </a:fld>
             <a:endParaRPr lang="en-US"/>
           </a:p>
@@ -9674,7 +11633,135 @@
 </p:sld>
 </file>
 
-<file path=ppt/slides/slide18.xml><?xml version="1.0" encoding="utf-8"?>
+<file path=ppt/slides/slide2.xml><?xml version="1.0" encoding="utf-8"?>
+<p:sld xmlns:a="http://schemas.openxmlformats.org/drawingml/2006/main" xmlns:r="http://schemas.openxmlformats.org/officeDocument/2006/relationships" xmlns:p="http://schemas.openxmlformats.org/presentationml/2006/main">
+  <p:cSld>
+    <p:spTree>
+      <p:nvGrpSpPr>
+        <p:cNvPr id="1" name=""/>
+        <p:cNvGrpSpPr/>
+        <p:nvPr/>
+      </p:nvGrpSpPr>
+      <p:grpSpPr>
+        <a:xfrm>
+          <a:off x="0" y="0"/>
+          <a:ext cx="0" cy="0"/>
+          <a:chOff x="0" y="0"/>
+          <a:chExt cx="0" cy="0"/>
+        </a:xfrm>
+      </p:grpSpPr>
+      <p:sp>
+        <p:nvSpPr>
+          <p:cNvPr id="2" name="Title 1">
+            <a:extLst>
+              <a:ext uri="{FF2B5EF4-FFF2-40B4-BE49-F238E27FC236}">
+                <a16:creationId xmlns:a16="http://schemas.microsoft.com/office/drawing/2014/main" id="{157ABD96-0B7C-4D75-9114-50AFA2ECCB12}"/>
+              </a:ext>
+            </a:extLst>
+          </p:cNvPr>
+          <p:cNvSpPr>
+            <a:spLocks noGrp="1"/>
+          </p:cNvSpPr>
+          <p:nvPr>
+            <p:ph type="title"/>
+          </p:nvPr>
+        </p:nvSpPr>
+        <p:spPr/>
+        <p:txBody>
+          <a:bodyPr/>
+          <a:lstStyle/>
+          <a:p>
+            <a:r>
+              <a:rPr lang="en-US" dirty="0"/>
+              <a:t>Disclaimers</a:t>
+            </a:r>
+          </a:p>
+        </p:txBody>
+      </p:sp>
+      <p:sp>
+        <p:nvSpPr>
+          <p:cNvPr id="3" name="Content Placeholder 2">
+            <a:extLst>
+              <a:ext uri="{FF2B5EF4-FFF2-40B4-BE49-F238E27FC236}">
+                <a16:creationId xmlns:a16="http://schemas.microsoft.com/office/drawing/2014/main" id="{897CFC1B-633A-47E7-9DF9-AF44AB4D059A}"/>
+              </a:ext>
+            </a:extLst>
+          </p:cNvPr>
+          <p:cNvSpPr>
+            <a:spLocks noGrp="1"/>
+          </p:cNvSpPr>
+          <p:nvPr>
+            <p:ph idx="1"/>
+          </p:nvPr>
+        </p:nvSpPr>
+        <p:spPr/>
+        <p:txBody>
+          <a:bodyPr/>
+          <a:lstStyle/>
+          <a:p>
+            <a:r>
+              <a:rPr lang="en-US" dirty="0"/>
+              <a:t>This study is unfunded.</a:t>
+            </a:r>
+          </a:p>
+          <a:p>
+            <a:r>
+              <a:rPr lang="en-US" dirty="0"/>
+              <a:t>The data are provided by CLS Bank and are commercially available only in aggregated form.</a:t>
+            </a:r>
+          </a:p>
+          <a:p>
+            <a:r>
+              <a:rPr lang="en-US" dirty="0"/>
+              <a:t>One of us (Hasbrouck) taught in the training program of a firm whose activities include FX trading.</a:t>
+            </a:r>
+          </a:p>
+        </p:txBody>
+      </p:sp>
+      <p:sp>
+        <p:nvSpPr>
+          <p:cNvPr id="4" name="Slide Number Placeholder 3">
+            <a:extLst>
+              <a:ext uri="{FF2B5EF4-FFF2-40B4-BE49-F238E27FC236}">
+                <a16:creationId xmlns:a16="http://schemas.microsoft.com/office/drawing/2014/main" id="{858437DF-A76A-466F-8011-BC30C1E32EDA}"/>
+              </a:ext>
+            </a:extLst>
+          </p:cNvPr>
+          <p:cNvSpPr>
+            <a:spLocks noGrp="1"/>
+          </p:cNvSpPr>
+          <p:nvPr>
+            <p:ph type="sldNum" sz="quarter" idx="12"/>
+          </p:nvPr>
+        </p:nvSpPr>
+        <p:spPr/>
+        <p:txBody>
+          <a:bodyPr/>
+          <a:lstStyle/>
+          <a:p>
+            <a:fld id="{209BAFFF-E36A-4B57-9655-92B0909E7771}" type="slidenum">
+              <a:rPr lang="en-US" smtClean="0"/>
+              <a:pPr/>
+              <a:t>2</a:t>
+            </a:fld>
+            <a:endParaRPr lang="en-US"/>
+          </a:p>
+        </p:txBody>
+      </p:sp>
+    </p:spTree>
+    <p:extLst>
+      <p:ext uri="{BB962C8B-B14F-4D97-AF65-F5344CB8AC3E}">
+        <p14:creationId xmlns:p14="http://schemas.microsoft.com/office/powerpoint/2010/main" val="922438787"/>
+      </p:ext>
+    </p:extLst>
+  </p:cSld>
+  <p:clrMapOvr>
+    <a:masterClrMapping/>
+  </p:clrMapOvr>
+</p:sld>
+</file>
+
+<file path=ppt/slides/slide20.xml><?xml version="1.0" encoding="utf-8"?>
 <p:sld xmlns:a="http://schemas.openxmlformats.org/drawingml/2006/main" xmlns:r="http://schemas.openxmlformats.org/officeDocument/2006/relationships" xmlns:p="http://schemas.openxmlformats.org/presentationml/2006/main">
   <p:cSld>
     <p:spTree>
@@ -9900,7 +11987,7 @@
             <a:fld id="{209BAFFF-E36A-4B57-9655-92B0909E7771}" type="slidenum">
               <a:rPr lang="en-US" smtClean="0"/>
               <a:pPr/>
-              <a:t>18</a:t>
+              <a:t>20</a:t>
             </a:fld>
             <a:endParaRPr lang="en-US"/>
           </a:p>
@@ -9919,7 +12006,7 @@
 </p:sld>
 </file>
 
-<file path=ppt/slides/slide19.xml><?xml version="1.0" encoding="utf-8"?>
+<file path=ppt/slides/slide21.xml><?xml version="1.0" encoding="utf-8"?>
 <p:sld xmlns:a="http://schemas.openxmlformats.org/drawingml/2006/main" xmlns:r="http://schemas.openxmlformats.org/officeDocument/2006/relationships" xmlns:p="http://schemas.openxmlformats.org/presentationml/2006/main">
   <p:cSld>
     <p:spTree>
@@ -9996,6 +12083,30 @@
               <a:t>80%-90% … in the prior 60 seconds.</a:t>
             </a:r>
           </a:p>
+          <a:p>
+            <a:endParaRPr lang="en-US" dirty="0"/>
+          </a:p>
+          <a:p>
+            <a:endParaRPr lang="en-US" dirty="0"/>
+          </a:p>
+          <a:p>
+            <a:endParaRPr lang="en-US" dirty="0"/>
+          </a:p>
+          <a:p>
+            <a:endParaRPr lang="en-US" dirty="0"/>
+          </a:p>
+          <a:p>
+            <a:endParaRPr lang="en-US" dirty="0"/>
+          </a:p>
+          <a:p>
+            <a:endParaRPr lang="en-US" dirty="0"/>
+          </a:p>
+          <a:p>
+            <a:r>
+              <a:rPr lang="en-US" i="1" dirty="0"/>
+              <a:t>Questions?</a:t>
+            </a:r>
+          </a:p>
         </p:txBody>
       </p:sp>
       <p:sp>
@@ -10022,7 +12133,7 @@
             <a:fld id="{209BAFFF-E36A-4B57-9655-92B0909E7771}" type="slidenum">
               <a:rPr lang="en-US" smtClean="0"/>
               <a:pPr/>
-              <a:t>19</a:t>
+              <a:t>21</a:t>
             </a:fld>
             <a:endParaRPr lang="en-US"/>
           </a:p>
@@ -10041,135 +12152,7 @@
 </p:sld>
 </file>
 
-<file path=ppt/slides/slide2.xml><?xml version="1.0" encoding="utf-8"?>
-<p:sld xmlns:a="http://schemas.openxmlformats.org/drawingml/2006/main" xmlns:r="http://schemas.openxmlformats.org/officeDocument/2006/relationships" xmlns:p="http://schemas.openxmlformats.org/presentationml/2006/main">
-  <p:cSld>
-    <p:spTree>
-      <p:nvGrpSpPr>
-        <p:cNvPr id="1" name=""/>
-        <p:cNvGrpSpPr/>
-        <p:nvPr/>
-      </p:nvGrpSpPr>
-      <p:grpSpPr>
-        <a:xfrm>
-          <a:off x="0" y="0"/>
-          <a:ext cx="0" cy="0"/>
-          <a:chOff x="0" y="0"/>
-          <a:chExt cx="0" cy="0"/>
-        </a:xfrm>
-      </p:grpSpPr>
-      <p:sp>
-        <p:nvSpPr>
-          <p:cNvPr id="2" name="Title 1">
-            <a:extLst>
-              <a:ext uri="{FF2B5EF4-FFF2-40B4-BE49-F238E27FC236}">
-                <a16:creationId xmlns:a16="http://schemas.microsoft.com/office/drawing/2014/main" id="{157ABD96-0B7C-4D75-9114-50AFA2ECCB12}"/>
-              </a:ext>
-            </a:extLst>
-          </p:cNvPr>
-          <p:cNvSpPr>
-            <a:spLocks noGrp="1"/>
-          </p:cNvSpPr>
-          <p:nvPr>
-            <p:ph type="title"/>
-          </p:nvPr>
-        </p:nvSpPr>
-        <p:spPr/>
-        <p:txBody>
-          <a:bodyPr/>
-          <a:lstStyle/>
-          <a:p>
-            <a:r>
-              <a:rPr lang="en-US" dirty="0"/>
-              <a:t>Disclaimers</a:t>
-            </a:r>
-          </a:p>
-        </p:txBody>
-      </p:sp>
-      <p:sp>
-        <p:nvSpPr>
-          <p:cNvPr id="3" name="Content Placeholder 2">
-            <a:extLst>
-              <a:ext uri="{FF2B5EF4-FFF2-40B4-BE49-F238E27FC236}">
-                <a16:creationId xmlns:a16="http://schemas.microsoft.com/office/drawing/2014/main" id="{897CFC1B-633A-47E7-9DF9-AF44AB4D059A}"/>
-              </a:ext>
-            </a:extLst>
-          </p:cNvPr>
-          <p:cNvSpPr>
-            <a:spLocks noGrp="1"/>
-          </p:cNvSpPr>
-          <p:nvPr>
-            <p:ph idx="1"/>
-          </p:nvPr>
-        </p:nvSpPr>
-        <p:spPr/>
-        <p:txBody>
-          <a:bodyPr/>
-          <a:lstStyle/>
-          <a:p>
-            <a:r>
-              <a:rPr lang="en-US" dirty="0"/>
-              <a:t>This study is unfunded.</a:t>
-            </a:r>
-          </a:p>
-          <a:p>
-            <a:r>
-              <a:rPr lang="en-US" dirty="0"/>
-              <a:t>The data are provided by CLS Bank and are commercially available only in aggregated form.</a:t>
-            </a:r>
-          </a:p>
-          <a:p>
-            <a:r>
-              <a:rPr lang="en-US" dirty="0"/>
-              <a:t>One of us (Hasbrouck) taught in the training program of a firm whose activities include FX trading.</a:t>
-            </a:r>
-          </a:p>
-        </p:txBody>
-      </p:sp>
-      <p:sp>
-        <p:nvSpPr>
-          <p:cNvPr id="4" name="Slide Number Placeholder 3">
-            <a:extLst>
-              <a:ext uri="{FF2B5EF4-FFF2-40B4-BE49-F238E27FC236}">
-                <a16:creationId xmlns:a16="http://schemas.microsoft.com/office/drawing/2014/main" id="{858437DF-A76A-466F-8011-BC30C1E32EDA}"/>
-              </a:ext>
-            </a:extLst>
-          </p:cNvPr>
-          <p:cNvSpPr>
-            <a:spLocks noGrp="1"/>
-          </p:cNvSpPr>
-          <p:nvPr>
-            <p:ph type="sldNum" sz="quarter" idx="12"/>
-          </p:nvPr>
-        </p:nvSpPr>
-        <p:spPr/>
-        <p:txBody>
-          <a:bodyPr/>
-          <a:lstStyle/>
-          <a:p>
-            <a:fld id="{209BAFFF-E36A-4B57-9655-92B0909E7771}" type="slidenum">
-              <a:rPr lang="en-US" smtClean="0"/>
-              <a:pPr/>
-              <a:t>2</a:t>
-            </a:fld>
-            <a:endParaRPr lang="en-US"/>
-          </a:p>
-        </p:txBody>
-      </p:sp>
-    </p:spTree>
-    <p:extLst>
-      <p:ext uri="{BB962C8B-B14F-4D97-AF65-F5344CB8AC3E}">
-        <p14:creationId xmlns:p14="http://schemas.microsoft.com/office/powerpoint/2010/main" val="922438787"/>
-      </p:ext>
-    </p:extLst>
-  </p:cSld>
-  <p:clrMapOvr>
-    <a:masterClrMapping/>
-  </p:clrMapOvr>
-</p:sld>
-</file>
-
-<file path=ppt/slides/slide20.xml><?xml version="1.0" encoding="utf-8"?>
+<file path=ppt/slides/slide22.xml><?xml version="1.0" encoding="utf-8"?>
 <p:sld xmlns:a="http://schemas.openxmlformats.org/drawingml/2006/main" xmlns:r="http://schemas.openxmlformats.org/officeDocument/2006/relationships" xmlns:p="http://schemas.openxmlformats.org/presentationml/2006/main">
   <p:cSld>
     <p:spTree>
@@ -10238,7 +12221,7 @@
             <a:fld id="{209BAFFF-E36A-4B57-9655-92B0909E7771}" type="slidenum">
               <a:rPr lang="en-US" smtClean="0"/>
               <a:pPr/>
-              <a:t>20</a:t>
+              <a:t>22</a:t>
             </a:fld>
             <a:endParaRPr lang="en-US"/>
           </a:p>
@@ -10282,7 +12265,7 @@
 </p:sld>
 </file>
 
-<file path=ppt/slides/slide21.xml><?xml version="1.0" encoding="utf-8"?>
+<file path=ppt/slides/slide23.xml><?xml version="1.0" encoding="utf-8"?>
 <p:sld xmlns:a="http://schemas.openxmlformats.org/drawingml/2006/main" xmlns:r="http://schemas.openxmlformats.org/officeDocument/2006/relationships" xmlns:p="http://schemas.openxmlformats.org/presentationml/2006/main">
   <p:cSld>
     <p:spTree>
@@ -10299,8 +12282,8 @@
           <a:chExt cx="0" cy="0"/>
         </a:xfrm>
       </p:grpSpPr>
-      <mc:AlternateContent xmlns:mc="http://schemas.openxmlformats.org/markup-compatibility/2006">
-        <mc:Choice xmlns:a14="http://schemas.microsoft.com/office/drawing/2010/main" Requires="a14">
+      <mc:AlternateContent xmlns:mc="http://schemas.openxmlformats.org/markup-compatibility/2006" xmlns:a14="http://schemas.microsoft.com/office/drawing/2010/main">
+        <mc:Choice Requires="a14">
           <p:sp>
             <p:nvSpPr>
               <p:cNvPr id="3" name="Content Placeholder 2">
@@ -10717,7 +12700,7 @@
             </p:txBody>
           </p:sp>
         </mc:Choice>
-        <mc:Fallback>
+        <mc:Fallback xmlns="">
           <p:sp>
             <p:nvSpPr>
               <p:cNvPr id="3" name="Content Placeholder 2">
@@ -10781,7 +12764,7 @@
             <a:fld id="{209BAFFF-E36A-4B57-9655-92B0909E7771}" type="slidenum">
               <a:rPr lang="en-US" smtClean="0"/>
               <a:pPr/>
-              <a:t>21</a:t>
+              <a:t>23</a:t>
             </a:fld>
             <a:endParaRPr lang="en-US"/>
           </a:p>
@@ -10800,7 +12783,7 @@
 </p:sld>
 </file>
 
-<file path=ppt/slides/slide22.xml><?xml version="1.0" encoding="utf-8"?>
+<file path=ppt/slides/slide24.xml><?xml version="1.0" encoding="utf-8"?>
 <p:sld xmlns:a="http://schemas.openxmlformats.org/drawingml/2006/main" xmlns:r="http://schemas.openxmlformats.org/officeDocument/2006/relationships" xmlns:p="http://schemas.openxmlformats.org/presentationml/2006/main">
   <p:cSld>
     <p:spTree>
@@ -10817,8 +12800,8 @@
           <a:chExt cx="0" cy="0"/>
         </a:xfrm>
       </p:grpSpPr>
-      <mc:AlternateContent xmlns:mc="http://schemas.openxmlformats.org/markup-compatibility/2006">
-        <mc:Choice xmlns:a14="http://schemas.microsoft.com/office/drawing/2010/main" Requires="a14">
+      <mc:AlternateContent xmlns:mc="http://schemas.openxmlformats.org/markup-compatibility/2006" xmlns:a14="http://schemas.microsoft.com/office/drawing/2010/main">
+        <mc:Choice Requires="a14">
           <p:sp>
             <p:nvSpPr>
               <p:cNvPr id="3" name="Content Placeholder 2">
@@ -11236,7 +13219,7 @@
             </p:txBody>
           </p:sp>
         </mc:Choice>
-        <mc:Fallback>
+        <mc:Fallback xmlns="">
           <p:sp>
             <p:nvSpPr>
               <p:cNvPr id="3" name="Content Placeholder 2">
@@ -11309,7 +13292,7 @@
             <a:fld id="{209BAFFF-E36A-4B57-9655-92B0909E7771}" type="slidenum">
               <a:rPr lang="en-US" smtClean="0"/>
               <a:pPr/>
-              <a:t>22</a:t>
+              <a:t>24</a:t>
             </a:fld>
             <a:endParaRPr lang="en-US"/>
           </a:p>
@@ -11328,7 +13311,7 @@
 </p:sld>
 </file>
 
-<file path=ppt/slides/slide23.xml><?xml version="1.0" encoding="utf-8"?>
+<file path=ppt/slides/slide25.xml><?xml version="1.0" encoding="utf-8"?>
 <p:sld xmlns:a="http://schemas.openxmlformats.org/drawingml/2006/main" xmlns:r="http://schemas.openxmlformats.org/officeDocument/2006/relationships" xmlns:p="http://schemas.openxmlformats.org/presentationml/2006/main">
   <p:cSld>
     <p:spTree>
@@ -11345,8 +13328,8 @@
           <a:chExt cx="0" cy="0"/>
         </a:xfrm>
       </p:grpSpPr>
-      <mc:AlternateContent xmlns:mc="http://schemas.openxmlformats.org/markup-compatibility/2006">
-        <mc:Choice xmlns:a14="http://schemas.microsoft.com/office/drawing/2010/main" Requires="a14">
+      <mc:AlternateContent xmlns:mc="http://schemas.openxmlformats.org/markup-compatibility/2006" xmlns:a14="http://schemas.microsoft.com/office/drawing/2010/main">
+        <mc:Choice Requires="a14">
           <p:sp>
             <p:nvSpPr>
               <p:cNvPr id="2" name="Title 1">
@@ -11409,7 +13392,7 @@
             </p:txBody>
           </p:sp>
         </mc:Choice>
-        <mc:Fallback>
+        <mc:Fallback xmlns="">
           <p:sp>
             <p:nvSpPr>
               <p:cNvPr id="2" name="Title 1">
@@ -11449,8 +13432,8 @@
           </p:sp>
         </mc:Fallback>
       </mc:AlternateContent>
-      <mc:AlternateContent xmlns:mc="http://schemas.openxmlformats.org/markup-compatibility/2006">
-        <mc:Choice xmlns:a14="http://schemas.microsoft.com/office/drawing/2010/main" Requires="a14">
+      <mc:AlternateContent xmlns:mc="http://schemas.openxmlformats.org/markup-compatibility/2006" xmlns:a14="http://schemas.microsoft.com/office/drawing/2010/main">
+        <mc:Choice Requires="a14">
           <p:sp>
             <p:nvSpPr>
               <p:cNvPr id="3" name="Content Placeholder 2">
@@ -11849,7 +13832,7 @@
             </p:txBody>
           </p:sp>
         </mc:Choice>
-        <mc:Fallback>
+        <mc:Fallback xmlns="">
           <p:sp>
             <p:nvSpPr>
               <p:cNvPr id="3" name="Content Placeholder 2">
@@ -11913,7 +13896,7 @@
             <a:fld id="{209BAFFF-E36A-4B57-9655-92B0909E7771}" type="slidenum">
               <a:rPr lang="en-US" smtClean="0"/>
               <a:pPr/>
-              <a:t>23</a:t>
+              <a:t>25</a:t>
             </a:fld>
             <a:endParaRPr lang="en-US"/>
           </a:p>
@@ -11932,7 +13915,7 @@
 </p:sld>
 </file>
 
-<file path=ppt/slides/slide24.xml><?xml version="1.0" encoding="utf-8"?>
+<file path=ppt/slides/slide26.xml><?xml version="1.0" encoding="utf-8"?>
 <p:sld xmlns:a="http://schemas.openxmlformats.org/drawingml/2006/main" xmlns:r="http://schemas.openxmlformats.org/officeDocument/2006/relationships" xmlns:p="http://schemas.openxmlformats.org/presentationml/2006/main">
   <p:cSld>
     <p:spTree>
@@ -11982,8 +13965,8 @@
           </a:p>
         </p:txBody>
       </p:sp>
-      <mc:AlternateContent xmlns:mc="http://schemas.openxmlformats.org/markup-compatibility/2006">
-        <mc:Choice xmlns:a14="http://schemas.microsoft.com/office/drawing/2010/main" Requires="a14">
+      <mc:AlternateContent xmlns:mc="http://schemas.openxmlformats.org/markup-compatibility/2006" xmlns:a14="http://schemas.microsoft.com/office/drawing/2010/main">
+        <mc:Choice Requires="a14">
           <p:sp>
             <p:nvSpPr>
               <p:cNvPr id="3" name="Content Placeholder 2">
@@ -12799,7 +14782,7 @@
             </p:txBody>
           </p:sp>
         </mc:Choice>
-        <mc:Fallback>
+        <mc:Fallback xmlns="">
           <p:sp>
             <p:nvSpPr>
               <p:cNvPr id="3" name="Content Placeholder 2">
@@ -12872,7 +14855,7 @@
             <a:fld id="{209BAFFF-E36A-4B57-9655-92B0909E7771}" type="slidenum">
               <a:rPr lang="en-US" smtClean="0"/>
               <a:pPr/>
-              <a:t>24</a:t>
+              <a:t>26</a:t>
             </a:fld>
             <a:endParaRPr lang="en-US"/>
           </a:p>
@@ -12891,7 +14874,7 @@
 </p:sld>
 </file>
 
-<file path=ppt/slides/slide25.xml><?xml version="1.0" encoding="utf-8"?>
+<file path=ppt/slides/slide27.xml><?xml version="1.0" encoding="utf-8"?>
 <p:sld xmlns:a="http://schemas.openxmlformats.org/drawingml/2006/main" xmlns:r="http://schemas.openxmlformats.org/officeDocument/2006/relationships" xmlns:p="http://schemas.openxmlformats.org/presentationml/2006/main">
   <p:cSld>
     <p:spTree>
@@ -12941,8 +14924,8 @@
           </a:p>
         </p:txBody>
       </p:sp>
-      <mc:AlternateContent xmlns:mc="http://schemas.openxmlformats.org/markup-compatibility/2006" xmlns:a14="http://schemas.microsoft.com/office/drawing/2010/main">
-        <mc:Choice Requires="a14">
+      <mc:AlternateContent xmlns:mc="http://schemas.openxmlformats.org/markup-compatibility/2006">
+        <mc:Choice xmlns:a14="http://schemas.microsoft.com/office/drawing/2010/main" Requires="a14">
           <p:sp>
             <p:nvSpPr>
               <p:cNvPr id="3" name="Content Placeholder 2">
@@ -12966,7 +14949,9 @@
               </a:xfrm>
             </p:spPr>
             <p:txBody>
-              <a:bodyPr/>
+              <a:bodyPr>
+                <a:normAutofit lnSpcReduction="10000"/>
+              </a:bodyPr>
               <a:lstStyle/>
               <a:p>
                 <a14:m>
@@ -13466,12 +15451,15 @@
                 <a:endParaRPr lang="en-US" dirty="0"/>
               </a:p>
               <a:p>
-                <a:endParaRPr lang="en-US" dirty="0"/>
+                <a:r>
+                  <a:rPr lang="en-US" i="1" dirty="0"/>
+                  <a:t>Questions?</a:t>
+                </a:r>
               </a:p>
             </p:txBody>
           </p:sp>
         </mc:Choice>
-        <mc:Fallback xmlns="">
+        <mc:Fallback>
           <p:sp>
             <p:nvSpPr>
               <p:cNvPr id="3" name="Content Placeholder 2">
@@ -13544,7 +15532,7 @@
             <a:fld id="{209BAFFF-E36A-4B57-9655-92B0909E7771}" type="slidenum">
               <a:rPr lang="en-US" smtClean="0"/>
               <a:pPr/>
-              <a:t>25</a:t>
+              <a:t>27</a:t>
             </a:fld>
             <a:endParaRPr lang="en-US"/>
           </a:p>
@@ -13563,7 +15551,7 @@
 </p:sld>
 </file>
 
-<file path=ppt/slides/slide26.xml><?xml version="1.0" encoding="utf-8"?>
+<file path=ppt/slides/slide28.xml><?xml version="1.0" encoding="utf-8"?>
 <p:sld xmlns:a="http://schemas.openxmlformats.org/drawingml/2006/main" xmlns:r="http://schemas.openxmlformats.org/officeDocument/2006/relationships" xmlns:p="http://schemas.openxmlformats.org/presentationml/2006/main">
   <p:cSld>
     <p:spTree>
@@ -13632,7 +15620,7 @@
             <a:fld id="{209BAFFF-E36A-4B57-9655-92B0909E7771}" type="slidenum">
               <a:rPr lang="en-US" smtClean="0"/>
               <a:pPr/>
-              <a:t>26</a:t>
+              <a:t>28</a:t>
             </a:fld>
             <a:endParaRPr lang="en-US"/>
           </a:p>
@@ -13931,7 +15919,280 @@
 </p:sld>
 </file>
 
-<file path=ppt/slides/slide27.xml><?xml version="1.0" encoding="utf-8"?>
+<file path=ppt/slides/slide29.xml><?xml version="1.0" encoding="utf-8"?>
+<p:sld xmlns:a="http://schemas.openxmlformats.org/drawingml/2006/main" xmlns:r="http://schemas.openxmlformats.org/officeDocument/2006/relationships" xmlns:p="http://schemas.openxmlformats.org/presentationml/2006/main">
+  <p:cSld>
+    <p:spTree>
+      <p:nvGrpSpPr>
+        <p:cNvPr id="1" name=""/>
+        <p:cNvGrpSpPr/>
+        <p:nvPr/>
+      </p:nvGrpSpPr>
+      <p:grpSpPr>
+        <a:xfrm>
+          <a:off x="0" y="0"/>
+          <a:ext cx="0" cy="0"/>
+          <a:chOff x="0" y="0"/>
+          <a:chExt cx="0" cy="0"/>
+        </a:xfrm>
+      </p:grpSpPr>
+      <p:sp>
+        <p:nvSpPr>
+          <p:cNvPr id="2" name="Title 1">
+            <a:extLst>
+              <a:ext uri="{FF2B5EF4-FFF2-40B4-BE49-F238E27FC236}">
+                <a16:creationId xmlns:a16="http://schemas.microsoft.com/office/drawing/2014/main" id="{F5BF4271-FC8B-4530-B0AE-FAA52017B972}"/>
+              </a:ext>
+            </a:extLst>
+          </p:cNvPr>
+          <p:cNvSpPr>
+            <a:spLocks noGrp="1"/>
+          </p:cNvSpPr>
+          <p:nvPr>
+            <p:ph type="title"/>
+          </p:nvPr>
+        </p:nvSpPr>
+        <p:spPr/>
+        <p:txBody>
+          <a:bodyPr/>
+          <a:lstStyle/>
+          <a:p>
+            <a:r>
+              <a:rPr lang="en-US" dirty="0"/>
+              <a:t>Table 7. Settlement flows between centrality groups</a:t>
+            </a:r>
+          </a:p>
+        </p:txBody>
+      </p:sp>
+      <p:sp>
+        <p:nvSpPr>
+          <p:cNvPr id="3" name="Slide Number Placeholder 2">
+            <a:extLst>
+              <a:ext uri="{FF2B5EF4-FFF2-40B4-BE49-F238E27FC236}">
+                <a16:creationId xmlns:a16="http://schemas.microsoft.com/office/drawing/2014/main" id="{34311BED-6ED4-402B-BF19-5E136DDF7A41}"/>
+              </a:ext>
+            </a:extLst>
+          </p:cNvPr>
+          <p:cNvSpPr>
+            <a:spLocks noGrp="1"/>
+          </p:cNvSpPr>
+          <p:nvPr>
+            <p:ph type="sldNum" sz="quarter" idx="12"/>
+          </p:nvPr>
+        </p:nvSpPr>
+        <p:spPr/>
+        <p:txBody>
+          <a:bodyPr/>
+          <a:lstStyle/>
+          <a:p>
+            <a:fld id="{209BAFFF-E36A-4B57-9655-92B0909E7771}" type="slidenum">
+              <a:rPr lang="en-US" smtClean="0"/>
+              <a:pPr/>
+              <a:t>29</a:t>
+            </a:fld>
+            <a:endParaRPr lang="en-US"/>
+          </a:p>
+        </p:txBody>
+      </p:sp>
+      <p:pic>
+        <p:nvPicPr>
+          <p:cNvPr id="5" name="Picture 4">
+            <a:extLst>
+              <a:ext uri="{FF2B5EF4-FFF2-40B4-BE49-F238E27FC236}">
+                <a16:creationId xmlns:a16="http://schemas.microsoft.com/office/drawing/2014/main" id="{AE3E691D-F5C5-406E-A675-A1E1543DBC18}"/>
+              </a:ext>
+            </a:extLst>
+          </p:cNvPr>
+          <p:cNvPicPr>
+            <a:picLocks noChangeAspect="1"/>
+          </p:cNvPicPr>
+          <p:nvPr/>
+        </p:nvPicPr>
+        <p:blipFill>
+          <a:blip r:embed="rId2"/>
+          <a:stretch>
+            <a:fillRect/>
+          </a:stretch>
+        </p:blipFill>
+        <p:spPr>
+          <a:xfrm>
+            <a:off x="609600" y="1676400"/>
+            <a:ext cx="11146267" cy="4114800"/>
+          </a:xfrm>
+          <a:prstGeom prst="rect">
+            <a:avLst/>
+          </a:prstGeom>
+        </p:spPr>
+      </p:pic>
+    </p:spTree>
+    <p:extLst>
+      <p:ext uri="{BB962C8B-B14F-4D97-AF65-F5344CB8AC3E}">
+        <p14:creationId xmlns:p14="http://schemas.microsoft.com/office/powerpoint/2010/main" val="4068050012"/>
+      </p:ext>
+    </p:extLst>
+  </p:cSld>
+  <p:clrMapOvr>
+    <a:masterClrMapping/>
+  </p:clrMapOvr>
+</p:sld>
+</file>
+
+<file path=ppt/slides/slide3.xml><?xml version="1.0" encoding="utf-8"?>
+<p:sld xmlns:a="http://schemas.openxmlformats.org/drawingml/2006/main" xmlns:r="http://schemas.openxmlformats.org/officeDocument/2006/relationships" xmlns:p="http://schemas.openxmlformats.org/presentationml/2006/main">
+  <p:cSld>
+    <p:spTree>
+      <p:nvGrpSpPr>
+        <p:cNvPr id="1" name=""/>
+        <p:cNvGrpSpPr/>
+        <p:nvPr/>
+      </p:nvGrpSpPr>
+      <p:grpSpPr>
+        <a:xfrm>
+          <a:off x="0" y="0"/>
+          <a:ext cx="0" cy="0"/>
+          <a:chOff x="0" y="0"/>
+          <a:chExt cx="0" cy="0"/>
+        </a:xfrm>
+      </p:grpSpPr>
+      <p:sp>
+        <p:nvSpPr>
+          <p:cNvPr id="2" name="Title 1">
+            <a:extLst>
+              <a:ext uri="{FF2B5EF4-FFF2-40B4-BE49-F238E27FC236}">
+                <a16:creationId xmlns:a16="http://schemas.microsoft.com/office/drawing/2014/main" id="{083BEC67-AC03-4360-9FE5-6F4FAF1BE7B5}"/>
+              </a:ext>
+            </a:extLst>
+          </p:cNvPr>
+          <p:cNvSpPr>
+            <a:spLocks noGrp="1"/>
+          </p:cNvSpPr>
+          <p:nvPr>
+            <p:ph type="title"/>
+          </p:nvPr>
+        </p:nvSpPr>
+        <p:spPr/>
+        <p:txBody>
+          <a:bodyPr>
+            <a:normAutofit/>
+          </a:bodyPr>
+          <a:lstStyle/>
+          <a:p>
+            <a:r>
+              <a:rPr lang="en-US" dirty="0"/>
+              <a:t>The elevator pitch</a:t>
+            </a:r>
+          </a:p>
+        </p:txBody>
+      </p:sp>
+      <p:sp>
+        <p:nvSpPr>
+          <p:cNvPr id="3" name="Content Placeholder 2">
+            <a:extLst>
+              <a:ext uri="{FF2B5EF4-FFF2-40B4-BE49-F238E27FC236}">
+                <a16:creationId xmlns:a16="http://schemas.microsoft.com/office/drawing/2014/main" id="{9C75E148-B39E-4783-A2D6-867D0436D794}"/>
+              </a:ext>
+            </a:extLst>
+          </p:cNvPr>
+          <p:cNvSpPr>
+            <a:spLocks noGrp="1"/>
+          </p:cNvSpPr>
+          <p:nvPr>
+            <p:ph idx="1"/>
+          </p:nvPr>
+        </p:nvSpPr>
+        <p:spPr/>
+        <p:txBody>
+          <a:bodyPr/>
+          <a:lstStyle/>
+          <a:p>
+            <a:r>
+              <a:rPr lang="en-US" dirty="0"/>
+              <a:t>Over-the-counter financial markets are often modeled as networks.</a:t>
+            </a:r>
+          </a:p>
+          <a:p>
+            <a:r>
+              <a:rPr lang="en-US" dirty="0"/>
+              <a:t>An agent’s trading costs are sensitive to the agent’s centrality (“importance”) in the network.</a:t>
+            </a:r>
+          </a:p>
+          <a:p>
+            <a:r>
+              <a:rPr lang="en-US" dirty="0"/>
+              <a:t>Do more central intermediaries extract a premium in their trades?</a:t>
+            </a:r>
+          </a:p>
+          <a:p>
+            <a:pPr lvl="1"/>
+            <a:r>
+              <a:rPr lang="en-US" dirty="0"/>
+              <a:t>Or does competition force them to offer a discount?</a:t>
+            </a:r>
+          </a:p>
+          <a:p>
+            <a:r>
+              <a:rPr lang="en-US" dirty="0"/>
+              <a:t>Most extant results are mixed and come from smaller US OTC markets.</a:t>
+            </a:r>
+          </a:p>
+          <a:p>
+            <a:r>
+              <a:rPr lang="en-US" dirty="0"/>
+              <a:t>We examine the currency (foreign exchange, FX) market.</a:t>
+            </a:r>
+          </a:p>
+          <a:p>
+            <a:r>
+              <a:rPr lang="en-US" dirty="0"/>
+              <a:t>We find a premium.</a:t>
+            </a:r>
+          </a:p>
+        </p:txBody>
+      </p:sp>
+      <p:sp>
+        <p:nvSpPr>
+          <p:cNvPr id="4" name="Slide Number Placeholder 3">
+            <a:extLst>
+              <a:ext uri="{FF2B5EF4-FFF2-40B4-BE49-F238E27FC236}">
+                <a16:creationId xmlns:a16="http://schemas.microsoft.com/office/drawing/2014/main" id="{042A8DAE-8DC5-4B51-B9B7-38876598E6DA}"/>
+              </a:ext>
+            </a:extLst>
+          </p:cNvPr>
+          <p:cNvSpPr>
+            <a:spLocks noGrp="1"/>
+          </p:cNvSpPr>
+          <p:nvPr>
+            <p:ph type="sldNum" sz="quarter" idx="12"/>
+          </p:nvPr>
+        </p:nvSpPr>
+        <p:spPr/>
+        <p:txBody>
+          <a:bodyPr/>
+          <a:lstStyle/>
+          <a:p>
+            <a:fld id="{209BAFFF-E36A-4B57-9655-92B0909E7771}" type="slidenum">
+              <a:rPr lang="en-US" smtClean="0"/>
+              <a:pPr/>
+              <a:t>3</a:t>
+            </a:fld>
+            <a:endParaRPr lang="en-US"/>
+          </a:p>
+        </p:txBody>
+      </p:sp>
+    </p:spTree>
+    <p:extLst>
+      <p:ext uri="{BB962C8B-B14F-4D97-AF65-F5344CB8AC3E}">
+        <p14:creationId xmlns:p14="http://schemas.microsoft.com/office/powerpoint/2010/main" val="704894536"/>
+      </p:ext>
+    </p:extLst>
+  </p:cSld>
+  <p:clrMapOvr>
+    <a:masterClrMapping/>
+  </p:clrMapOvr>
+</p:sld>
+</file>
+
+<file path=ppt/slides/slide30.xml><?xml version="1.0" encoding="utf-8"?>
 <p:sld xmlns:a="http://schemas.openxmlformats.org/drawingml/2006/main" xmlns:r="http://schemas.openxmlformats.org/officeDocument/2006/relationships" xmlns:p="http://schemas.openxmlformats.org/presentationml/2006/main">
   <p:cSld>
     <p:spTree>
@@ -14008,7 +16269,7 @@
             <a:fld id="{209BAFFF-E36A-4B57-9655-92B0909E7771}" type="slidenum">
               <a:rPr lang="en-US" smtClean="0"/>
               <a:pPr/>
-              <a:t>27</a:t>
+              <a:t>30</a:t>
             </a:fld>
             <a:endParaRPr lang="en-US"/>
           </a:p>
@@ -15144,7 +17405,7 @@
 </p:sld>
 </file>
 
-<file path=ppt/slides/slide28.xml><?xml version="1.0" encoding="utf-8"?>
+<file path=ppt/slides/slide31.xml><?xml version="1.0" encoding="utf-8"?>
 <p:sld xmlns:a="http://schemas.openxmlformats.org/drawingml/2006/main" xmlns:r="http://schemas.openxmlformats.org/officeDocument/2006/relationships" xmlns:p="http://schemas.openxmlformats.org/presentationml/2006/main">
   <p:cSld>
     <p:spTree>
@@ -15161,8 +17422,8 @@
           <a:chExt cx="0" cy="0"/>
         </a:xfrm>
       </p:grpSpPr>
-      <mc:AlternateContent xmlns:mc="http://schemas.openxmlformats.org/markup-compatibility/2006">
-        <mc:Choice xmlns:a14="http://schemas.microsoft.com/office/drawing/2010/main" Requires="a14">
+      <mc:AlternateContent xmlns:mc="http://schemas.openxmlformats.org/markup-compatibility/2006" xmlns:a14="http://schemas.microsoft.com/office/drawing/2010/main">
+        <mc:Choice Requires="a14">
           <p:sp>
             <p:nvSpPr>
               <p:cNvPr id="2" name="Title 1">
@@ -15416,7 +17677,7 @@
             </p:txBody>
           </p:sp>
         </mc:Choice>
-        <mc:Fallback>
+        <mc:Fallback xmlns="">
           <p:sp>
             <p:nvSpPr>
               <p:cNvPr id="2" name="Title 1">
@@ -15460,8 +17721,8 @@
           </p:sp>
         </mc:Fallback>
       </mc:AlternateContent>
-      <mc:AlternateContent xmlns:mc="http://schemas.openxmlformats.org/markup-compatibility/2006">
-        <mc:Choice xmlns:a14="http://schemas.microsoft.com/office/drawing/2010/main" Requires="a14">
+      <mc:AlternateContent xmlns:mc="http://schemas.openxmlformats.org/markup-compatibility/2006" xmlns:a14="http://schemas.microsoft.com/office/drawing/2010/main">
+        <mc:Choice Requires="a14">
           <p:sp>
             <p:nvSpPr>
               <p:cNvPr id="3" name="Content Placeholder 2">
@@ -15674,7 +17935,7 @@
             </p:txBody>
           </p:sp>
         </mc:Choice>
-        <mc:Fallback>
+        <mc:Fallback xmlns="">
           <p:sp>
             <p:nvSpPr>
               <p:cNvPr id="3" name="Content Placeholder 2">
@@ -15742,7 +18003,7 @@
             <a:fld id="{209BAFFF-E36A-4B57-9655-92B0909E7771}" type="slidenum">
               <a:rPr lang="en-US" smtClean="0"/>
               <a:pPr/>
-              <a:t>28</a:t>
+              <a:t>31</a:t>
             </a:fld>
             <a:endParaRPr lang="en-US"/>
           </a:p>
@@ -15791,7 +18052,7 @@
 </p:sld>
 </file>
 
-<file path=ppt/slides/slide29.xml><?xml version="1.0" encoding="utf-8"?>
+<file path=ppt/slides/slide32.xml><?xml version="1.0" encoding="utf-8"?>
 <p:sld xmlns:a="http://schemas.openxmlformats.org/drawingml/2006/main" xmlns:r="http://schemas.openxmlformats.org/officeDocument/2006/relationships" xmlns:p="http://schemas.openxmlformats.org/presentationml/2006/main">
   <p:cSld>
     <p:spTree>
@@ -15841,8 +18102,8 @@
           </a:p>
         </p:txBody>
       </p:sp>
-      <mc:AlternateContent xmlns:mc="http://schemas.openxmlformats.org/markup-compatibility/2006">
-        <mc:Choice xmlns:a14="http://schemas.microsoft.com/office/drawing/2010/main" Requires="a14">
+      <mc:AlternateContent xmlns:mc="http://schemas.openxmlformats.org/markup-compatibility/2006" xmlns:a14="http://schemas.microsoft.com/office/drawing/2010/main">
+        <mc:Choice Requires="a14">
           <p:sp>
             <p:nvSpPr>
               <p:cNvPr id="5" name="Content Placeholder 4">
@@ -15985,7 +18246,7 @@
             </p:txBody>
           </p:sp>
         </mc:Choice>
-        <mc:Fallback>
+        <mc:Fallback xmlns="">
           <p:sp>
             <p:nvSpPr>
               <p:cNvPr id="5" name="Content Placeholder 4">
@@ -16053,7 +18314,7 @@
             <a:fld id="{209BAFFF-E36A-4B57-9655-92B0909E7771}" type="slidenum">
               <a:rPr lang="en-US" smtClean="0"/>
               <a:pPr/>
-              <a:t>29</a:t>
+              <a:t>32</a:t>
             </a:fld>
             <a:endParaRPr lang="en-US"/>
           </a:p>
@@ -16134,162 +18395,7 @@
 </p:sld>
 </file>
 
-<file path=ppt/slides/slide3.xml><?xml version="1.0" encoding="utf-8"?>
-<p:sld xmlns:a="http://schemas.openxmlformats.org/drawingml/2006/main" xmlns:r="http://schemas.openxmlformats.org/officeDocument/2006/relationships" xmlns:p="http://schemas.openxmlformats.org/presentationml/2006/main">
-  <p:cSld>
-    <p:spTree>
-      <p:nvGrpSpPr>
-        <p:cNvPr id="1" name=""/>
-        <p:cNvGrpSpPr/>
-        <p:nvPr/>
-      </p:nvGrpSpPr>
-      <p:grpSpPr>
-        <a:xfrm>
-          <a:off x="0" y="0"/>
-          <a:ext cx="0" cy="0"/>
-          <a:chOff x="0" y="0"/>
-          <a:chExt cx="0" cy="0"/>
-        </a:xfrm>
-      </p:grpSpPr>
-      <p:sp>
-        <p:nvSpPr>
-          <p:cNvPr id="2" name="Title 1">
-            <a:extLst>
-              <a:ext uri="{FF2B5EF4-FFF2-40B4-BE49-F238E27FC236}">
-                <a16:creationId xmlns:a16="http://schemas.microsoft.com/office/drawing/2014/main" id="{083BEC67-AC03-4360-9FE5-6F4FAF1BE7B5}"/>
-              </a:ext>
-            </a:extLst>
-          </p:cNvPr>
-          <p:cNvSpPr>
-            <a:spLocks noGrp="1"/>
-          </p:cNvSpPr>
-          <p:nvPr>
-            <p:ph type="title"/>
-          </p:nvPr>
-        </p:nvSpPr>
-        <p:spPr/>
-        <p:txBody>
-          <a:bodyPr>
-            <a:normAutofit/>
-          </a:bodyPr>
-          <a:lstStyle/>
-          <a:p>
-            <a:r>
-              <a:rPr lang="en-US" dirty="0"/>
-              <a:t>The elevator pitch</a:t>
-            </a:r>
-          </a:p>
-        </p:txBody>
-      </p:sp>
-      <p:sp>
-        <p:nvSpPr>
-          <p:cNvPr id="3" name="Content Placeholder 2">
-            <a:extLst>
-              <a:ext uri="{FF2B5EF4-FFF2-40B4-BE49-F238E27FC236}">
-                <a16:creationId xmlns:a16="http://schemas.microsoft.com/office/drawing/2014/main" id="{9C75E148-B39E-4783-A2D6-867D0436D794}"/>
-              </a:ext>
-            </a:extLst>
-          </p:cNvPr>
-          <p:cNvSpPr>
-            <a:spLocks noGrp="1"/>
-          </p:cNvSpPr>
-          <p:nvPr>
-            <p:ph idx="1"/>
-          </p:nvPr>
-        </p:nvSpPr>
-        <p:spPr/>
-        <p:txBody>
-          <a:bodyPr/>
-          <a:lstStyle/>
-          <a:p>
-            <a:r>
-              <a:rPr lang="en-US" dirty="0"/>
-              <a:t>Over-the-counter financial markets are often modeled as networks.</a:t>
-            </a:r>
-          </a:p>
-          <a:p>
-            <a:r>
-              <a:rPr lang="en-US" dirty="0"/>
-              <a:t>An agent’s trading costs are sensitive to the agent’s centrality (“importance”) in the network.</a:t>
-            </a:r>
-          </a:p>
-          <a:p>
-            <a:r>
-              <a:rPr lang="en-US" dirty="0"/>
-              <a:t>Do more central intermediaries extract a premium in their trades?</a:t>
-            </a:r>
-          </a:p>
-          <a:p>
-            <a:pPr lvl="1"/>
-            <a:r>
-              <a:rPr lang="en-US" dirty="0"/>
-              <a:t>Or does competition force them to offer a discount?</a:t>
-            </a:r>
-          </a:p>
-          <a:p>
-            <a:r>
-              <a:rPr lang="en-US" dirty="0"/>
-              <a:t>Most extant results are mixed and come from smaller US OTC markets.</a:t>
-            </a:r>
-          </a:p>
-          <a:p>
-            <a:r>
-              <a:rPr lang="en-US" dirty="0"/>
-              <a:t>We examine the currency (foreign exchange, FX) market.</a:t>
-            </a:r>
-          </a:p>
-          <a:p>
-            <a:r>
-              <a:rPr lang="en-US" dirty="0"/>
-              <a:t>We find a premium.</a:t>
-            </a:r>
-          </a:p>
-        </p:txBody>
-      </p:sp>
-      <p:sp>
-        <p:nvSpPr>
-          <p:cNvPr id="4" name="Slide Number Placeholder 3">
-            <a:extLst>
-              <a:ext uri="{FF2B5EF4-FFF2-40B4-BE49-F238E27FC236}">
-                <a16:creationId xmlns:a16="http://schemas.microsoft.com/office/drawing/2014/main" id="{042A8DAE-8DC5-4B51-B9B7-38876598E6DA}"/>
-              </a:ext>
-            </a:extLst>
-          </p:cNvPr>
-          <p:cNvSpPr>
-            <a:spLocks noGrp="1"/>
-          </p:cNvSpPr>
-          <p:nvPr>
-            <p:ph type="sldNum" sz="quarter" idx="12"/>
-          </p:nvPr>
-        </p:nvSpPr>
-        <p:spPr/>
-        <p:txBody>
-          <a:bodyPr/>
-          <a:lstStyle/>
-          <a:p>
-            <a:fld id="{209BAFFF-E36A-4B57-9655-92B0909E7771}" type="slidenum">
-              <a:rPr lang="en-US" smtClean="0"/>
-              <a:pPr/>
-              <a:t>3</a:t>
-            </a:fld>
-            <a:endParaRPr lang="en-US"/>
-          </a:p>
-        </p:txBody>
-      </p:sp>
-    </p:spTree>
-    <p:extLst>
-      <p:ext uri="{BB962C8B-B14F-4D97-AF65-F5344CB8AC3E}">
-        <p14:creationId xmlns:p14="http://schemas.microsoft.com/office/powerpoint/2010/main" val="704894536"/>
-      </p:ext>
-    </p:extLst>
-  </p:cSld>
-  <p:clrMapOvr>
-    <a:masterClrMapping/>
-  </p:clrMapOvr>
-</p:sld>
-</file>
-
-<file path=ppt/slides/slide30.xml><?xml version="1.0" encoding="utf-8"?>
+<file path=ppt/slides/slide33.xml><?xml version="1.0" encoding="utf-8"?>
 <p:sld xmlns:a="http://schemas.openxmlformats.org/drawingml/2006/main" xmlns:r="http://schemas.openxmlformats.org/officeDocument/2006/relationships" xmlns:p="http://schemas.openxmlformats.org/presentationml/2006/main">
   <p:cSld>
     <p:spTree>
@@ -16419,7 +18525,7 @@
             <a:fld id="{209BAFFF-E36A-4B57-9655-92B0909E7771}" type="slidenum">
               <a:rPr lang="en-US" smtClean="0"/>
               <a:pPr/>
-              <a:t>30</a:t>
+              <a:t>33</a:t>
             </a:fld>
             <a:endParaRPr lang="en-US"/>
           </a:p>
@@ -16438,7 +18544,7 @@
 </p:sld>
 </file>
 
-<file path=ppt/slides/slide31.xml><?xml version="1.0" encoding="utf-8"?>
+<file path=ppt/slides/slide34.xml><?xml version="1.0" encoding="utf-8"?>
 <p:sld xmlns:a="http://schemas.openxmlformats.org/drawingml/2006/main" xmlns:r="http://schemas.openxmlformats.org/officeDocument/2006/relationships" xmlns:p="http://schemas.openxmlformats.org/presentationml/2006/main">
   <p:cSld>
     <p:spTree>
@@ -17193,7 +19299,7 @@
             <a:fld id="{209BAFFF-E36A-4B57-9655-92B0909E7771}" type="slidenum">
               <a:rPr lang="en-US" smtClean="0"/>
               <a:pPr/>
-              <a:t>31</a:t>
+              <a:t>34</a:t>
             </a:fld>
             <a:endParaRPr lang="en-US"/>
           </a:p>
@@ -17212,7 +19318,7 @@
 </p:sld>
 </file>
 
-<file path=ppt/slides/slide32.xml><?xml version="1.0" encoding="utf-8"?>
+<file path=ppt/slides/slide35.xml><?xml version="1.0" encoding="utf-8"?>
 <p:sld xmlns:a="http://schemas.openxmlformats.org/drawingml/2006/main" xmlns:r="http://schemas.openxmlformats.org/officeDocument/2006/relationships" xmlns:p="http://schemas.openxmlformats.org/presentationml/2006/main">
   <p:cSld>
     <p:spTree>
@@ -17483,7 +19589,7 @@
             <a:fld id="{209BAFFF-E36A-4B57-9655-92B0909E7771}" type="slidenum">
               <a:rPr lang="en-US" smtClean="0"/>
               <a:pPr/>
-              <a:t>32</a:t>
+              <a:t>35</a:t>
             </a:fld>
             <a:endParaRPr lang="en-US"/>
           </a:p>
@@ -17594,7 +19700,7 @@
 </p:sld>
 </file>
 
-<file path=ppt/slides/slide33.xml><?xml version="1.0" encoding="utf-8"?>
+<file path=ppt/slides/slide36.xml><?xml version="1.0" encoding="utf-8"?>
 <p:sld xmlns:a="http://schemas.openxmlformats.org/drawingml/2006/main" xmlns:r="http://schemas.openxmlformats.org/officeDocument/2006/relationships" xmlns:p="http://schemas.openxmlformats.org/presentationml/2006/main">
   <p:cSld>
     <p:spTree>
@@ -17718,7 +19824,7 @@
             <a:fld id="{209BAFFF-E36A-4B57-9655-92B0909E7771}" type="slidenum">
               <a:rPr lang="en-US" smtClean="0"/>
               <a:pPr/>
-              <a:t>33</a:t>
+              <a:t>36</a:t>
             </a:fld>
             <a:endParaRPr lang="en-US"/>
           </a:p>
@@ -17737,2081 +19843,7 @@
 </p:sld>
 </file>
 
-<file path=ppt/slides/slide34.xml><?xml version="1.0" encoding="utf-8"?>
-<p:sld xmlns:a="http://schemas.openxmlformats.org/drawingml/2006/main" xmlns:r="http://schemas.openxmlformats.org/officeDocument/2006/relationships" xmlns:p="http://schemas.openxmlformats.org/presentationml/2006/main">
-  <p:cSld>
-    <p:spTree>
-      <p:nvGrpSpPr>
-        <p:cNvPr id="1" name=""/>
-        <p:cNvGrpSpPr/>
-        <p:nvPr/>
-      </p:nvGrpSpPr>
-      <p:grpSpPr>
-        <a:xfrm>
-          <a:off x="0" y="0"/>
-          <a:ext cx="0" cy="0"/>
-          <a:chOff x="0" y="0"/>
-          <a:chExt cx="0" cy="0"/>
-        </a:xfrm>
-      </p:grpSpPr>
-      <p:sp>
-        <p:nvSpPr>
-          <p:cNvPr id="2" name="Title 1">
-            <a:extLst>
-              <a:ext uri="{FF2B5EF4-FFF2-40B4-BE49-F238E27FC236}">
-                <a16:creationId xmlns:a16="http://schemas.microsoft.com/office/drawing/2014/main" id="{C3EF1519-1274-47E7-B997-6CA2DE5C54F4}"/>
-              </a:ext>
-            </a:extLst>
-          </p:cNvPr>
-          <p:cNvSpPr>
-            <a:spLocks noGrp="1"/>
-          </p:cNvSpPr>
-          <p:nvPr>
-            <p:ph type="title"/>
-          </p:nvPr>
-        </p:nvSpPr>
-        <p:spPr>
-          <a:xfrm>
-            <a:off x="609600" y="229442"/>
-            <a:ext cx="10972800" cy="974242"/>
-          </a:xfrm>
-        </p:spPr>
-        <p:txBody>
-          <a:bodyPr>
-            <a:noAutofit/>
-          </a:bodyPr>
-          <a:lstStyle/>
-          <a:p>
-            <a:pPr algn="ctr"/>
-            <a:r>
-              <a:rPr lang="en-US" sz="2800" dirty="0"/>
-              <a:t>“Citi receives €1M from Morgan; Morgan receives $1.1M from Citi” </a:t>
-            </a:r>
-            <a:r>
-              <a:rPr lang="en-US" sz="2800" b="1" dirty="0"/>
-              <a:t>Bilateral settlement via direct clearing</a:t>
-            </a:r>
-          </a:p>
-        </p:txBody>
-      </p:sp>
-      <p:sp>
-        <p:nvSpPr>
-          <p:cNvPr id="4" name="Slide Number Placeholder 3">
-            <a:extLst>
-              <a:ext uri="{FF2B5EF4-FFF2-40B4-BE49-F238E27FC236}">
-                <a16:creationId xmlns:a16="http://schemas.microsoft.com/office/drawing/2014/main" id="{E4E1E558-97B5-42EE-9673-F3A0073A6EA7}"/>
-              </a:ext>
-            </a:extLst>
-          </p:cNvPr>
-          <p:cNvSpPr>
-            <a:spLocks noGrp="1"/>
-          </p:cNvSpPr>
-          <p:nvPr>
-            <p:ph type="sldNum" sz="quarter" idx="12"/>
-          </p:nvPr>
-        </p:nvSpPr>
-        <p:spPr/>
-        <p:txBody>
-          <a:bodyPr/>
-          <a:lstStyle/>
-          <a:p>
-            <a:fld id="{209BAFFF-E36A-4B57-9655-92B0909E7771}" type="slidenum">
-              <a:rPr lang="en-US" smtClean="0"/>
-              <a:pPr/>
-              <a:t>34</a:t>
-            </a:fld>
-            <a:endParaRPr lang="en-US"/>
-          </a:p>
-        </p:txBody>
-      </p:sp>
-      <p:sp>
-        <p:nvSpPr>
-          <p:cNvPr id="5" name="Rectangle: Rounded Corners 4">
-            <a:extLst>
-              <a:ext uri="{FF2B5EF4-FFF2-40B4-BE49-F238E27FC236}">
-                <a16:creationId xmlns:a16="http://schemas.microsoft.com/office/drawing/2014/main" id="{122D31E6-80BE-48C9-B31B-6095E6BBFFF6}"/>
-              </a:ext>
-            </a:extLst>
-          </p:cNvPr>
-          <p:cNvSpPr/>
-          <p:nvPr/>
-        </p:nvSpPr>
-        <p:spPr>
-          <a:xfrm>
-            <a:off x="609600" y="1560384"/>
-            <a:ext cx="914400" cy="4764215"/>
-          </a:xfrm>
-          <a:prstGeom prst="roundRect">
-            <a:avLst/>
-          </a:prstGeom>
-          <a:solidFill>
-            <a:schemeClr val="bg1"/>
-          </a:solidFill>
-        </p:spPr>
-        <p:style>
-          <a:lnRef idx="2">
-            <a:schemeClr val="accent1">
-              <a:shade val="50000"/>
-            </a:schemeClr>
-          </a:lnRef>
-          <a:fillRef idx="1">
-            <a:schemeClr val="accent1"/>
-          </a:fillRef>
-          <a:effectRef idx="0">
-            <a:schemeClr val="accent1"/>
-          </a:effectRef>
-          <a:fontRef idx="minor">
-            <a:schemeClr val="lt1"/>
-          </a:fontRef>
-        </p:style>
-        <p:txBody>
-          <a:bodyPr rot="0" spcFirstLastPara="0" vertOverflow="overflow" horzOverflow="overflow" vert="horz" wrap="square" lIns="91440" tIns="45720" rIns="91440" bIns="45720" numCol="1" spcCol="0" rtlCol="0" fromWordArt="0" anchor="ctr" anchorCtr="0" forceAA="0" compatLnSpc="1">
-            <a:prstTxWarp prst="textNoShape">
-              <a:avLst/>
-            </a:prstTxWarp>
-            <a:noAutofit/>
-          </a:bodyPr>
-          <a:lstStyle/>
-          <a:p>
-            <a:pPr algn="ctr"/>
-            <a:r>
-              <a:rPr lang="en-US" sz="2400" dirty="0">
-                <a:solidFill>
-                  <a:schemeClr val="tx2"/>
-                </a:solidFill>
-                <a:latin typeface="Cambria" pitchFamily="18" charset="0"/>
-              </a:rPr>
-              <a:t>Citi</a:t>
-            </a:r>
-          </a:p>
-        </p:txBody>
-      </p:sp>
-      <p:sp>
-        <p:nvSpPr>
-          <p:cNvPr id="6" name="Rectangle: Rounded Corners 5">
-            <a:extLst>
-              <a:ext uri="{FF2B5EF4-FFF2-40B4-BE49-F238E27FC236}">
-                <a16:creationId xmlns:a16="http://schemas.microsoft.com/office/drawing/2014/main" id="{491F2329-9753-440E-A75F-FF8CA19AB4D5}"/>
-              </a:ext>
-            </a:extLst>
-          </p:cNvPr>
-          <p:cNvSpPr/>
-          <p:nvPr/>
-        </p:nvSpPr>
-        <p:spPr>
-          <a:xfrm>
-            <a:off x="9144000" y="1560411"/>
-            <a:ext cx="1524000" cy="4764187"/>
-          </a:xfrm>
-          <a:prstGeom prst="roundRect">
-            <a:avLst/>
-          </a:prstGeom>
-          <a:solidFill>
-            <a:schemeClr val="bg1"/>
-          </a:solidFill>
-        </p:spPr>
-        <p:style>
-          <a:lnRef idx="2">
-            <a:schemeClr val="accent1">
-              <a:shade val="50000"/>
-            </a:schemeClr>
-          </a:lnRef>
-          <a:fillRef idx="1">
-            <a:schemeClr val="accent1"/>
-          </a:fillRef>
-          <a:effectRef idx="0">
-            <a:schemeClr val="accent1"/>
-          </a:effectRef>
-          <a:fontRef idx="minor">
-            <a:schemeClr val="lt1"/>
-          </a:fontRef>
-        </p:style>
-        <p:txBody>
-          <a:bodyPr rot="0" spcFirstLastPara="0" vertOverflow="overflow" horzOverflow="overflow" vert="horz" wrap="square" lIns="91440" tIns="45720" rIns="91440" bIns="45720" numCol="1" spcCol="0" rtlCol="0" fromWordArt="0" anchor="ctr" anchorCtr="0" forceAA="0" compatLnSpc="1">
-            <a:prstTxWarp prst="textNoShape">
-              <a:avLst/>
-            </a:prstTxWarp>
-            <a:noAutofit/>
-          </a:bodyPr>
-          <a:lstStyle/>
-          <a:p>
-            <a:pPr algn="ctr"/>
-            <a:r>
-              <a:rPr lang="en-US" sz="2400" dirty="0">
-                <a:solidFill>
-                  <a:schemeClr val="tx2"/>
-                </a:solidFill>
-                <a:latin typeface="Cambria" pitchFamily="18" charset="0"/>
-              </a:rPr>
-              <a:t>Morgan</a:t>
-            </a:r>
-          </a:p>
-        </p:txBody>
-      </p:sp>
-      <p:sp>
-        <p:nvSpPr>
-          <p:cNvPr id="7" name="Rectangle: Rounded Corners 6">
-            <a:extLst>
-              <a:ext uri="{FF2B5EF4-FFF2-40B4-BE49-F238E27FC236}">
-                <a16:creationId xmlns:a16="http://schemas.microsoft.com/office/drawing/2014/main" id="{18DD47E9-2FF4-4F19-9AAF-74E5AE7EF677}"/>
-              </a:ext>
-            </a:extLst>
-          </p:cNvPr>
-          <p:cNvSpPr/>
-          <p:nvPr/>
-        </p:nvSpPr>
-        <p:spPr>
-          <a:xfrm>
-            <a:off x="4104600" y="1560383"/>
-            <a:ext cx="2763600" cy="1379255"/>
-          </a:xfrm>
-          <a:prstGeom prst="roundRect">
-            <a:avLst/>
-          </a:prstGeom>
-          <a:solidFill>
-            <a:schemeClr val="bg1"/>
-          </a:solidFill>
-        </p:spPr>
-        <p:style>
-          <a:lnRef idx="2">
-            <a:schemeClr val="accent1">
-              <a:shade val="50000"/>
-            </a:schemeClr>
-          </a:lnRef>
-          <a:fillRef idx="1">
-            <a:schemeClr val="accent1"/>
-          </a:fillRef>
-          <a:effectRef idx="0">
-            <a:schemeClr val="accent1"/>
-          </a:effectRef>
-          <a:fontRef idx="minor">
-            <a:schemeClr val="lt1"/>
-          </a:fontRef>
-        </p:style>
-        <p:txBody>
-          <a:bodyPr rot="0" spcFirstLastPara="0" vertOverflow="overflow" horzOverflow="overflow" vert="horz" wrap="square" lIns="91440" tIns="45720" rIns="91440" bIns="45720" numCol="1" spcCol="0" rtlCol="0" fromWordArt="0" anchor="ctr" anchorCtr="0" forceAA="0" compatLnSpc="1">
-            <a:prstTxWarp prst="textNoShape">
-              <a:avLst/>
-            </a:prstTxWarp>
-            <a:noAutofit/>
-          </a:bodyPr>
-          <a:lstStyle/>
-          <a:p>
-            <a:pPr algn="ctr"/>
-            <a:r>
-              <a:rPr lang="en-US" sz="2400" dirty="0">
-                <a:solidFill>
-                  <a:schemeClr val="tx2"/>
-                </a:solidFill>
-                <a:latin typeface="Cambria" pitchFamily="18" charset="0"/>
-              </a:rPr>
-              <a:t>EBS (an institutional limit order market)</a:t>
-            </a:r>
-          </a:p>
-        </p:txBody>
-      </p:sp>
-      <p:sp>
-        <p:nvSpPr>
-          <p:cNvPr id="8" name="Arrow: Left 7">
-            <a:extLst>
-              <a:ext uri="{FF2B5EF4-FFF2-40B4-BE49-F238E27FC236}">
-                <a16:creationId xmlns:a16="http://schemas.microsoft.com/office/drawing/2014/main" id="{2032EB87-22AA-4D88-AAB4-091139991A9D}"/>
-              </a:ext>
-            </a:extLst>
-          </p:cNvPr>
-          <p:cNvSpPr/>
-          <p:nvPr/>
-        </p:nvSpPr>
-        <p:spPr>
-          <a:xfrm>
-            <a:off x="1752600" y="2357648"/>
-            <a:ext cx="2047200" cy="632222"/>
-          </a:xfrm>
-          <a:prstGeom prst="leftArrow">
-            <a:avLst/>
-          </a:prstGeom>
-          <a:solidFill>
-            <a:schemeClr val="bg1"/>
-          </a:solidFill>
-        </p:spPr>
-        <p:style>
-          <a:lnRef idx="2">
-            <a:schemeClr val="accent1">
-              <a:shade val="50000"/>
-            </a:schemeClr>
-          </a:lnRef>
-          <a:fillRef idx="1">
-            <a:schemeClr val="accent1"/>
-          </a:fillRef>
-          <a:effectRef idx="0">
-            <a:schemeClr val="accent1"/>
-          </a:effectRef>
-          <a:fontRef idx="minor">
-            <a:schemeClr val="lt1"/>
-          </a:fontRef>
-        </p:style>
-        <p:txBody>
-          <a:bodyPr rot="0" spcFirstLastPara="0" vertOverflow="overflow" horzOverflow="overflow" vert="horz" wrap="square" lIns="91440" tIns="45720" rIns="91440" bIns="45720" numCol="1" spcCol="0" rtlCol="0" fromWordArt="0" anchor="ctr" anchorCtr="0" forceAA="0" compatLnSpc="1">
-            <a:prstTxWarp prst="textNoShape">
-              <a:avLst/>
-            </a:prstTxWarp>
-            <a:noAutofit/>
-          </a:bodyPr>
-          <a:lstStyle/>
-          <a:p>
-            <a:pPr algn="ctr"/>
-            <a:r>
-              <a:rPr lang="en-US" sz="2400" dirty="0">
-                <a:solidFill>
-                  <a:schemeClr val="tx2"/>
-                </a:solidFill>
-                <a:latin typeface="Cambria" pitchFamily="18" charset="0"/>
-              </a:rPr>
-              <a:t>Report</a:t>
-            </a:r>
-          </a:p>
-        </p:txBody>
-      </p:sp>
-      <p:sp>
-        <p:nvSpPr>
-          <p:cNvPr id="13" name="Arrow: Left 12">
-            <a:extLst>
-              <a:ext uri="{FF2B5EF4-FFF2-40B4-BE49-F238E27FC236}">
-                <a16:creationId xmlns:a16="http://schemas.microsoft.com/office/drawing/2014/main" id="{78DDA7F2-CD3B-45A5-BF30-05E513F26BF1}"/>
-              </a:ext>
-            </a:extLst>
-          </p:cNvPr>
-          <p:cNvSpPr/>
-          <p:nvPr/>
-        </p:nvSpPr>
-        <p:spPr>
-          <a:xfrm flipH="1">
-            <a:off x="7119600" y="2359686"/>
-            <a:ext cx="1600200" cy="632222"/>
-          </a:xfrm>
-          <a:prstGeom prst="leftArrow">
-            <a:avLst/>
-          </a:prstGeom>
-          <a:solidFill>
-            <a:schemeClr val="bg1"/>
-          </a:solidFill>
-        </p:spPr>
-        <p:style>
-          <a:lnRef idx="2">
-            <a:schemeClr val="accent1">
-              <a:shade val="50000"/>
-            </a:schemeClr>
-          </a:lnRef>
-          <a:fillRef idx="1">
-            <a:schemeClr val="accent1"/>
-          </a:fillRef>
-          <a:effectRef idx="0">
-            <a:schemeClr val="accent1"/>
-          </a:effectRef>
-          <a:fontRef idx="minor">
-            <a:schemeClr val="lt1"/>
-          </a:fontRef>
-        </p:style>
-        <p:txBody>
-          <a:bodyPr rot="0" spcFirstLastPara="0" vertOverflow="overflow" horzOverflow="overflow" vert="horz" wrap="square" lIns="91440" tIns="45720" rIns="91440" bIns="45720" numCol="1" spcCol="0" rtlCol="0" fromWordArt="0" anchor="ctr" anchorCtr="0" forceAA="0" compatLnSpc="1">
-            <a:prstTxWarp prst="textNoShape">
-              <a:avLst/>
-            </a:prstTxWarp>
-            <a:noAutofit/>
-          </a:bodyPr>
-          <a:lstStyle/>
-          <a:p>
-            <a:pPr algn="ctr"/>
-            <a:r>
-              <a:rPr lang="en-US" sz="2400" dirty="0">
-                <a:solidFill>
-                  <a:schemeClr val="tx2"/>
-                </a:solidFill>
-                <a:latin typeface="Cambria" pitchFamily="18" charset="0"/>
-              </a:rPr>
-              <a:t>Report</a:t>
-            </a:r>
-          </a:p>
-        </p:txBody>
-      </p:sp>
-      <p:sp>
-        <p:nvSpPr>
-          <p:cNvPr id="14" name="Arrow: Left 13">
-            <a:extLst>
-              <a:ext uri="{FF2B5EF4-FFF2-40B4-BE49-F238E27FC236}">
-                <a16:creationId xmlns:a16="http://schemas.microsoft.com/office/drawing/2014/main" id="{DD8EC2B1-20AF-4D22-9D9F-1117D75B314A}"/>
-              </a:ext>
-            </a:extLst>
-          </p:cNvPr>
-          <p:cNvSpPr/>
-          <p:nvPr/>
-        </p:nvSpPr>
-        <p:spPr>
-          <a:xfrm>
-            <a:off x="7081500" y="1560383"/>
-            <a:ext cx="1600200" cy="632222"/>
-          </a:xfrm>
-          <a:prstGeom prst="leftArrow">
-            <a:avLst/>
-          </a:prstGeom>
-          <a:solidFill>
-            <a:schemeClr val="bg1"/>
-          </a:solidFill>
-        </p:spPr>
-        <p:style>
-          <a:lnRef idx="2">
-            <a:schemeClr val="accent1">
-              <a:shade val="50000"/>
-            </a:schemeClr>
-          </a:lnRef>
-          <a:fillRef idx="1">
-            <a:schemeClr val="accent1"/>
-          </a:fillRef>
-          <a:effectRef idx="0">
-            <a:schemeClr val="accent1"/>
-          </a:effectRef>
-          <a:fontRef idx="minor">
-            <a:schemeClr val="lt1"/>
-          </a:fontRef>
-        </p:style>
-        <p:txBody>
-          <a:bodyPr rot="0" spcFirstLastPara="0" vertOverflow="overflow" horzOverflow="overflow" vert="horz" wrap="square" lIns="91440" tIns="45720" rIns="91440" bIns="45720" numCol="1" spcCol="0" rtlCol="0" fromWordArt="0" anchor="ctr" anchorCtr="0" forceAA="0" compatLnSpc="1">
-            <a:prstTxWarp prst="textNoShape">
-              <a:avLst/>
-            </a:prstTxWarp>
-            <a:noAutofit/>
-          </a:bodyPr>
-          <a:lstStyle/>
-          <a:p>
-            <a:pPr algn="ctr"/>
-            <a:r>
-              <a:rPr lang="en-US" sz="2400" dirty="0">
-                <a:solidFill>
-                  <a:schemeClr val="tx2"/>
-                </a:solidFill>
-                <a:latin typeface="Cambria" pitchFamily="18" charset="0"/>
-              </a:rPr>
-              <a:t>Order</a:t>
-            </a:r>
-          </a:p>
-        </p:txBody>
-      </p:sp>
-      <p:sp>
-        <p:nvSpPr>
-          <p:cNvPr id="15" name="Arrow: Left-Right 14">
-            <a:extLst>
-              <a:ext uri="{FF2B5EF4-FFF2-40B4-BE49-F238E27FC236}">
-                <a16:creationId xmlns:a16="http://schemas.microsoft.com/office/drawing/2014/main" id="{87214134-7E84-418B-9721-7F25E29751BF}"/>
-              </a:ext>
-            </a:extLst>
-          </p:cNvPr>
-          <p:cNvSpPr/>
-          <p:nvPr/>
-        </p:nvSpPr>
-        <p:spPr>
-          <a:xfrm>
-            <a:off x="2209800" y="3402107"/>
-            <a:ext cx="6471900" cy="914400"/>
-          </a:xfrm>
-          <a:prstGeom prst="leftRightArrow">
-            <a:avLst/>
-          </a:prstGeom>
-          <a:solidFill>
-            <a:schemeClr val="bg1"/>
-          </a:solidFill>
-          <a:ln>
-            <a:solidFill>
-              <a:srgbClr val="00B050"/>
-            </a:solidFill>
-          </a:ln>
-        </p:spPr>
-        <p:style>
-          <a:lnRef idx="2">
-            <a:schemeClr val="accent1">
-              <a:shade val="50000"/>
-            </a:schemeClr>
-          </a:lnRef>
-          <a:fillRef idx="1">
-            <a:schemeClr val="accent1"/>
-          </a:fillRef>
-          <a:effectRef idx="0">
-            <a:schemeClr val="accent1"/>
-          </a:effectRef>
-          <a:fontRef idx="minor">
-            <a:schemeClr val="lt1"/>
-          </a:fontRef>
-        </p:style>
-        <p:txBody>
-          <a:bodyPr rot="0" spcFirstLastPara="0" vertOverflow="overflow" horzOverflow="overflow" vert="horz" wrap="square" lIns="91440" tIns="45720" rIns="91440" bIns="45720" numCol="1" spcCol="0" rtlCol="0" fromWordArt="0" anchor="ctr" anchorCtr="0" forceAA="0" compatLnSpc="1">
-            <a:prstTxWarp prst="textNoShape">
-              <a:avLst/>
-            </a:prstTxWarp>
-            <a:noAutofit/>
-          </a:bodyPr>
-          <a:lstStyle/>
-          <a:p>
-            <a:pPr algn="ctr"/>
-            <a:r>
-              <a:rPr lang="en-US" sz="2400" dirty="0">
-                <a:solidFill>
-                  <a:schemeClr val="tx2"/>
-                </a:solidFill>
-                <a:latin typeface="Cambria" pitchFamily="18" charset="0"/>
-              </a:rPr>
-              <a:t>Mutual confirmation</a:t>
-            </a:r>
-          </a:p>
-        </p:txBody>
-      </p:sp>
-      <p:sp>
-        <p:nvSpPr>
-          <p:cNvPr id="16" name="Arrow: Left 15">
-            <a:extLst>
-              <a:ext uri="{FF2B5EF4-FFF2-40B4-BE49-F238E27FC236}">
-                <a16:creationId xmlns:a16="http://schemas.microsoft.com/office/drawing/2014/main" id="{FCDB5FCA-7F5F-4C46-9E72-35F8317BE2AC}"/>
-              </a:ext>
-            </a:extLst>
-          </p:cNvPr>
-          <p:cNvSpPr/>
-          <p:nvPr/>
-        </p:nvSpPr>
-        <p:spPr>
-          <a:xfrm>
-            <a:off x="2057400" y="5230907"/>
-            <a:ext cx="6400800" cy="632222"/>
-          </a:xfrm>
-          <a:prstGeom prst="leftArrow">
-            <a:avLst/>
-          </a:prstGeom>
-          <a:solidFill>
-            <a:schemeClr val="bg1"/>
-          </a:solidFill>
-          <a:ln>
-            <a:solidFill>
-              <a:srgbClr val="00B050"/>
-            </a:solidFill>
-          </a:ln>
-        </p:spPr>
-        <p:style>
-          <a:lnRef idx="2">
-            <a:schemeClr val="accent1">
-              <a:shade val="50000"/>
-            </a:schemeClr>
-          </a:lnRef>
-          <a:fillRef idx="1">
-            <a:schemeClr val="accent1"/>
-          </a:fillRef>
-          <a:effectRef idx="0">
-            <a:schemeClr val="accent1"/>
-          </a:effectRef>
-          <a:fontRef idx="minor">
-            <a:schemeClr val="lt1"/>
-          </a:fontRef>
-        </p:style>
-        <p:txBody>
-          <a:bodyPr rot="0" spcFirstLastPara="0" vertOverflow="overflow" horzOverflow="overflow" vert="horz" wrap="square" lIns="91440" tIns="45720" rIns="91440" bIns="45720" numCol="1" spcCol="0" rtlCol="0" fromWordArt="0" anchor="ctr" anchorCtr="0" forceAA="0" compatLnSpc="1">
-            <a:prstTxWarp prst="textNoShape">
-              <a:avLst/>
-            </a:prstTxWarp>
-            <a:noAutofit/>
-          </a:bodyPr>
-          <a:lstStyle/>
-          <a:p>
-            <a:pPr algn="ctr"/>
-            <a:r>
-              <a:rPr lang="en-US" sz="2400" dirty="0">
-                <a:solidFill>
-                  <a:schemeClr val="tx2"/>
-                </a:solidFill>
-                <a:latin typeface="Cambria" pitchFamily="18" charset="0"/>
-              </a:rPr>
-              <a:t>€1M (SWIFT)</a:t>
-            </a:r>
-          </a:p>
-        </p:txBody>
-      </p:sp>
-      <p:sp>
-        <p:nvSpPr>
-          <p:cNvPr id="17" name="Arrow: Left 16">
-            <a:extLst>
-              <a:ext uri="{FF2B5EF4-FFF2-40B4-BE49-F238E27FC236}">
-                <a16:creationId xmlns:a16="http://schemas.microsoft.com/office/drawing/2014/main" id="{9774A45B-42BD-4BD9-A1F9-FF693C641896}"/>
-              </a:ext>
-            </a:extLst>
-          </p:cNvPr>
-          <p:cNvSpPr/>
-          <p:nvPr/>
-        </p:nvSpPr>
-        <p:spPr>
-          <a:xfrm flipH="1">
-            <a:off x="2438400" y="4648200"/>
-            <a:ext cx="6400800" cy="632222"/>
-          </a:xfrm>
-          <a:prstGeom prst="leftArrow">
-            <a:avLst/>
-          </a:prstGeom>
-          <a:solidFill>
-            <a:schemeClr val="bg1"/>
-          </a:solidFill>
-          <a:ln>
-            <a:solidFill>
-              <a:srgbClr val="00B050"/>
-            </a:solidFill>
-          </a:ln>
-        </p:spPr>
-        <p:style>
-          <a:lnRef idx="2">
-            <a:schemeClr val="accent1">
-              <a:shade val="50000"/>
-            </a:schemeClr>
-          </a:lnRef>
-          <a:fillRef idx="1">
-            <a:schemeClr val="accent1"/>
-          </a:fillRef>
-          <a:effectRef idx="0">
-            <a:schemeClr val="accent1"/>
-          </a:effectRef>
-          <a:fontRef idx="minor">
-            <a:schemeClr val="lt1"/>
-          </a:fontRef>
-        </p:style>
-        <p:txBody>
-          <a:bodyPr rot="0" spcFirstLastPara="0" vertOverflow="overflow" horzOverflow="overflow" vert="horz" wrap="square" lIns="91440" tIns="45720" rIns="91440" bIns="45720" numCol="1" spcCol="0" rtlCol="0" fromWordArt="0" anchor="ctr" anchorCtr="0" forceAA="0" compatLnSpc="1">
-            <a:prstTxWarp prst="textNoShape">
-              <a:avLst/>
-            </a:prstTxWarp>
-            <a:noAutofit/>
-          </a:bodyPr>
-          <a:lstStyle/>
-          <a:p>
-            <a:pPr algn="ctr"/>
-            <a:r>
-              <a:rPr lang="en-US" sz="2400" dirty="0">
-                <a:solidFill>
-                  <a:schemeClr val="tx2"/>
-                </a:solidFill>
-                <a:latin typeface="Cambria" pitchFamily="18" charset="0"/>
-              </a:rPr>
-              <a:t>$1.1M (SWIFT)</a:t>
-            </a:r>
-          </a:p>
-        </p:txBody>
-      </p:sp>
-      <p:sp>
-        <p:nvSpPr>
-          <p:cNvPr id="20" name="Arrow: Left 19">
-            <a:extLst>
-              <a:ext uri="{FF2B5EF4-FFF2-40B4-BE49-F238E27FC236}">
-                <a16:creationId xmlns:a16="http://schemas.microsoft.com/office/drawing/2014/main" id="{4FEFE73C-1F78-4FB2-A851-1B0984B1026B}"/>
-              </a:ext>
-            </a:extLst>
-          </p:cNvPr>
-          <p:cNvSpPr/>
-          <p:nvPr/>
-        </p:nvSpPr>
-        <p:spPr>
-          <a:xfrm flipH="1">
-            <a:off x="1752600" y="1577437"/>
-            <a:ext cx="2057400" cy="632222"/>
-          </a:xfrm>
-          <a:prstGeom prst="leftArrow">
-            <a:avLst/>
-          </a:prstGeom>
-          <a:solidFill>
-            <a:schemeClr val="bg1"/>
-          </a:solidFill>
-        </p:spPr>
-        <p:style>
-          <a:lnRef idx="2">
-            <a:schemeClr val="accent1">
-              <a:shade val="50000"/>
-            </a:schemeClr>
-          </a:lnRef>
-          <a:fillRef idx="1">
-            <a:schemeClr val="accent1"/>
-          </a:fillRef>
-          <a:effectRef idx="0">
-            <a:schemeClr val="accent1"/>
-          </a:effectRef>
-          <a:fontRef idx="minor">
-            <a:schemeClr val="lt1"/>
-          </a:fontRef>
-        </p:style>
-        <p:txBody>
-          <a:bodyPr rot="0" spcFirstLastPara="0" vertOverflow="overflow" horzOverflow="overflow" vert="horz" wrap="square" lIns="91440" tIns="45720" rIns="91440" bIns="45720" numCol="1" spcCol="0" rtlCol="0" fromWordArt="0" anchor="ctr" anchorCtr="0" forceAA="0" compatLnSpc="1">
-            <a:prstTxWarp prst="textNoShape">
-              <a:avLst/>
-            </a:prstTxWarp>
-            <a:noAutofit/>
-          </a:bodyPr>
-          <a:lstStyle/>
-          <a:p>
-            <a:pPr algn="ctr"/>
-            <a:r>
-              <a:rPr lang="en-US" sz="2400" dirty="0">
-                <a:solidFill>
-                  <a:schemeClr val="tx2"/>
-                </a:solidFill>
-                <a:latin typeface="Cambria" pitchFamily="18" charset="0"/>
-              </a:rPr>
-              <a:t>Order</a:t>
-            </a:r>
-          </a:p>
-        </p:txBody>
-      </p:sp>
-      <p:sp>
-        <p:nvSpPr>
-          <p:cNvPr id="21" name="Arrow: Left 20">
-            <a:extLst>
-              <a:ext uri="{FF2B5EF4-FFF2-40B4-BE49-F238E27FC236}">
-                <a16:creationId xmlns:a16="http://schemas.microsoft.com/office/drawing/2014/main" id="{5B921EDE-FF0A-4841-9EA1-1322F9956F9E}"/>
-              </a:ext>
-            </a:extLst>
-          </p:cNvPr>
-          <p:cNvSpPr/>
-          <p:nvPr/>
-        </p:nvSpPr>
-        <p:spPr>
-          <a:xfrm>
-            <a:off x="7081500" y="1577437"/>
-            <a:ext cx="1600200" cy="632222"/>
-          </a:xfrm>
-          <a:prstGeom prst="leftArrow">
-            <a:avLst/>
-          </a:prstGeom>
-          <a:solidFill>
-            <a:schemeClr val="bg1"/>
-          </a:solidFill>
-        </p:spPr>
-        <p:style>
-          <a:lnRef idx="2">
-            <a:schemeClr val="accent1">
-              <a:shade val="50000"/>
-            </a:schemeClr>
-          </a:lnRef>
-          <a:fillRef idx="1">
-            <a:schemeClr val="accent1"/>
-          </a:fillRef>
-          <a:effectRef idx="0">
-            <a:schemeClr val="accent1"/>
-          </a:effectRef>
-          <a:fontRef idx="minor">
-            <a:schemeClr val="lt1"/>
-          </a:fontRef>
-        </p:style>
-        <p:txBody>
-          <a:bodyPr rot="0" spcFirstLastPara="0" vertOverflow="overflow" horzOverflow="overflow" vert="horz" wrap="square" lIns="91440" tIns="45720" rIns="91440" bIns="45720" numCol="1" spcCol="0" rtlCol="0" fromWordArt="0" anchor="ctr" anchorCtr="0" forceAA="0" compatLnSpc="1">
-            <a:prstTxWarp prst="textNoShape">
-              <a:avLst/>
-            </a:prstTxWarp>
-            <a:noAutofit/>
-          </a:bodyPr>
-          <a:lstStyle/>
-          <a:p>
-            <a:pPr algn="ctr"/>
-            <a:r>
-              <a:rPr lang="en-US" sz="2400" dirty="0">
-                <a:solidFill>
-                  <a:schemeClr val="tx2"/>
-                </a:solidFill>
-                <a:latin typeface="Cambria" pitchFamily="18" charset="0"/>
-              </a:rPr>
-              <a:t>Order</a:t>
-            </a:r>
-          </a:p>
-        </p:txBody>
-      </p:sp>
-    </p:spTree>
-    <p:extLst>
-      <p:ext uri="{BB962C8B-B14F-4D97-AF65-F5344CB8AC3E}">
-        <p14:creationId xmlns:p14="http://schemas.microsoft.com/office/powerpoint/2010/main" val="1617364313"/>
-      </p:ext>
-    </p:extLst>
-  </p:cSld>
-  <p:clrMapOvr>
-    <a:masterClrMapping/>
-  </p:clrMapOvr>
-</p:sld>
-</file>
-
-<file path=ppt/slides/slide35.xml><?xml version="1.0" encoding="utf-8"?>
-<p:sld xmlns:a="http://schemas.openxmlformats.org/drawingml/2006/main" xmlns:r="http://schemas.openxmlformats.org/officeDocument/2006/relationships" xmlns:p="http://schemas.openxmlformats.org/presentationml/2006/main">
-  <p:cSld>
-    <p:spTree>
-      <p:nvGrpSpPr>
-        <p:cNvPr id="1" name=""/>
-        <p:cNvGrpSpPr/>
-        <p:nvPr/>
-      </p:nvGrpSpPr>
-      <p:grpSpPr>
-        <a:xfrm>
-          <a:off x="0" y="0"/>
-          <a:ext cx="0" cy="0"/>
-          <a:chOff x="0" y="0"/>
-          <a:chExt cx="0" cy="0"/>
-        </a:xfrm>
-      </p:grpSpPr>
-      <p:sp>
-        <p:nvSpPr>
-          <p:cNvPr id="2" name="Title 1">
-            <a:extLst>
-              <a:ext uri="{FF2B5EF4-FFF2-40B4-BE49-F238E27FC236}">
-                <a16:creationId xmlns:a16="http://schemas.microsoft.com/office/drawing/2014/main" id="{C3EF1519-1274-47E7-B997-6CA2DE5C54F4}"/>
-              </a:ext>
-            </a:extLst>
-          </p:cNvPr>
-          <p:cNvSpPr>
-            <a:spLocks noGrp="1"/>
-          </p:cNvSpPr>
-          <p:nvPr>
-            <p:ph type="title"/>
-          </p:nvPr>
-        </p:nvSpPr>
-        <p:spPr>
-          <a:xfrm>
-            <a:off x="609600" y="229442"/>
-            <a:ext cx="10972800" cy="974242"/>
-          </a:xfrm>
-        </p:spPr>
-        <p:txBody>
-          <a:bodyPr>
-            <a:noAutofit/>
-          </a:bodyPr>
-          <a:lstStyle/>
-          <a:p>
-            <a:pPr algn="ctr"/>
-            <a:r>
-              <a:rPr lang="en-US" sz="2800" dirty="0"/>
-              <a:t>“Citi receives €1M from Morgan; Morgan receives $1.1M from Citi” </a:t>
-            </a:r>
-            <a:r>
-              <a:rPr lang="en-US" sz="2800" b="1" dirty="0"/>
-              <a:t>Clearing and settlement via CLS</a:t>
-            </a:r>
-          </a:p>
-        </p:txBody>
-      </p:sp>
-      <p:sp>
-        <p:nvSpPr>
-          <p:cNvPr id="4" name="Slide Number Placeholder 3">
-            <a:extLst>
-              <a:ext uri="{FF2B5EF4-FFF2-40B4-BE49-F238E27FC236}">
-                <a16:creationId xmlns:a16="http://schemas.microsoft.com/office/drawing/2014/main" id="{E4E1E558-97B5-42EE-9673-F3A0073A6EA7}"/>
-              </a:ext>
-            </a:extLst>
-          </p:cNvPr>
-          <p:cNvSpPr>
-            <a:spLocks noGrp="1"/>
-          </p:cNvSpPr>
-          <p:nvPr>
-            <p:ph type="sldNum" sz="quarter" idx="12"/>
-          </p:nvPr>
-        </p:nvSpPr>
-        <p:spPr/>
-        <p:txBody>
-          <a:bodyPr/>
-          <a:lstStyle/>
-          <a:p>
-            <a:fld id="{209BAFFF-E36A-4B57-9655-92B0909E7771}" type="slidenum">
-              <a:rPr lang="en-US" smtClean="0"/>
-              <a:pPr/>
-              <a:t>35</a:t>
-            </a:fld>
-            <a:endParaRPr lang="en-US"/>
-          </a:p>
-        </p:txBody>
-      </p:sp>
-      <p:sp>
-        <p:nvSpPr>
-          <p:cNvPr id="5" name="Rectangle: Rounded Corners 4">
-            <a:extLst>
-              <a:ext uri="{FF2B5EF4-FFF2-40B4-BE49-F238E27FC236}">
-                <a16:creationId xmlns:a16="http://schemas.microsoft.com/office/drawing/2014/main" id="{122D31E6-80BE-48C9-B31B-6095E6BBFFF6}"/>
-              </a:ext>
-            </a:extLst>
-          </p:cNvPr>
-          <p:cNvSpPr/>
-          <p:nvPr/>
-        </p:nvSpPr>
-        <p:spPr>
-          <a:xfrm>
-            <a:off x="609600" y="1560384"/>
-            <a:ext cx="914400" cy="4764215"/>
-          </a:xfrm>
-          <a:prstGeom prst="roundRect">
-            <a:avLst/>
-          </a:prstGeom>
-          <a:solidFill>
-            <a:schemeClr val="bg1"/>
-          </a:solidFill>
-        </p:spPr>
-        <p:style>
-          <a:lnRef idx="2">
-            <a:schemeClr val="accent1">
-              <a:shade val="50000"/>
-            </a:schemeClr>
-          </a:lnRef>
-          <a:fillRef idx="1">
-            <a:schemeClr val="accent1"/>
-          </a:fillRef>
-          <a:effectRef idx="0">
-            <a:schemeClr val="accent1"/>
-          </a:effectRef>
-          <a:fontRef idx="minor">
-            <a:schemeClr val="lt1"/>
-          </a:fontRef>
-        </p:style>
-        <p:txBody>
-          <a:bodyPr rot="0" spcFirstLastPara="0" vertOverflow="overflow" horzOverflow="overflow" vert="horz" wrap="square" lIns="91440" tIns="45720" rIns="91440" bIns="45720" numCol="1" spcCol="0" rtlCol="0" fromWordArt="0" anchor="ctr" anchorCtr="0" forceAA="0" compatLnSpc="1">
-            <a:prstTxWarp prst="textNoShape">
-              <a:avLst/>
-            </a:prstTxWarp>
-            <a:noAutofit/>
-          </a:bodyPr>
-          <a:lstStyle/>
-          <a:p>
-            <a:pPr algn="ctr"/>
-            <a:r>
-              <a:rPr lang="en-US" sz="2400" dirty="0">
-                <a:solidFill>
-                  <a:schemeClr val="tx2"/>
-                </a:solidFill>
-                <a:latin typeface="Cambria" pitchFamily="18" charset="0"/>
-              </a:rPr>
-              <a:t>Citi</a:t>
-            </a:r>
-          </a:p>
-        </p:txBody>
-      </p:sp>
-      <p:sp>
-        <p:nvSpPr>
-          <p:cNvPr id="6" name="Rectangle: Rounded Corners 5">
-            <a:extLst>
-              <a:ext uri="{FF2B5EF4-FFF2-40B4-BE49-F238E27FC236}">
-                <a16:creationId xmlns:a16="http://schemas.microsoft.com/office/drawing/2014/main" id="{491F2329-9753-440E-A75F-FF8CA19AB4D5}"/>
-              </a:ext>
-            </a:extLst>
-          </p:cNvPr>
-          <p:cNvSpPr/>
-          <p:nvPr/>
-        </p:nvSpPr>
-        <p:spPr>
-          <a:xfrm>
-            <a:off x="9144000" y="1560411"/>
-            <a:ext cx="1524000" cy="4764187"/>
-          </a:xfrm>
-          <a:prstGeom prst="roundRect">
-            <a:avLst/>
-          </a:prstGeom>
-          <a:solidFill>
-            <a:schemeClr val="bg1"/>
-          </a:solidFill>
-        </p:spPr>
-        <p:style>
-          <a:lnRef idx="2">
-            <a:schemeClr val="accent1">
-              <a:shade val="50000"/>
-            </a:schemeClr>
-          </a:lnRef>
-          <a:fillRef idx="1">
-            <a:schemeClr val="accent1"/>
-          </a:fillRef>
-          <a:effectRef idx="0">
-            <a:schemeClr val="accent1"/>
-          </a:effectRef>
-          <a:fontRef idx="minor">
-            <a:schemeClr val="lt1"/>
-          </a:fontRef>
-        </p:style>
-        <p:txBody>
-          <a:bodyPr rot="0" spcFirstLastPara="0" vertOverflow="overflow" horzOverflow="overflow" vert="horz" wrap="square" lIns="91440" tIns="45720" rIns="91440" bIns="45720" numCol="1" spcCol="0" rtlCol="0" fromWordArt="0" anchor="ctr" anchorCtr="0" forceAA="0" compatLnSpc="1">
-            <a:prstTxWarp prst="textNoShape">
-              <a:avLst/>
-            </a:prstTxWarp>
-            <a:noAutofit/>
-          </a:bodyPr>
-          <a:lstStyle/>
-          <a:p>
-            <a:pPr algn="ctr"/>
-            <a:r>
-              <a:rPr lang="en-US" sz="2400" dirty="0">
-                <a:solidFill>
-                  <a:schemeClr val="tx2"/>
-                </a:solidFill>
-                <a:latin typeface="Cambria" pitchFamily="18" charset="0"/>
-              </a:rPr>
-              <a:t>Morgan</a:t>
-            </a:r>
-          </a:p>
-        </p:txBody>
-      </p:sp>
-      <p:sp>
-        <p:nvSpPr>
-          <p:cNvPr id="8" name="Arrow: Left 7">
-            <a:extLst>
-              <a:ext uri="{FF2B5EF4-FFF2-40B4-BE49-F238E27FC236}">
-                <a16:creationId xmlns:a16="http://schemas.microsoft.com/office/drawing/2014/main" id="{2032EB87-22AA-4D88-AAB4-091139991A9D}"/>
-              </a:ext>
-            </a:extLst>
-          </p:cNvPr>
-          <p:cNvSpPr/>
-          <p:nvPr/>
-        </p:nvSpPr>
-        <p:spPr>
-          <a:xfrm>
-            <a:off x="1752600" y="2357648"/>
-            <a:ext cx="2047200" cy="632222"/>
-          </a:xfrm>
-          <a:prstGeom prst="leftArrow">
-            <a:avLst/>
-          </a:prstGeom>
-          <a:solidFill>
-            <a:schemeClr val="bg1"/>
-          </a:solidFill>
-        </p:spPr>
-        <p:style>
-          <a:lnRef idx="2">
-            <a:schemeClr val="accent1">
-              <a:shade val="50000"/>
-            </a:schemeClr>
-          </a:lnRef>
-          <a:fillRef idx="1">
-            <a:schemeClr val="accent1"/>
-          </a:fillRef>
-          <a:effectRef idx="0">
-            <a:schemeClr val="accent1"/>
-          </a:effectRef>
-          <a:fontRef idx="minor">
-            <a:schemeClr val="lt1"/>
-          </a:fontRef>
-        </p:style>
-        <p:txBody>
-          <a:bodyPr rot="0" spcFirstLastPara="0" vertOverflow="overflow" horzOverflow="overflow" vert="horz" wrap="square" lIns="91440" tIns="45720" rIns="91440" bIns="45720" numCol="1" spcCol="0" rtlCol="0" fromWordArt="0" anchor="ctr" anchorCtr="0" forceAA="0" compatLnSpc="1">
-            <a:prstTxWarp prst="textNoShape">
-              <a:avLst/>
-            </a:prstTxWarp>
-            <a:noAutofit/>
-          </a:bodyPr>
-          <a:lstStyle/>
-          <a:p>
-            <a:pPr algn="ctr"/>
-            <a:r>
-              <a:rPr lang="en-US" sz="2400" dirty="0">
-                <a:solidFill>
-                  <a:schemeClr val="tx2"/>
-                </a:solidFill>
-                <a:latin typeface="Cambria" pitchFamily="18" charset="0"/>
-              </a:rPr>
-              <a:t>Report</a:t>
-            </a:r>
-          </a:p>
-        </p:txBody>
-      </p:sp>
-      <p:sp>
-        <p:nvSpPr>
-          <p:cNvPr id="9" name="Arrow: Left 8">
-            <a:extLst>
-              <a:ext uri="{FF2B5EF4-FFF2-40B4-BE49-F238E27FC236}">
-                <a16:creationId xmlns:a16="http://schemas.microsoft.com/office/drawing/2014/main" id="{42AD884A-AB17-41BC-8E47-004014FD4EB3}"/>
-              </a:ext>
-            </a:extLst>
-          </p:cNvPr>
-          <p:cNvSpPr/>
-          <p:nvPr/>
-        </p:nvSpPr>
-        <p:spPr>
-          <a:xfrm flipH="1">
-            <a:off x="1752600" y="1499663"/>
-            <a:ext cx="2057400" cy="632222"/>
-          </a:xfrm>
-          <a:prstGeom prst="leftArrow">
-            <a:avLst/>
-          </a:prstGeom>
-          <a:solidFill>
-            <a:schemeClr val="bg1"/>
-          </a:solidFill>
-        </p:spPr>
-        <p:style>
-          <a:lnRef idx="2">
-            <a:schemeClr val="accent1">
-              <a:shade val="50000"/>
-            </a:schemeClr>
-          </a:lnRef>
-          <a:fillRef idx="1">
-            <a:schemeClr val="accent1"/>
-          </a:fillRef>
-          <a:effectRef idx="0">
-            <a:schemeClr val="accent1"/>
-          </a:effectRef>
-          <a:fontRef idx="minor">
-            <a:schemeClr val="lt1"/>
-          </a:fontRef>
-        </p:style>
-        <p:txBody>
-          <a:bodyPr rot="0" spcFirstLastPara="0" vertOverflow="overflow" horzOverflow="overflow" vert="horz" wrap="square" lIns="91440" tIns="45720" rIns="91440" bIns="45720" numCol="1" spcCol="0" rtlCol="0" fromWordArt="0" anchor="ctr" anchorCtr="0" forceAA="0" compatLnSpc="1">
-            <a:prstTxWarp prst="textNoShape">
-              <a:avLst/>
-            </a:prstTxWarp>
-            <a:noAutofit/>
-          </a:bodyPr>
-          <a:lstStyle/>
-          <a:p>
-            <a:pPr algn="ctr"/>
-            <a:r>
-              <a:rPr lang="en-US" sz="2400" dirty="0">
-                <a:solidFill>
-                  <a:schemeClr val="tx2"/>
-                </a:solidFill>
-                <a:latin typeface="Cambria" pitchFamily="18" charset="0"/>
-              </a:rPr>
-              <a:t>Order</a:t>
-            </a:r>
-          </a:p>
-        </p:txBody>
-      </p:sp>
-      <p:sp>
-        <p:nvSpPr>
-          <p:cNvPr id="13" name="Arrow: Left 12">
-            <a:extLst>
-              <a:ext uri="{FF2B5EF4-FFF2-40B4-BE49-F238E27FC236}">
-                <a16:creationId xmlns:a16="http://schemas.microsoft.com/office/drawing/2014/main" id="{78DDA7F2-CD3B-45A5-BF30-05E513F26BF1}"/>
-              </a:ext>
-            </a:extLst>
-          </p:cNvPr>
-          <p:cNvSpPr/>
-          <p:nvPr/>
-        </p:nvSpPr>
-        <p:spPr>
-          <a:xfrm flipH="1">
-            <a:off x="7119600" y="2359686"/>
-            <a:ext cx="1600200" cy="632222"/>
-          </a:xfrm>
-          <a:prstGeom prst="leftArrow">
-            <a:avLst/>
-          </a:prstGeom>
-          <a:solidFill>
-            <a:schemeClr val="bg1"/>
-          </a:solidFill>
-        </p:spPr>
-        <p:style>
-          <a:lnRef idx="2">
-            <a:schemeClr val="accent1">
-              <a:shade val="50000"/>
-            </a:schemeClr>
-          </a:lnRef>
-          <a:fillRef idx="1">
-            <a:schemeClr val="accent1"/>
-          </a:fillRef>
-          <a:effectRef idx="0">
-            <a:schemeClr val="accent1"/>
-          </a:effectRef>
-          <a:fontRef idx="minor">
-            <a:schemeClr val="lt1"/>
-          </a:fontRef>
-        </p:style>
-        <p:txBody>
-          <a:bodyPr rot="0" spcFirstLastPara="0" vertOverflow="overflow" horzOverflow="overflow" vert="horz" wrap="square" lIns="91440" tIns="45720" rIns="91440" bIns="45720" numCol="1" spcCol="0" rtlCol="0" fromWordArt="0" anchor="ctr" anchorCtr="0" forceAA="0" compatLnSpc="1">
-            <a:prstTxWarp prst="textNoShape">
-              <a:avLst/>
-            </a:prstTxWarp>
-            <a:noAutofit/>
-          </a:bodyPr>
-          <a:lstStyle/>
-          <a:p>
-            <a:pPr algn="ctr"/>
-            <a:r>
-              <a:rPr lang="en-US" sz="2400" dirty="0">
-                <a:solidFill>
-                  <a:schemeClr val="tx2"/>
-                </a:solidFill>
-                <a:latin typeface="Cambria" pitchFamily="18" charset="0"/>
-              </a:rPr>
-              <a:t>Report</a:t>
-            </a:r>
-          </a:p>
-        </p:txBody>
-      </p:sp>
-      <p:sp>
-        <p:nvSpPr>
-          <p:cNvPr id="14" name="Arrow: Left 13">
-            <a:extLst>
-              <a:ext uri="{FF2B5EF4-FFF2-40B4-BE49-F238E27FC236}">
-                <a16:creationId xmlns:a16="http://schemas.microsoft.com/office/drawing/2014/main" id="{DD8EC2B1-20AF-4D22-9D9F-1117D75B314A}"/>
-              </a:ext>
-            </a:extLst>
-          </p:cNvPr>
-          <p:cNvSpPr/>
-          <p:nvPr/>
-        </p:nvSpPr>
-        <p:spPr>
-          <a:xfrm>
-            <a:off x="7081500" y="1560383"/>
-            <a:ext cx="1600200" cy="632222"/>
-          </a:xfrm>
-          <a:prstGeom prst="leftArrow">
-            <a:avLst/>
-          </a:prstGeom>
-          <a:solidFill>
-            <a:schemeClr val="bg1"/>
-          </a:solidFill>
-        </p:spPr>
-        <p:style>
-          <a:lnRef idx="2">
-            <a:schemeClr val="accent1">
-              <a:shade val="50000"/>
-            </a:schemeClr>
-          </a:lnRef>
-          <a:fillRef idx="1">
-            <a:schemeClr val="accent1"/>
-          </a:fillRef>
-          <a:effectRef idx="0">
-            <a:schemeClr val="accent1"/>
-          </a:effectRef>
-          <a:fontRef idx="minor">
-            <a:schemeClr val="lt1"/>
-          </a:fontRef>
-        </p:style>
-        <p:txBody>
-          <a:bodyPr rot="0" spcFirstLastPara="0" vertOverflow="overflow" horzOverflow="overflow" vert="horz" wrap="square" lIns="91440" tIns="45720" rIns="91440" bIns="45720" numCol="1" spcCol="0" rtlCol="0" fromWordArt="0" anchor="ctr" anchorCtr="0" forceAA="0" compatLnSpc="1">
-            <a:prstTxWarp prst="textNoShape">
-              <a:avLst/>
-            </a:prstTxWarp>
-            <a:noAutofit/>
-          </a:bodyPr>
-          <a:lstStyle/>
-          <a:p>
-            <a:pPr algn="ctr"/>
-            <a:r>
-              <a:rPr lang="en-US" sz="2400" dirty="0">
-                <a:solidFill>
-                  <a:schemeClr val="tx2"/>
-                </a:solidFill>
-                <a:latin typeface="Cambria" pitchFamily="18" charset="0"/>
-              </a:rPr>
-              <a:t>Order</a:t>
-            </a:r>
-          </a:p>
-        </p:txBody>
-      </p:sp>
-      <p:sp>
-        <p:nvSpPr>
-          <p:cNvPr id="18" name="Arrow: Left 17">
-            <a:extLst>
-              <a:ext uri="{FF2B5EF4-FFF2-40B4-BE49-F238E27FC236}">
-                <a16:creationId xmlns:a16="http://schemas.microsoft.com/office/drawing/2014/main" id="{E070DC19-5739-4E5C-BB52-F6A44E515C24}"/>
-              </a:ext>
-            </a:extLst>
-          </p:cNvPr>
-          <p:cNvSpPr/>
-          <p:nvPr/>
-        </p:nvSpPr>
-        <p:spPr>
-          <a:xfrm>
-            <a:off x="7036500" y="4383600"/>
-            <a:ext cx="1979700" cy="632222"/>
-          </a:xfrm>
-          <a:prstGeom prst="leftArrow">
-            <a:avLst/>
-          </a:prstGeom>
-          <a:solidFill>
-            <a:schemeClr val="bg1"/>
-          </a:solidFill>
-          <a:ln>
-            <a:solidFill>
-              <a:srgbClr val="00B050"/>
-            </a:solidFill>
-          </a:ln>
-        </p:spPr>
-        <p:style>
-          <a:lnRef idx="2">
-            <a:schemeClr val="accent1">
-              <a:shade val="50000"/>
-            </a:schemeClr>
-          </a:lnRef>
-          <a:fillRef idx="1">
-            <a:schemeClr val="accent1"/>
-          </a:fillRef>
-          <a:effectRef idx="0">
-            <a:schemeClr val="accent1"/>
-          </a:effectRef>
-          <a:fontRef idx="minor">
-            <a:schemeClr val="lt1"/>
-          </a:fontRef>
-        </p:style>
-        <p:txBody>
-          <a:bodyPr rot="0" spcFirstLastPara="0" vertOverflow="overflow" horzOverflow="overflow" vert="horz" wrap="square" lIns="91440" tIns="45720" rIns="91440" bIns="45720" numCol="1" spcCol="0" rtlCol="0" fromWordArt="0" anchor="ctr" anchorCtr="0" forceAA="0" compatLnSpc="1">
-            <a:prstTxWarp prst="textNoShape">
-              <a:avLst/>
-            </a:prstTxWarp>
-            <a:noAutofit/>
-          </a:bodyPr>
-          <a:lstStyle/>
-          <a:p>
-            <a:pPr algn="ctr"/>
-            <a:r>
-              <a:rPr lang="en-US" sz="2400" dirty="0">
-                <a:solidFill>
-                  <a:schemeClr val="tx2"/>
-                </a:solidFill>
-                <a:latin typeface="Cambria" pitchFamily="18" charset="0"/>
-              </a:rPr>
-              <a:t>€1M</a:t>
-            </a:r>
-          </a:p>
-        </p:txBody>
-      </p:sp>
-      <p:sp>
-        <p:nvSpPr>
-          <p:cNvPr id="19" name="Arrow: Left 18">
-            <a:extLst>
-              <a:ext uri="{FF2B5EF4-FFF2-40B4-BE49-F238E27FC236}">
-                <a16:creationId xmlns:a16="http://schemas.microsoft.com/office/drawing/2014/main" id="{38C0E4C2-405F-44BD-818E-3AD04D8BA525}"/>
-              </a:ext>
-            </a:extLst>
-          </p:cNvPr>
-          <p:cNvSpPr/>
-          <p:nvPr/>
-        </p:nvSpPr>
-        <p:spPr>
-          <a:xfrm flipH="1">
-            <a:off x="2081100" y="4419600"/>
-            <a:ext cx="2109900" cy="632222"/>
-          </a:xfrm>
-          <a:prstGeom prst="leftArrow">
-            <a:avLst/>
-          </a:prstGeom>
-          <a:solidFill>
-            <a:schemeClr val="bg1"/>
-          </a:solidFill>
-          <a:ln>
-            <a:solidFill>
-              <a:srgbClr val="00B050"/>
-            </a:solidFill>
-          </a:ln>
-        </p:spPr>
-        <p:style>
-          <a:lnRef idx="2">
-            <a:schemeClr val="accent1">
-              <a:shade val="50000"/>
-            </a:schemeClr>
-          </a:lnRef>
-          <a:fillRef idx="1">
-            <a:schemeClr val="accent1"/>
-          </a:fillRef>
-          <a:effectRef idx="0">
-            <a:schemeClr val="accent1"/>
-          </a:effectRef>
-          <a:fontRef idx="minor">
-            <a:schemeClr val="lt1"/>
-          </a:fontRef>
-        </p:style>
-        <p:txBody>
-          <a:bodyPr rot="0" spcFirstLastPara="0" vertOverflow="overflow" horzOverflow="overflow" vert="horz" wrap="square" lIns="91440" tIns="45720" rIns="91440" bIns="45720" numCol="1" spcCol="0" rtlCol="0" fromWordArt="0" anchor="ctr" anchorCtr="0" forceAA="0" compatLnSpc="1">
-            <a:prstTxWarp prst="textNoShape">
-              <a:avLst/>
-            </a:prstTxWarp>
-            <a:noAutofit/>
-          </a:bodyPr>
-          <a:lstStyle/>
-          <a:p>
-            <a:pPr algn="ctr"/>
-            <a:r>
-              <a:rPr lang="en-US" sz="2400" dirty="0">
-                <a:solidFill>
-                  <a:schemeClr val="tx2"/>
-                </a:solidFill>
-                <a:latin typeface="Cambria" pitchFamily="18" charset="0"/>
-              </a:rPr>
-              <a:t>$1.1M</a:t>
-            </a:r>
-          </a:p>
-        </p:txBody>
-      </p:sp>
-      <p:sp>
-        <p:nvSpPr>
-          <p:cNvPr id="20" name="Rectangle: Rounded Corners 19">
-            <a:extLst>
-              <a:ext uri="{FF2B5EF4-FFF2-40B4-BE49-F238E27FC236}">
-                <a16:creationId xmlns:a16="http://schemas.microsoft.com/office/drawing/2014/main" id="{C1D132C5-CC54-4542-98D4-882D92EF9429}"/>
-              </a:ext>
-            </a:extLst>
-          </p:cNvPr>
-          <p:cNvSpPr/>
-          <p:nvPr/>
-        </p:nvSpPr>
-        <p:spPr>
-          <a:xfrm>
-            <a:off x="4316400" y="3124200"/>
-            <a:ext cx="2506800" cy="3227427"/>
-          </a:xfrm>
-          <a:prstGeom prst="roundRect">
-            <a:avLst/>
-          </a:prstGeom>
-          <a:solidFill>
-            <a:schemeClr val="bg1"/>
-          </a:solidFill>
-          <a:ln>
-            <a:solidFill>
-              <a:srgbClr val="00B050"/>
-            </a:solidFill>
-          </a:ln>
-        </p:spPr>
-        <p:style>
-          <a:lnRef idx="2">
-            <a:schemeClr val="accent1">
-              <a:shade val="50000"/>
-            </a:schemeClr>
-          </a:lnRef>
-          <a:fillRef idx="1">
-            <a:schemeClr val="accent1"/>
-          </a:fillRef>
-          <a:effectRef idx="0">
-            <a:schemeClr val="accent1"/>
-          </a:effectRef>
-          <a:fontRef idx="minor">
-            <a:schemeClr val="lt1"/>
-          </a:fontRef>
-        </p:style>
-        <p:txBody>
-          <a:bodyPr rot="0" spcFirstLastPara="0" vertOverflow="overflow" horzOverflow="overflow" vert="horz" wrap="square" lIns="91440" tIns="45720" rIns="91440" bIns="45720" numCol="1" spcCol="0" rtlCol="0" fromWordArt="0" anchor="ctr" anchorCtr="0" forceAA="0" compatLnSpc="1">
-            <a:prstTxWarp prst="textNoShape">
-              <a:avLst/>
-            </a:prstTxWarp>
-            <a:noAutofit/>
-          </a:bodyPr>
-          <a:lstStyle/>
-          <a:p>
-            <a:pPr algn="ctr"/>
-            <a:r>
-              <a:rPr lang="en-US" sz="2400" dirty="0">
-                <a:solidFill>
-                  <a:schemeClr val="tx2"/>
-                </a:solidFill>
-                <a:latin typeface="Cambria" pitchFamily="18" charset="0"/>
-              </a:rPr>
-              <a:t>CLS</a:t>
-            </a:r>
-          </a:p>
-        </p:txBody>
-      </p:sp>
-      <p:sp>
-        <p:nvSpPr>
-          <p:cNvPr id="21" name="Arrow: Left 20">
-            <a:extLst>
-              <a:ext uri="{FF2B5EF4-FFF2-40B4-BE49-F238E27FC236}">
-                <a16:creationId xmlns:a16="http://schemas.microsoft.com/office/drawing/2014/main" id="{A5798E94-20AF-4293-9011-D898578FA6BE}"/>
-              </a:ext>
-            </a:extLst>
-          </p:cNvPr>
-          <p:cNvSpPr/>
-          <p:nvPr/>
-        </p:nvSpPr>
-        <p:spPr>
-          <a:xfrm flipH="1">
-            <a:off x="1986300" y="3406378"/>
-            <a:ext cx="2057400" cy="632222"/>
-          </a:xfrm>
-          <a:prstGeom prst="leftArrow">
-            <a:avLst/>
-          </a:prstGeom>
-          <a:solidFill>
-            <a:schemeClr val="bg1"/>
-          </a:solidFill>
-          <a:ln>
-            <a:solidFill>
-              <a:srgbClr val="00B050"/>
-            </a:solidFill>
-          </a:ln>
-        </p:spPr>
-        <p:style>
-          <a:lnRef idx="2">
-            <a:schemeClr val="accent1">
-              <a:shade val="50000"/>
-            </a:schemeClr>
-          </a:lnRef>
-          <a:fillRef idx="1">
-            <a:schemeClr val="accent1"/>
-          </a:fillRef>
-          <a:effectRef idx="0">
-            <a:schemeClr val="accent1"/>
-          </a:effectRef>
-          <a:fontRef idx="minor">
-            <a:schemeClr val="lt1"/>
-          </a:fontRef>
-        </p:style>
-        <p:txBody>
-          <a:bodyPr rot="0" spcFirstLastPara="0" vertOverflow="overflow" horzOverflow="overflow" vert="horz" wrap="square" lIns="91440" tIns="45720" rIns="91440" bIns="45720" numCol="1" spcCol="0" rtlCol="0" fromWordArt="0" anchor="ctr" anchorCtr="0" forceAA="0" compatLnSpc="1">
-            <a:prstTxWarp prst="textNoShape">
-              <a:avLst/>
-            </a:prstTxWarp>
-            <a:noAutofit/>
-          </a:bodyPr>
-          <a:lstStyle/>
-          <a:p>
-            <a:pPr algn="ctr"/>
-            <a:r>
-              <a:rPr lang="en-US" sz="2400" dirty="0">
-                <a:solidFill>
-                  <a:schemeClr val="tx2"/>
-                </a:solidFill>
-                <a:latin typeface="Cambria" pitchFamily="18" charset="0"/>
-              </a:rPr>
-              <a:t>Instructions</a:t>
-            </a:r>
-          </a:p>
-        </p:txBody>
-      </p:sp>
-      <p:sp>
-        <p:nvSpPr>
-          <p:cNvPr id="22" name="Arrow: Left 21">
-            <a:extLst>
-              <a:ext uri="{FF2B5EF4-FFF2-40B4-BE49-F238E27FC236}">
-                <a16:creationId xmlns:a16="http://schemas.microsoft.com/office/drawing/2014/main" id="{03734238-44AC-4507-B415-A6FE33DAEAE5}"/>
-              </a:ext>
-            </a:extLst>
-          </p:cNvPr>
-          <p:cNvSpPr/>
-          <p:nvPr/>
-        </p:nvSpPr>
-        <p:spPr>
-          <a:xfrm>
-            <a:off x="6951000" y="3378835"/>
-            <a:ext cx="2065200" cy="632222"/>
-          </a:xfrm>
-          <a:prstGeom prst="leftArrow">
-            <a:avLst/>
-          </a:prstGeom>
-          <a:solidFill>
-            <a:schemeClr val="bg1"/>
-          </a:solidFill>
-          <a:ln>
-            <a:solidFill>
-              <a:srgbClr val="00B050"/>
-            </a:solidFill>
-          </a:ln>
-        </p:spPr>
-        <p:style>
-          <a:lnRef idx="2">
-            <a:schemeClr val="accent1">
-              <a:shade val="50000"/>
-            </a:schemeClr>
-          </a:lnRef>
-          <a:fillRef idx="1">
-            <a:schemeClr val="accent1"/>
-          </a:fillRef>
-          <a:effectRef idx="0">
-            <a:schemeClr val="accent1"/>
-          </a:effectRef>
-          <a:fontRef idx="minor">
-            <a:schemeClr val="lt1"/>
-          </a:fontRef>
-        </p:style>
-        <p:txBody>
-          <a:bodyPr rot="0" spcFirstLastPara="0" vertOverflow="overflow" horzOverflow="overflow" vert="horz" wrap="square" lIns="91440" tIns="45720" rIns="91440" bIns="45720" numCol="1" spcCol="0" rtlCol="0" fromWordArt="0" anchor="ctr" anchorCtr="0" forceAA="0" compatLnSpc="1">
-            <a:prstTxWarp prst="textNoShape">
-              <a:avLst/>
-            </a:prstTxWarp>
-            <a:noAutofit/>
-          </a:bodyPr>
-          <a:lstStyle/>
-          <a:p>
-            <a:pPr algn="ctr"/>
-            <a:r>
-              <a:rPr lang="en-US" sz="2400" dirty="0">
-                <a:solidFill>
-                  <a:schemeClr val="tx2"/>
-                </a:solidFill>
-                <a:latin typeface="Cambria" pitchFamily="18" charset="0"/>
-              </a:rPr>
-              <a:t>Instructions</a:t>
-            </a:r>
-          </a:p>
-        </p:txBody>
-      </p:sp>
-      <p:sp>
-        <p:nvSpPr>
-          <p:cNvPr id="24" name="Arrow: Left 23">
-            <a:extLst>
-              <a:ext uri="{FF2B5EF4-FFF2-40B4-BE49-F238E27FC236}">
-                <a16:creationId xmlns:a16="http://schemas.microsoft.com/office/drawing/2014/main" id="{DAEF5BA8-F860-4DE3-A7B5-E8CEBAEE17A9}"/>
-              </a:ext>
-            </a:extLst>
-          </p:cNvPr>
-          <p:cNvSpPr/>
-          <p:nvPr/>
-        </p:nvSpPr>
-        <p:spPr>
-          <a:xfrm>
-            <a:off x="2316000" y="5644801"/>
-            <a:ext cx="1600200" cy="632222"/>
-          </a:xfrm>
-          <a:prstGeom prst="leftArrow">
-            <a:avLst/>
-          </a:prstGeom>
-          <a:solidFill>
-            <a:schemeClr val="bg1"/>
-          </a:solidFill>
-          <a:ln>
-            <a:solidFill>
-              <a:srgbClr val="00B050"/>
-            </a:solidFill>
-          </a:ln>
-        </p:spPr>
-        <p:style>
-          <a:lnRef idx="2">
-            <a:schemeClr val="accent1">
-              <a:shade val="50000"/>
-            </a:schemeClr>
-          </a:lnRef>
-          <a:fillRef idx="1">
-            <a:schemeClr val="accent1"/>
-          </a:fillRef>
-          <a:effectRef idx="0">
-            <a:schemeClr val="accent1"/>
-          </a:effectRef>
-          <a:fontRef idx="minor">
-            <a:schemeClr val="lt1"/>
-          </a:fontRef>
-        </p:style>
-        <p:txBody>
-          <a:bodyPr rot="0" spcFirstLastPara="0" vertOverflow="overflow" horzOverflow="overflow" vert="horz" wrap="square" lIns="91440" tIns="45720" rIns="91440" bIns="45720" numCol="1" spcCol="0" rtlCol="0" fromWordArt="0" anchor="ctr" anchorCtr="0" forceAA="0" compatLnSpc="1">
-            <a:prstTxWarp prst="textNoShape">
-              <a:avLst/>
-            </a:prstTxWarp>
-            <a:noAutofit/>
-          </a:bodyPr>
-          <a:lstStyle/>
-          <a:p>
-            <a:pPr algn="ctr"/>
-            <a:r>
-              <a:rPr lang="en-US" sz="2400" dirty="0">
-                <a:solidFill>
-                  <a:schemeClr val="tx2"/>
-                </a:solidFill>
-                <a:latin typeface="Cambria" pitchFamily="18" charset="0"/>
-              </a:rPr>
-              <a:t>€1M</a:t>
-            </a:r>
-          </a:p>
-        </p:txBody>
-      </p:sp>
-      <p:sp>
-        <p:nvSpPr>
-          <p:cNvPr id="25" name="Arrow: Left 24">
-            <a:extLst>
-              <a:ext uri="{FF2B5EF4-FFF2-40B4-BE49-F238E27FC236}">
-                <a16:creationId xmlns:a16="http://schemas.microsoft.com/office/drawing/2014/main" id="{3FDA3431-DD01-4191-B304-6B6E9C7983F0}"/>
-              </a:ext>
-            </a:extLst>
-          </p:cNvPr>
-          <p:cNvSpPr/>
-          <p:nvPr/>
-        </p:nvSpPr>
-        <p:spPr>
-          <a:xfrm flipH="1">
-            <a:off x="7239600" y="5567189"/>
-            <a:ext cx="1600200" cy="632222"/>
-          </a:xfrm>
-          <a:prstGeom prst="leftArrow">
-            <a:avLst/>
-          </a:prstGeom>
-          <a:solidFill>
-            <a:schemeClr val="bg1"/>
-          </a:solidFill>
-          <a:ln>
-            <a:solidFill>
-              <a:srgbClr val="00B050"/>
-            </a:solidFill>
-          </a:ln>
-        </p:spPr>
-        <p:style>
-          <a:lnRef idx="2">
-            <a:schemeClr val="accent1">
-              <a:shade val="50000"/>
-            </a:schemeClr>
-          </a:lnRef>
-          <a:fillRef idx="1">
-            <a:schemeClr val="accent1"/>
-          </a:fillRef>
-          <a:effectRef idx="0">
-            <a:schemeClr val="accent1"/>
-          </a:effectRef>
-          <a:fontRef idx="minor">
-            <a:schemeClr val="lt1"/>
-          </a:fontRef>
-        </p:style>
-        <p:txBody>
-          <a:bodyPr rot="0" spcFirstLastPara="0" vertOverflow="overflow" horzOverflow="overflow" vert="horz" wrap="square" lIns="91440" tIns="45720" rIns="91440" bIns="45720" numCol="1" spcCol="0" rtlCol="0" fromWordArt="0" anchor="ctr" anchorCtr="0" forceAA="0" compatLnSpc="1">
-            <a:prstTxWarp prst="textNoShape">
-              <a:avLst/>
-            </a:prstTxWarp>
-            <a:noAutofit/>
-          </a:bodyPr>
-          <a:lstStyle/>
-          <a:p>
-            <a:pPr algn="ctr"/>
-            <a:r>
-              <a:rPr lang="en-US" sz="2400" dirty="0">
-                <a:solidFill>
-                  <a:schemeClr val="tx2"/>
-                </a:solidFill>
-                <a:latin typeface="Cambria" pitchFamily="18" charset="0"/>
-              </a:rPr>
-              <a:t>$1.1M</a:t>
-            </a:r>
-          </a:p>
-        </p:txBody>
-      </p:sp>
-      <p:sp>
-        <p:nvSpPr>
-          <p:cNvPr id="23" name="Rectangle: Rounded Corners 22">
-            <a:extLst>
-              <a:ext uri="{FF2B5EF4-FFF2-40B4-BE49-F238E27FC236}">
-                <a16:creationId xmlns:a16="http://schemas.microsoft.com/office/drawing/2014/main" id="{C8E78F07-8B9C-4497-9034-7A87A0E21253}"/>
-              </a:ext>
-            </a:extLst>
-          </p:cNvPr>
-          <p:cNvSpPr/>
-          <p:nvPr/>
-        </p:nvSpPr>
-        <p:spPr>
-          <a:xfrm>
-            <a:off x="4104600" y="1560383"/>
-            <a:ext cx="2763600" cy="1379255"/>
-          </a:xfrm>
-          <a:prstGeom prst="roundRect">
-            <a:avLst/>
-          </a:prstGeom>
-          <a:solidFill>
-            <a:schemeClr val="bg1"/>
-          </a:solidFill>
-        </p:spPr>
-        <p:style>
-          <a:lnRef idx="2">
-            <a:schemeClr val="accent1">
-              <a:shade val="50000"/>
-            </a:schemeClr>
-          </a:lnRef>
-          <a:fillRef idx="1">
-            <a:schemeClr val="accent1"/>
-          </a:fillRef>
-          <a:effectRef idx="0">
-            <a:schemeClr val="accent1"/>
-          </a:effectRef>
-          <a:fontRef idx="minor">
-            <a:schemeClr val="lt1"/>
-          </a:fontRef>
-        </p:style>
-        <p:txBody>
-          <a:bodyPr rot="0" spcFirstLastPara="0" vertOverflow="overflow" horzOverflow="overflow" vert="horz" wrap="square" lIns="91440" tIns="45720" rIns="91440" bIns="45720" numCol="1" spcCol="0" rtlCol="0" fromWordArt="0" anchor="ctr" anchorCtr="0" forceAA="0" compatLnSpc="1">
-            <a:prstTxWarp prst="textNoShape">
-              <a:avLst/>
-            </a:prstTxWarp>
-            <a:noAutofit/>
-          </a:bodyPr>
-          <a:lstStyle/>
-          <a:p>
-            <a:pPr algn="ctr"/>
-            <a:r>
-              <a:rPr lang="en-US" sz="2400" dirty="0">
-                <a:solidFill>
-                  <a:schemeClr val="tx2"/>
-                </a:solidFill>
-                <a:latin typeface="Cambria" pitchFamily="18" charset="0"/>
-              </a:rPr>
-              <a:t>EBS (an institutional limit order market)</a:t>
-            </a:r>
-          </a:p>
-        </p:txBody>
-      </p:sp>
-    </p:spTree>
-    <p:extLst>
-      <p:ext uri="{BB962C8B-B14F-4D97-AF65-F5344CB8AC3E}">
-        <p14:creationId xmlns:p14="http://schemas.microsoft.com/office/powerpoint/2010/main" val="1779810702"/>
-      </p:ext>
-    </p:extLst>
-  </p:cSld>
-  <p:clrMapOvr>
-    <a:masterClrMapping/>
-  </p:clrMapOvr>
-</p:sld>
-</file>
-
-<file path=ppt/slides/slide36.xml><?xml version="1.0" encoding="utf-8"?>
-<p:sld xmlns:a="http://schemas.openxmlformats.org/drawingml/2006/main" xmlns:r="http://schemas.openxmlformats.org/officeDocument/2006/relationships" xmlns:p="http://schemas.openxmlformats.org/presentationml/2006/main">
-  <p:cSld>
-    <p:spTree>
-      <p:nvGrpSpPr>
-        <p:cNvPr id="1" name=""/>
-        <p:cNvGrpSpPr/>
-        <p:nvPr/>
-      </p:nvGrpSpPr>
-      <p:grpSpPr>
-        <a:xfrm>
-          <a:off x="0" y="0"/>
-          <a:ext cx="0" cy="0"/>
-          <a:chOff x="0" y="0"/>
-          <a:chExt cx="0" cy="0"/>
-        </a:xfrm>
-      </p:grpSpPr>
-      <p:sp>
-        <p:nvSpPr>
-          <p:cNvPr id="2" name="Title 1">
-            <a:extLst>
-              <a:ext uri="{FF2B5EF4-FFF2-40B4-BE49-F238E27FC236}">
-                <a16:creationId xmlns:a16="http://schemas.microsoft.com/office/drawing/2014/main" id="{7DE657EE-1F49-4C5D-A392-D9155BF65A26}"/>
-              </a:ext>
-            </a:extLst>
-          </p:cNvPr>
-          <p:cNvSpPr>
-            <a:spLocks noGrp="1"/>
-          </p:cNvSpPr>
-          <p:nvPr>
-            <p:ph type="title"/>
-          </p:nvPr>
-        </p:nvSpPr>
-        <p:spPr/>
-        <p:txBody>
-          <a:bodyPr>
-            <a:normAutofit fontScale="90000"/>
-          </a:bodyPr>
-          <a:lstStyle/>
-          <a:p>
-            <a:r>
-              <a:rPr lang="en-US" dirty="0"/>
-              <a:t>There are many settlement members, but activity is concentrated.</a:t>
-            </a:r>
-          </a:p>
-        </p:txBody>
-      </p:sp>
-      <p:sp>
-        <p:nvSpPr>
-          <p:cNvPr id="3" name="Content Placeholder 2">
-            <a:extLst>
-              <a:ext uri="{FF2B5EF4-FFF2-40B4-BE49-F238E27FC236}">
-                <a16:creationId xmlns:a16="http://schemas.microsoft.com/office/drawing/2014/main" id="{71A95969-33E3-4B42-B4E5-E51CE379C684}"/>
-              </a:ext>
-            </a:extLst>
-          </p:cNvPr>
-          <p:cNvSpPr>
-            <a:spLocks noGrp="1"/>
-          </p:cNvSpPr>
-          <p:nvPr>
-            <p:ph idx="1"/>
-          </p:nvPr>
-        </p:nvSpPr>
-        <p:spPr/>
-        <p:txBody>
-          <a:bodyPr/>
-          <a:lstStyle/>
-          <a:p>
-            <a:r>
-              <a:rPr lang="en-US" dirty="0"/>
-              <a:t>Each trade/settlement has two participants (sides).</a:t>
-            </a:r>
-          </a:p>
-          <a:p>
-            <a:r>
-              <a:rPr lang="en-US" dirty="0"/>
-              <a:t>Table 1. Distribution of settlement sides per member</a:t>
-            </a:r>
-          </a:p>
-        </p:txBody>
-      </p:sp>
-      <p:sp>
-        <p:nvSpPr>
-          <p:cNvPr id="5" name="Slide Number Placeholder 4">
-            <a:extLst>
-              <a:ext uri="{FF2B5EF4-FFF2-40B4-BE49-F238E27FC236}">
-                <a16:creationId xmlns:a16="http://schemas.microsoft.com/office/drawing/2014/main" id="{64847572-7617-4A20-B899-C916C6905A57}"/>
-              </a:ext>
-            </a:extLst>
-          </p:cNvPr>
-          <p:cNvSpPr>
-            <a:spLocks noGrp="1"/>
-          </p:cNvSpPr>
-          <p:nvPr>
-            <p:ph type="sldNum" sz="quarter" idx="12"/>
-          </p:nvPr>
-        </p:nvSpPr>
-        <p:spPr/>
-        <p:txBody>
-          <a:bodyPr/>
-          <a:lstStyle/>
-          <a:p>
-            <a:fld id="{209BAFFF-E36A-4B57-9655-92B0909E7771}" type="slidenum">
-              <a:rPr lang="en-US" smtClean="0"/>
-              <a:pPr/>
-              <a:t>36</a:t>
-            </a:fld>
-            <a:endParaRPr lang="en-US"/>
-          </a:p>
-        </p:txBody>
-      </p:sp>
-      <p:pic>
-        <p:nvPicPr>
-          <p:cNvPr id="6" name="Picture 5">
-            <a:extLst>
-              <a:ext uri="{FF2B5EF4-FFF2-40B4-BE49-F238E27FC236}">
-                <a16:creationId xmlns:a16="http://schemas.microsoft.com/office/drawing/2014/main" id="{096A2E33-CE03-462F-8CCD-A6C39AC89015}"/>
-              </a:ext>
-            </a:extLst>
-          </p:cNvPr>
-          <p:cNvPicPr>
-            <a:picLocks noChangeAspect="1"/>
-          </p:cNvPicPr>
-          <p:nvPr/>
-        </p:nvPicPr>
-        <p:blipFill>
-          <a:blip r:embed="rId2"/>
-          <a:stretch>
-            <a:fillRect/>
-          </a:stretch>
-        </p:blipFill>
-        <p:spPr>
-          <a:xfrm>
-            <a:off x="1691973" y="2819400"/>
-            <a:ext cx="9888330" cy="2648320"/>
-          </a:xfrm>
-          <a:prstGeom prst="rect">
-            <a:avLst/>
-          </a:prstGeom>
-        </p:spPr>
-      </p:pic>
-    </p:spTree>
-    <p:extLst>
-      <p:ext uri="{BB962C8B-B14F-4D97-AF65-F5344CB8AC3E}">
-        <p14:creationId xmlns:p14="http://schemas.microsoft.com/office/powerpoint/2010/main" val="4028435235"/>
-      </p:ext>
-    </p:extLst>
-  </p:cSld>
-  <p:clrMapOvr>
-    <a:masterClrMapping/>
-  </p:clrMapOvr>
-</p:sld>
-</file>
-
 <file path=ppt/slides/slide37.xml><?xml version="1.0" encoding="utf-8"?>
-<p:sld xmlns:a="http://schemas.openxmlformats.org/drawingml/2006/main" xmlns:r="http://schemas.openxmlformats.org/officeDocument/2006/relationships" xmlns:p="http://schemas.openxmlformats.org/presentationml/2006/main">
-  <p:cSld>
-    <p:spTree>
-      <p:nvGrpSpPr>
-        <p:cNvPr id="1" name=""/>
-        <p:cNvGrpSpPr/>
-        <p:nvPr/>
-      </p:nvGrpSpPr>
-      <p:grpSpPr>
-        <a:xfrm>
-          <a:off x="0" y="0"/>
-          <a:ext cx="0" cy="0"/>
-          <a:chOff x="0" y="0"/>
-          <a:chExt cx="0" cy="0"/>
-        </a:xfrm>
-      </p:grpSpPr>
-      <p:sp>
-        <p:nvSpPr>
-          <p:cNvPr id="6" name="Title 5">
-            <a:extLst>
-              <a:ext uri="{FF2B5EF4-FFF2-40B4-BE49-F238E27FC236}">
-                <a16:creationId xmlns:a16="http://schemas.microsoft.com/office/drawing/2014/main" id="{07978458-83F7-4A91-8DF3-77891A715994}"/>
-              </a:ext>
-            </a:extLst>
-          </p:cNvPr>
-          <p:cNvSpPr>
-            <a:spLocks noGrp="1"/>
-          </p:cNvSpPr>
-          <p:nvPr>
-            <p:ph type="title"/>
-          </p:nvPr>
-        </p:nvSpPr>
-        <p:spPr/>
-        <p:txBody>
-          <a:bodyPr>
-            <a:normAutofit fontScale="90000"/>
-          </a:bodyPr>
-          <a:lstStyle/>
-          <a:p>
-            <a:r>
-              <a:rPr lang="en-US" dirty="0"/>
-              <a:t>Table 2. Settlement activity by value (all instruments, all currencies)</a:t>
-            </a:r>
-          </a:p>
-        </p:txBody>
-      </p:sp>
-      <p:sp>
-        <p:nvSpPr>
-          <p:cNvPr id="5" name="Slide Number Placeholder 4">
-            <a:extLst>
-              <a:ext uri="{FF2B5EF4-FFF2-40B4-BE49-F238E27FC236}">
-                <a16:creationId xmlns:a16="http://schemas.microsoft.com/office/drawing/2014/main" id="{BD11BFA0-415B-43E6-9095-ACCF47500ADA}"/>
-              </a:ext>
-            </a:extLst>
-          </p:cNvPr>
-          <p:cNvSpPr>
-            <a:spLocks noGrp="1"/>
-          </p:cNvSpPr>
-          <p:nvPr>
-            <p:ph type="sldNum" sz="quarter" idx="12"/>
-          </p:nvPr>
-        </p:nvSpPr>
-        <p:spPr/>
-        <p:txBody>
-          <a:bodyPr/>
-          <a:lstStyle/>
-          <a:p>
-            <a:fld id="{209BAFFF-E36A-4B57-9655-92B0909E7771}" type="slidenum">
-              <a:rPr lang="en-US" smtClean="0"/>
-              <a:pPr/>
-              <a:t>37</a:t>
-            </a:fld>
-            <a:endParaRPr lang="en-US"/>
-          </a:p>
-        </p:txBody>
-      </p:sp>
-      <p:pic>
-        <p:nvPicPr>
-          <p:cNvPr id="7" name="Picture 6">
-            <a:extLst>
-              <a:ext uri="{FF2B5EF4-FFF2-40B4-BE49-F238E27FC236}">
-                <a16:creationId xmlns:a16="http://schemas.microsoft.com/office/drawing/2014/main" id="{A599B200-E866-4648-B886-269C07A5AD33}"/>
-              </a:ext>
-            </a:extLst>
-          </p:cNvPr>
-          <p:cNvPicPr>
-            <a:picLocks noChangeAspect="1"/>
-          </p:cNvPicPr>
-          <p:nvPr/>
-        </p:nvPicPr>
-        <p:blipFill>
-          <a:blip r:embed="rId2"/>
-          <a:stretch>
-            <a:fillRect/>
-          </a:stretch>
-        </p:blipFill>
-        <p:spPr>
-          <a:xfrm>
-            <a:off x="1116278" y="1397165"/>
-            <a:ext cx="10161322" cy="4954463"/>
-          </a:xfrm>
-          <a:prstGeom prst="rect">
-            <a:avLst/>
-          </a:prstGeom>
-        </p:spPr>
-      </p:pic>
-    </p:spTree>
-    <p:extLst>
-      <p:ext uri="{BB962C8B-B14F-4D97-AF65-F5344CB8AC3E}">
-        <p14:creationId xmlns:p14="http://schemas.microsoft.com/office/powerpoint/2010/main" val="1897958873"/>
-      </p:ext>
-    </p:extLst>
-  </p:cSld>
-  <p:clrMapOvr>
-    <a:masterClrMapping/>
-  </p:clrMapOvr>
-</p:sld>
-</file>
-
-<file path=ppt/slides/slide38.xml><?xml version="1.0" encoding="utf-8"?>
 <p:sld xmlns:a="http://schemas.openxmlformats.org/drawingml/2006/main" xmlns:r="http://schemas.openxmlformats.org/officeDocument/2006/relationships" xmlns:p="http://schemas.openxmlformats.org/presentationml/2006/main">
   <p:cSld>
     <p:spTree>
@@ -19888,7 +19920,7 @@
         <p:spPr>
           <a:xfrm>
             <a:off x="152400" y="152400"/>
-            <a:ext cx="8810073" cy="715089"/>
+            <a:ext cx="11658600" cy="715089"/>
           </a:xfrm>
         </p:spPr>
         <p:txBody>
@@ -19899,7 +19931,7 @@
           <a:p>
             <a:r>
               <a:rPr lang="en-US" dirty="0"/>
-              <a:t>Figure 2. EUR/USD, April 17, 2013</a:t>
+              <a:t>(Hasbrouck and Levich, 2019) Figure 2. EUR/USD, April 17, 2013</a:t>
             </a:r>
           </a:p>
         </p:txBody>
@@ -19928,7 +19960,7 @@
             <a:fld id="{209BAFFF-E36A-4B57-9655-92B0909E7771}" type="slidenum">
               <a:rPr lang="en-US" smtClean="0"/>
               <a:pPr/>
-              <a:t>38</a:t>
+              <a:t>37</a:t>
             </a:fld>
             <a:endParaRPr lang="en-US"/>
           </a:p>
@@ -19938,6 +19970,160 @@
     <p:extLst>
       <p:ext uri="{BB962C8B-B14F-4D97-AF65-F5344CB8AC3E}">
         <p14:creationId xmlns:p14="http://schemas.microsoft.com/office/powerpoint/2010/main" val="1500777617"/>
+      </p:ext>
+    </p:extLst>
+  </p:cSld>
+  <p:clrMapOvr>
+    <a:masterClrMapping/>
+  </p:clrMapOvr>
+</p:sld>
+</file>
+
+<file path=ppt/slides/slide38.xml><?xml version="1.0" encoding="utf-8"?>
+<p:sld xmlns:a="http://schemas.openxmlformats.org/drawingml/2006/main" xmlns:r="http://schemas.openxmlformats.org/officeDocument/2006/relationships" xmlns:p="http://schemas.openxmlformats.org/presentationml/2006/main">
+  <p:cSld>
+    <p:spTree>
+      <p:nvGrpSpPr>
+        <p:cNvPr id="1" name=""/>
+        <p:cNvGrpSpPr/>
+        <p:nvPr/>
+      </p:nvGrpSpPr>
+      <p:grpSpPr>
+        <a:xfrm>
+          <a:off x="0" y="0"/>
+          <a:ext cx="0" cy="0"/>
+          <a:chOff x="0" y="0"/>
+          <a:chExt cx="0" cy="0"/>
+        </a:xfrm>
+      </p:grpSpPr>
+      <p:sp>
+        <p:nvSpPr>
+          <p:cNvPr id="2" name="Title 1">
+            <a:extLst>
+              <a:ext uri="{FF2B5EF4-FFF2-40B4-BE49-F238E27FC236}">
+                <a16:creationId xmlns:a16="http://schemas.microsoft.com/office/drawing/2014/main" id="{7DE657EE-1F49-4C5D-A392-D9155BF65A26}"/>
+              </a:ext>
+            </a:extLst>
+          </p:cNvPr>
+          <p:cNvSpPr>
+            <a:spLocks noGrp="1"/>
+          </p:cNvSpPr>
+          <p:nvPr>
+            <p:ph type="title"/>
+          </p:nvPr>
+        </p:nvSpPr>
+        <p:spPr/>
+        <p:txBody>
+          <a:bodyPr>
+            <a:normAutofit fontScale="90000"/>
+          </a:bodyPr>
+          <a:lstStyle/>
+          <a:p>
+            <a:r>
+              <a:rPr lang="en-US" dirty="0"/>
+              <a:t>There are many settlement members, but activity is concentrated.</a:t>
+            </a:r>
+          </a:p>
+        </p:txBody>
+      </p:sp>
+      <p:sp>
+        <p:nvSpPr>
+          <p:cNvPr id="3" name="Content Placeholder 2">
+            <a:extLst>
+              <a:ext uri="{FF2B5EF4-FFF2-40B4-BE49-F238E27FC236}">
+                <a16:creationId xmlns:a16="http://schemas.microsoft.com/office/drawing/2014/main" id="{71A95969-33E3-4B42-B4E5-E51CE379C684}"/>
+              </a:ext>
+            </a:extLst>
+          </p:cNvPr>
+          <p:cNvSpPr>
+            <a:spLocks noGrp="1"/>
+          </p:cNvSpPr>
+          <p:nvPr>
+            <p:ph idx="1"/>
+          </p:nvPr>
+        </p:nvSpPr>
+        <p:spPr/>
+        <p:txBody>
+          <a:bodyPr/>
+          <a:lstStyle/>
+          <a:p>
+            <a:r>
+              <a:rPr lang="en-US" dirty="0"/>
+              <a:t>Each trade/settlement has two participants (sides).</a:t>
+            </a:r>
+          </a:p>
+          <a:p>
+            <a:r>
+              <a:rPr lang="en-US" dirty="0"/>
+              <a:t>Table 1. Distribution of settlement sides per member</a:t>
+            </a:r>
+          </a:p>
+        </p:txBody>
+      </p:sp>
+      <p:sp>
+        <p:nvSpPr>
+          <p:cNvPr id="5" name="Slide Number Placeholder 4">
+            <a:extLst>
+              <a:ext uri="{FF2B5EF4-FFF2-40B4-BE49-F238E27FC236}">
+                <a16:creationId xmlns:a16="http://schemas.microsoft.com/office/drawing/2014/main" id="{64847572-7617-4A20-B899-C916C6905A57}"/>
+              </a:ext>
+            </a:extLst>
+          </p:cNvPr>
+          <p:cNvSpPr>
+            <a:spLocks noGrp="1"/>
+          </p:cNvSpPr>
+          <p:nvPr>
+            <p:ph type="sldNum" sz="quarter" idx="12"/>
+          </p:nvPr>
+        </p:nvSpPr>
+        <p:spPr/>
+        <p:txBody>
+          <a:bodyPr/>
+          <a:lstStyle/>
+          <a:p>
+            <a:fld id="{209BAFFF-E36A-4B57-9655-92B0909E7771}" type="slidenum">
+              <a:rPr lang="en-US" smtClean="0"/>
+              <a:pPr/>
+              <a:t>38</a:t>
+            </a:fld>
+            <a:endParaRPr lang="en-US"/>
+          </a:p>
+        </p:txBody>
+      </p:sp>
+      <p:pic>
+        <p:nvPicPr>
+          <p:cNvPr id="6" name="Picture 5">
+            <a:extLst>
+              <a:ext uri="{FF2B5EF4-FFF2-40B4-BE49-F238E27FC236}">
+                <a16:creationId xmlns:a16="http://schemas.microsoft.com/office/drawing/2014/main" id="{096A2E33-CE03-462F-8CCD-A6C39AC89015}"/>
+              </a:ext>
+            </a:extLst>
+          </p:cNvPr>
+          <p:cNvPicPr>
+            <a:picLocks noChangeAspect="1"/>
+          </p:cNvPicPr>
+          <p:nvPr/>
+        </p:nvPicPr>
+        <p:blipFill>
+          <a:blip r:embed="rId2"/>
+          <a:stretch>
+            <a:fillRect/>
+          </a:stretch>
+        </p:blipFill>
+        <p:spPr>
+          <a:xfrm>
+            <a:off x="1691973" y="2819400"/>
+            <a:ext cx="9888330" cy="2648320"/>
+          </a:xfrm>
+          <a:prstGeom prst="rect">
+            <a:avLst/>
+          </a:prstGeom>
+        </p:spPr>
+      </p:pic>
+    </p:spTree>
+    <p:extLst>
+      <p:ext uri="{BB962C8B-B14F-4D97-AF65-F5344CB8AC3E}">
+        <p14:creationId xmlns:p14="http://schemas.microsoft.com/office/powerpoint/2010/main" val="4028435235"/>
       </p:ext>
     </p:extLst>
   </p:cSld>
@@ -19966,10 +20152,10 @@
       </p:grpSpPr>
       <p:sp>
         <p:nvSpPr>
-          <p:cNvPr id="5" name="Title 4">
+          <p:cNvPr id="6" name="Title 5">
             <a:extLst>
               <a:ext uri="{FF2B5EF4-FFF2-40B4-BE49-F238E27FC236}">
-                <a16:creationId xmlns:a16="http://schemas.microsoft.com/office/drawing/2014/main" id="{3DAF4B14-E686-42C7-8C1B-006EA907CBEA}"/>
+                <a16:creationId xmlns:a16="http://schemas.microsoft.com/office/drawing/2014/main" id="{07978458-83F7-4A91-8DF3-77891A715994}"/>
               </a:ext>
             </a:extLst>
           </p:cNvPr>
@@ -19982,22 +20168,24 @@
         </p:nvSpPr>
         <p:spPr/>
         <p:txBody>
-          <a:bodyPr/>
+          <a:bodyPr>
+            <a:normAutofit fontScale="90000"/>
+          </a:bodyPr>
           <a:lstStyle/>
           <a:p>
             <a:r>
               <a:rPr lang="en-US" dirty="0"/>
-              <a:t>Table 3. Distribution of degree centrality</a:t>
+              <a:t>Table 2. Settlement activity by value (all instruments, all currencies)</a:t>
             </a:r>
           </a:p>
         </p:txBody>
       </p:sp>
       <p:sp>
         <p:nvSpPr>
-          <p:cNvPr id="4" name="Slide Number Placeholder 3">
+          <p:cNvPr id="5" name="Slide Number Placeholder 4">
             <a:extLst>
               <a:ext uri="{FF2B5EF4-FFF2-40B4-BE49-F238E27FC236}">
-                <a16:creationId xmlns:a16="http://schemas.microsoft.com/office/drawing/2014/main" id="{E90D270F-2D26-4AD3-AFA8-F11D6BD876BC}"/>
+                <a16:creationId xmlns:a16="http://schemas.microsoft.com/office/drawing/2014/main" id="{BD11BFA0-415B-43E6-9095-ACCF47500ADA}"/>
               </a:ext>
             </a:extLst>
           </p:cNvPr>
@@ -20024,10 +20212,10 @@
       </p:sp>
       <p:pic>
         <p:nvPicPr>
-          <p:cNvPr id="6" name="Picture 5">
+          <p:cNvPr id="7" name="Picture 6">
             <a:extLst>
               <a:ext uri="{FF2B5EF4-FFF2-40B4-BE49-F238E27FC236}">
-                <a16:creationId xmlns:a16="http://schemas.microsoft.com/office/drawing/2014/main" id="{F7BF6898-9080-4C4E-88D6-BF558BCF0410}"/>
+                <a16:creationId xmlns:a16="http://schemas.microsoft.com/office/drawing/2014/main" id="{A599B200-E866-4648-B886-269C07A5AD33}"/>
               </a:ext>
             </a:extLst>
           </p:cNvPr>
@@ -20044,8 +20232,8 @@
         </p:blipFill>
         <p:spPr>
           <a:xfrm>
-            <a:off x="1180414" y="2023866"/>
-            <a:ext cx="9831172" cy="2810267"/>
+            <a:off x="1116278" y="1397165"/>
+            <a:ext cx="10161322" cy="4954463"/>
           </a:xfrm>
           <a:prstGeom prst="rect">
             <a:avLst/>
@@ -20055,7 +20243,7 @@
     </p:spTree>
     <p:extLst>
       <p:ext uri="{BB962C8B-B14F-4D97-AF65-F5344CB8AC3E}">
-        <p14:creationId xmlns:p14="http://schemas.microsoft.com/office/powerpoint/2010/main" val="705322900"/>
+        <p14:creationId xmlns:p14="http://schemas.microsoft.com/office/powerpoint/2010/main" val="1897958873"/>
       </p:ext>
     </p:extLst>
   </p:cSld>
@@ -20107,7 +20295,7 @@
           <a:p>
             <a:r>
               <a:rPr lang="en-US" dirty="0"/>
-              <a:t>Economic models of over-the-counter markets</a:t>
+              <a:t>Search models of over-the-counter markets</a:t>
             </a:r>
           </a:p>
         </p:txBody>
@@ -20262,6 +20450,124 @@
 </file>
 
 <file path=ppt/slides/slide40.xml><?xml version="1.0" encoding="utf-8"?>
+<p:sld xmlns:a="http://schemas.openxmlformats.org/drawingml/2006/main" xmlns:r="http://schemas.openxmlformats.org/officeDocument/2006/relationships" xmlns:p="http://schemas.openxmlformats.org/presentationml/2006/main">
+  <p:cSld>
+    <p:spTree>
+      <p:nvGrpSpPr>
+        <p:cNvPr id="1" name=""/>
+        <p:cNvGrpSpPr/>
+        <p:nvPr/>
+      </p:nvGrpSpPr>
+      <p:grpSpPr>
+        <a:xfrm>
+          <a:off x="0" y="0"/>
+          <a:ext cx="0" cy="0"/>
+          <a:chOff x="0" y="0"/>
+          <a:chExt cx="0" cy="0"/>
+        </a:xfrm>
+      </p:grpSpPr>
+      <p:sp>
+        <p:nvSpPr>
+          <p:cNvPr id="5" name="Title 4">
+            <a:extLst>
+              <a:ext uri="{FF2B5EF4-FFF2-40B4-BE49-F238E27FC236}">
+                <a16:creationId xmlns:a16="http://schemas.microsoft.com/office/drawing/2014/main" id="{3DAF4B14-E686-42C7-8C1B-006EA907CBEA}"/>
+              </a:ext>
+            </a:extLst>
+          </p:cNvPr>
+          <p:cNvSpPr>
+            <a:spLocks noGrp="1"/>
+          </p:cNvSpPr>
+          <p:nvPr>
+            <p:ph type="title"/>
+          </p:nvPr>
+        </p:nvSpPr>
+        <p:spPr/>
+        <p:txBody>
+          <a:bodyPr/>
+          <a:lstStyle/>
+          <a:p>
+            <a:r>
+              <a:rPr lang="en-US" dirty="0"/>
+              <a:t>Table 3. Distribution of degree centrality</a:t>
+            </a:r>
+          </a:p>
+        </p:txBody>
+      </p:sp>
+      <p:sp>
+        <p:nvSpPr>
+          <p:cNvPr id="4" name="Slide Number Placeholder 3">
+            <a:extLst>
+              <a:ext uri="{FF2B5EF4-FFF2-40B4-BE49-F238E27FC236}">
+                <a16:creationId xmlns:a16="http://schemas.microsoft.com/office/drawing/2014/main" id="{E90D270F-2D26-4AD3-AFA8-F11D6BD876BC}"/>
+              </a:ext>
+            </a:extLst>
+          </p:cNvPr>
+          <p:cNvSpPr>
+            <a:spLocks noGrp="1"/>
+          </p:cNvSpPr>
+          <p:nvPr>
+            <p:ph type="sldNum" sz="quarter" idx="12"/>
+          </p:nvPr>
+        </p:nvSpPr>
+        <p:spPr/>
+        <p:txBody>
+          <a:bodyPr/>
+          <a:lstStyle/>
+          <a:p>
+            <a:fld id="{209BAFFF-E36A-4B57-9655-92B0909E7771}" type="slidenum">
+              <a:rPr lang="en-US" smtClean="0"/>
+              <a:pPr/>
+              <a:t>40</a:t>
+            </a:fld>
+            <a:endParaRPr lang="en-US"/>
+          </a:p>
+        </p:txBody>
+      </p:sp>
+      <p:pic>
+        <p:nvPicPr>
+          <p:cNvPr id="6" name="Picture 5">
+            <a:extLst>
+              <a:ext uri="{FF2B5EF4-FFF2-40B4-BE49-F238E27FC236}">
+                <a16:creationId xmlns:a16="http://schemas.microsoft.com/office/drawing/2014/main" id="{F7BF6898-9080-4C4E-88D6-BF558BCF0410}"/>
+              </a:ext>
+            </a:extLst>
+          </p:cNvPr>
+          <p:cNvPicPr>
+            <a:picLocks noChangeAspect="1"/>
+          </p:cNvPicPr>
+          <p:nvPr/>
+        </p:nvPicPr>
+        <p:blipFill>
+          <a:blip r:embed="rId2"/>
+          <a:stretch>
+            <a:fillRect/>
+          </a:stretch>
+        </p:blipFill>
+        <p:spPr>
+          <a:xfrm>
+            <a:off x="1180414" y="2023866"/>
+            <a:ext cx="9831172" cy="2810267"/>
+          </a:xfrm>
+          <a:prstGeom prst="rect">
+            <a:avLst/>
+          </a:prstGeom>
+        </p:spPr>
+      </p:pic>
+    </p:spTree>
+    <p:extLst>
+      <p:ext uri="{BB962C8B-B14F-4D97-AF65-F5344CB8AC3E}">
+        <p14:creationId xmlns:p14="http://schemas.microsoft.com/office/powerpoint/2010/main" val="705322900"/>
+      </p:ext>
+    </p:extLst>
+  </p:cSld>
+  <p:clrMapOvr>
+    <a:masterClrMapping/>
+  </p:clrMapOvr>
+</p:sld>
+</file>
+
+<file path=ppt/slides/slide41.xml><?xml version="1.0" encoding="utf-8"?>
 <p:sld xmlns:a="http://schemas.openxmlformats.org/drawingml/2006/main" xmlns:r="http://schemas.openxmlformats.org/officeDocument/2006/relationships" xmlns:p="http://schemas.openxmlformats.org/presentationml/2006/main">
   <p:cSld>
     <p:spTree>
@@ -20302,7 +20608,7 @@
             <a:fld id="{209BAFFF-E36A-4B57-9655-92B0909E7771}" type="slidenum">
               <a:rPr lang="en-US" smtClean="0"/>
               <a:pPr/>
-              <a:t>40</a:t>
+              <a:t>41</a:t>
             </a:fld>
             <a:endParaRPr lang="en-US"/>
           </a:p>
@@ -20351,7 +20657,7 @@
 </p:sld>
 </file>
 
-<file path=ppt/slides/slide41.xml><?xml version="1.0" encoding="utf-8"?>
+<file path=ppt/slides/slide42.xml><?xml version="1.0" encoding="utf-8"?>
 <p:sld xmlns:a="http://schemas.openxmlformats.org/drawingml/2006/main" xmlns:r="http://schemas.openxmlformats.org/officeDocument/2006/relationships" xmlns:p="http://schemas.openxmlformats.org/presentationml/2006/main">
   <p:cSld>
     <p:spTree>
@@ -20505,7 +20811,7 @@
             <a:fld id="{209BAFFF-E36A-4B57-9655-92B0909E7771}" type="slidenum">
               <a:rPr lang="en-US" smtClean="0"/>
               <a:pPr/>
-              <a:t>41</a:t>
+              <a:t>42</a:t>
             </a:fld>
             <a:endParaRPr lang="en-US"/>
           </a:p>
@@ -20553,7 +20859,7 @@
 </p:sld>
 </file>
 
-<file path=ppt/slides/slide42.xml><?xml version="1.0" encoding="utf-8"?>
+<file path=ppt/slides/slide43.xml><?xml version="1.0" encoding="utf-8"?>
 <p:sld xmlns:a="http://schemas.openxmlformats.org/drawingml/2006/main" xmlns:r="http://schemas.openxmlformats.org/officeDocument/2006/relationships" xmlns:p="http://schemas.openxmlformats.org/presentationml/2006/main">
   <p:cSld>
     <p:spTree>
@@ -20622,7 +20928,7 @@
             <a:fld id="{209BAFFF-E36A-4B57-9655-92B0909E7771}" type="slidenum">
               <a:rPr lang="en-US" smtClean="0"/>
               <a:pPr/>
-              <a:t>42</a:t>
+              <a:t>43</a:t>
             </a:fld>
             <a:endParaRPr lang="en-US"/>
           </a:p>
@@ -21060,7 +21366,7 @@
 </p:sld>
 </file>
 
-<file path=ppt/slides/slide43.xml><?xml version="1.0" encoding="utf-8"?>
+<file path=ppt/slides/slide44.xml><?xml version="1.0" encoding="utf-8"?>
 <p:sld xmlns:a="http://schemas.openxmlformats.org/drawingml/2006/main" xmlns:r="http://schemas.openxmlformats.org/officeDocument/2006/relationships" xmlns:p="http://schemas.openxmlformats.org/presentationml/2006/main">
   <p:cSld>
     <p:spTree>
@@ -21129,7 +21435,7 @@
             <a:fld id="{209BAFFF-E36A-4B57-9655-92B0909E7771}" type="slidenum">
               <a:rPr lang="en-US" smtClean="0"/>
               <a:pPr/>
-              <a:t>43</a:t>
+              <a:t>44</a:t>
             </a:fld>
             <a:endParaRPr lang="en-US"/>
           </a:p>
@@ -21364,7 +21670,7 @@
 </p:sld>
 </file>
 
-<file path=ppt/slides/slide44.xml><?xml version="1.0" encoding="utf-8"?>
+<file path=ppt/slides/slide45.xml><?xml version="1.0" encoding="utf-8"?>
 <p:sld xmlns:a="http://schemas.openxmlformats.org/drawingml/2006/main" xmlns:r="http://schemas.openxmlformats.org/officeDocument/2006/relationships" xmlns:p="http://schemas.openxmlformats.org/presentationml/2006/main">
   <p:cSld>
     <p:spTree>
@@ -21433,7 +21739,7 @@
             <a:fld id="{209BAFFF-E36A-4B57-9655-92B0909E7771}" type="slidenum">
               <a:rPr lang="en-US" smtClean="0"/>
               <a:pPr/>
-              <a:t>44</a:t>
+              <a:t>45</a:t>
             </a:fld>
             <a:endParaRPr lang="en-US"/>
           </a:p>
@@ -21482,7 +21788,7 @@
 </p:sld>
 </file>
 
-<file path=ppt/slides/slide45.xml><?xml version="1.0" encoding="utf-8"?>
+<file path=ppt/slides/slide46.xml><?xml version="1.0" encoding="utf-8"?>
 <p:sld xmlns:a="http://schemas.openxmlformats.org/drawingml/2006/main" xmlns:r="http://schemas.openxmlformats.org/officeDocument/2006/relationships" xmlns:p="http://schemas.openxmlformats.org/presentationml/2006/main">
   <p:cSld>
     <p:spTree>
@@ -21553,7 +21859,7 @@
             <a:fld id="{209BAFFF-E36A-4B57-9655-92B0909E7771}" type="slidenum">
               <a:rPr lang="en-US" smtClean="0"/>
               <a:pPr/>
-              <a:t>45</a:t>
+              <a:t>46</a:t>
             </a:fld>
             <a:endParaRPr lang="en-US"/>
           </a:p>
@@ -21602,7 +21908,7 @@
 </p:sld>
 </file>
 
-<file path=ppt/slides/slide46.xml><?xml version="1.0" encoding="utf-8"?>
+<file path=ppt/slides/slide47.xml><?xml version="1.0" encoding="utf-8"?>
 <p:sld xmlns:a="http://schemas.openxmlformats.org/drawingml/2006/main" xmlns:r="http://schemas.openxmlformats.org/officeDocument/2006/relationships" xmlns:p="http://schemas.openxmlformats.org/presentationml/2006/main">
   <p:cSld>
     <p:spTree>
@@ -21678,7 +21984,7 @@
             <a:fld id="{209BAFFF-E36A-4B57-9655-92B0909E7771}" type="slidenum">
               <a:rPr lang="en-US" smtClean="0"/>
               <a:pPr/>
-              <a:t>46</a:t>
+              <a:t>47</a:t>
             </a:fld>
             <a:endParaRPr lang="en-US"/>
           </a:p>
@@ -21783,8 +22089,8 @@
           </a:p>
         </p:txBody>
       </p:sp>
-      <mc:AlternateContent xmlns:mc="http://schemas.openxmlformats.org/markup-compatibility/2006">
-        <mc:Choice xmlns:a14="http://schemas.microsoft.com/office/drawing/2010/main" Requires="a14">
+      <mc:AlternateContent xmlns:mc="http://schemas.openxmlformats.org/markup-compatibility/2006" xmlns:a14="http://schemas.microsoft.com/office/drawing/2010/main">
+        <mc:Choice Requires="a14">
           <p:sp>
             <p:nvSpPr>
               <p:cNvPr id="7" name="Content Placeholder 6">
@@ -21875,7 +22181,7 @@
             </p:txBody>
           </p:sp>
         </mc:Choice>
-        <mc:Fallback>
+        <mc:Fallback xmlns="">
           <p:sp>
             <p:nvSpPr>
               <p:cNvPr id="7" name="Content Placeholder 6">
@@ -22171,8 +22477,8 @@
           </a:p>
         </p:txBody>
       </p:sp>
-      <mc:AlternateContent xmlns:mc="http://schemas.openxmlformats.org/markup-compatibility/2006">
-        <mc:Choice xmlns:a14="http://schemas.microsoft.com/office/drawing/2010/main" Requires="a14">
+      <mc:AlternateContent xmlns:mc="http://schemas.openxmlformats.org/markup-compatibility/2006" xmlns:a14="http://schemas.microsoft.com/office/drawing/2010/main">
+        <mc:Choice Requires="a14">
           <p:sp>
             <p:nvSpPr>
               <p:cNvPr id="6" name="Content Placeholder 5">
@@ -22280,7 +22586,7 @@
             </p:txBody>
           </p:sp>
         </mc:Choice>
-        <mc:Fallback>
+        <mc:Fallback xmlns="">
           <p:sp>
             <p:nvSpPr>
               <p:cNvPr id="6" name="Content Placeholder 5">
@@ -22441,8 +22747,8 @@
           </a:p>
         </p:txBody>
       </p:sp>
-      <mc:AlternateContent xmlns:mc="http://schemas.openxmlformats.org/markup-compatibility/2006">
-        <mc:Choice xmlns:a14="http://schemas.microsoft.com/office/drawing/2010/main" Requires="a14">
+      <mc:AlternateContent xmlns:mc="http://schemas.openxmlformats.org/markup-compatibility/2006" xmlns:a14="http://schemas.microsoft.com/office/drawing/2010/main">
+        <mc:Choice Requires="a14">
           <p:sp>
             <p:nvSpPr>
               <p:cNvPr id="3" name="Content Placeholder 2">
@@ -22584,25 +22890,7 @@
                       <a:rPr lang="en-US" b="0" i="1" smtClean="0">
                         <a:latin typeface="Cambria Math" panose="02040503050406030204" pitchFamily="18" charset="0"/>
                       </a:rPr>
-                      <m:t>#</m:t>
-                    </m:r>
-                    <m:r>
-                      <a:rPr lang="en-US" b="0" i="1" smtClean="0">
-                        <a:latin typeface="Cambria Math" panose="02040503050406030204" pitchFamily="18" charset="0"/>
-                      </a:rPr>
-                      <m:t>2,</m:t>
-                    </m:r>
-                    <m:r>
-                      <a:rPr lang="en-US" b="0" i="1" smtClean="0">
-                        <a:latin typeface="Cambria Math" panose="02040503050406030204" pitchFamily="18" charset="0"/>
-                      </a:rPr>
-                      <m:t> #</m:t>
-                    </m:r>
-                    <m:r>
-                      <a:rPr lang="en-US" b="0" i="1" smtClean="0">
-                        <a:latin typeface="Cambria Math" panose="02040503050406030204" pitchFamily="18" charset="0"/>
-                      </a:rPr>
-                      <m:t>3 </m:t>
+                      <m:t>#2, #3 </m:t>
                     </m:r>
                     <m:r>
                       <m:rPr>
@@ -22809,7 +23097,7 @@
             </p:txBody>
           </p:sp>
         </mc:Choice>
-        <mc:Fallback>
+        <mc:Fallback xmlns="">
           <p:sp>
             <p:nvSpPr>
               <p:cNvPr id="3" name="Content Placeholder 2">
@@ -22972,8 +23260,8 @@
           </a:p>
         </p:txBody>
       </p:sp>
-      <mc:AlternateContent xmlns:mc="http://schemas.openxmlformats.org/markup-compatibility/2006">
-        <mc:Choice xmlns:a14="http://schemas.microsoft.com/office/drawing/2010/main" Requires="a14">
+      <mc:AlternateContent xmlns:mc="http://schemas.openxmlformats.org/markup-compatibility/2006" xmlns:a14="http://schemas.microsoft.com/office/drawing/2010/main">
+        <mc:Choice Requires="a14">
           <p:sp>
             <p:nvSpPr>
               <p:cNvPr id="3" name="Content Placeholder 2">
@@ -23112,7 +23400,7 @@
             </p:txBody>
           </p:sp>
         </mc:Choice>
-        <mc:Fallback>
+        <mc:Fallback xmlns="">
           <p:sp>
             <p:nvSpPr>
               <p:cNvPr id="3" name="Content Placeholder 2">
